--- a/Demo.CodeContracts.pptx
+++ b/Demo.CodeContracts.pptx
@@ -5,20 +5,27 @@
     <p:sldMasterId id="2147483648" r:id="rId1"/>
   </p:sldMasterIdLst>
   <p:notesMasterIdLst>
-    <p:notesMasterId r:id="rId10"/>
+    <p:notesMasterId r:id="rId17"/>
   </p:notesMasterIdLst>
   <p:handoutMasterIdLst>
-    <p:handoutMasterId r:id="rId11"/>
+    <p:handoutMasterId r:id="rId18"/>
   </p:handoutMasterIdLst>
   <p:sldIdLst>
     <p:sldId id="306" r:id="rId2"/>
     <p:sldId id="307" r:id="rId3"/>
     <p:sldId id="312" r:id="rId4"/>
-    <p:sldId id="319" r:id="rId5"/>
-    <p:sldId id="320" r:id="rId6"/>
-    <p:sldId id="321" r:id="rId7"/>
-    <p:sldId id="322" r:id="rId8"/>
-    <p:sldId id="323" r:id="rId9"/>
+    <p:sldId id="329" r:id="rId5"/>
+    <p:sldId id="330" r:id="rId6"/>
+    <p:sldId id="319" r:id="rId7"/>
+    <p:sldId id="328" r:id="rId8"/>
+    <p:sldId id="320" r:id="rId9"/>
+    <p:sldId id="324" r:id="rId10"/>
+    <p:sldId id="321" r:id="rId11"/>
+    <p:sldId id="325" r:id="rId12"/>
+    <p:sldId id="322" r:id="rId13"/>
+    <p:sldId id="326" r:id="rId14"/>
+    <p:sldId id="323" r:id="rId15"/>
+    <p:sldId id="327" r:id="rId16"/>
   </p:sldIdLst>
   <p:sldSz cx="9144000" cy="6858000" type="screen4x3"/>
   <p:notesSz cx="7077075" cy="9363075"/>
@@ -232,7 +239,7 @@
           <a:p>
             <a:fld id="{744D7EC3-CD50-4DA5-B722-330229C0073D}" type="datetimeFigureOut">
               <a:rPr lang="en-US" smtClean="0"/>
-              <a:t>3/18/2013</a:t>
+              <a:t>3/21/2013</a:t>
             </a:fld>
             <a:endParaRPr lang="en-US"/>
           </a:p>
@@ -397,7 +404,7 @@
           <a:p>
             <a:fld id="{85BE0011-04E0-4F3F-BFCE-633C944A425A}" type="datetimeFigureOut">
               <a:rPr lang="en-US" smtClean="0"/>
-              <a:t>3/18/2013</a:t>
+              <a:t>3/21/2013</a:t>
             </a:fld>
             <a:endParaRPr lang="en-US"/>
           </a:p>
@@ -872,6 +879,606 @@
     <p:extLst>
       <p:ext uri="{BB962C8B-B14F-4D97-AF65-F5344CB8AC3E}">
         <p14:creationId xmlns:p14="http://schemas.microsoft.com/office/powerpoint/2010/main" val="2272851835"/>
+      </p:ext>
+    </p:extLst>
+  </p:cSld>
+  <p:clrMapOvr>
+    <a:masterClrMapping/>
+  </p:clrMapOvr>
+</p:notes>
+</file>
+
+<file path=ppt/notesSlides/notesSlide3.xml><?xml version="1.0" encoding="utf-8"?>
+<p:notes xmlns:a="http://schemas.openxmlformats.org/drawingml/2006/main" xmlns:r="http://schemas.openxmlformats.org/officeDocument/2006/relationships" xmlns:p="http://schemas.openxmlformats.org/presentationml/2006/main">
+  <p:cSld>
+    <p:spTree>
+      <p:nvGrpSpPr>
+        <p:cNvPr id="1" name=""/>
+        <p:cNvGrpSpPr/>
+        <p:nvPr/>
+      </p:nvGrpSpPr>
+      <p:grpSpPr>
+        <a:xfrm>
+          <a:off x="0" y="0"/>
+          <a:ext cx="0" cy="0"/>
+          <a:chOff x="0" y="0"/>
+          <a:chExt cx="0" cy="0"/>
+        </a:xfrm>
+      </p:grpSpPr>
+      <p:sp>
+        <p:nvSpPr>
+          <p:cNvPr id="2" name="Slide Image Placeholder 1"/>
+          <p:cNvSpPr>
+            <a:spLocks noGrp="1" noRot="1" noChangeAspect="1"/>
+          </p:cNvSpPr>
+          <p:nvPr>
+            <p:ph type="sldImg"/>
+          </p:nvPr>
+        </p:nvSpPr>
+        <p:spPr/>
+      </p:sp>
+      <p:sp>
+        <p:nvSpPr>
+          <p:cNvPr id="3" name="Notes Placeholder 2"/>
+          <p:cNvSpPr>
+            <a:spLocks noGrp="1"/>
+          </p:cNvSpPr>
+          <p:nvPr>
+            <p:ph type="body" idx="1"/>
+          </p:nvPr>
+        </p:nvSpPr>
+        <p:spPr/>
+        <p:txBody>
+          <a:bodyPr/>
+          <a:lstStyle/>
+          <a:p>
+            <a:r>
+              <a:rPr lang="en-US" dirty="0" smtClean="0"/>
+              <a:t>Ask people who has used web </a:t>
+            </a:r>
+            <a:r>
+              <a:rPr lang="en-US" dirty="0" err="1" smtClean="0"/>
+              <a:t>api</a:t>
+            </a:r>
+            <a:endParaRPr lang="en-US" dirty="0" smtClean="0"/>
+          </a:p>
+          <a:p>
+            <a:r>
+              <a:rPr lang="en-US" dirty="0" smtClean="0"/>
+              <a:t>Who has used</a:t>
+            </a:r>
+            <a:r>
+              <a:rPr lang="en-US" baseline="0" dirty="0" smtClean="0"/>
+              <a:t> </a:t>
+            </a:r>
+            <a:r>
+              <a:rPr lang="en-US" baseline="0" dirty="0" err="1" smtClean="0"/>
+              <a:t>mvc</a:t>
+            </a:r>
+            <a:endParaRPr lang="en-US" baseline="0" dirty="0" smtClean="0"/>
+          </a:p>
+          <a:p>
+            <a:r>
+              <a:rPr lang="en-US" baseline="0" dirty="0" smtClean="0"/>
+              <a:t>Who has used </a:t>
+            </a:r>
+            <a:r>
+              <a:rPr lang="en-US" baseline="0" dirty="0" err="1" smtClean="0"/>
+              <a:t>wcf</a:t>
+            </a:r>
+            <a:endParaRPr lang="en-US" baseline="0" dirty="0" smtClean="0"/>
+          </a:p>
+          <a:p>
+            <a:endParaRPr lang="en-US" baseline="0" dirty="0" smtClean="0"/>
+          </a:p>
+          <a:p>
+            <a:r>
+              <a:rPr lang="en-US" baseline="0" dirty="0" smtClean="0"/>
+              <a:t>Not fair to be mean to </a:t>
+            </a:r>
+            <a:r>
+              <a:rPr lang="en-US" baseline="0" dirty="0" err="1" smtClean="0"/>
+              <a:t>wcf</a:t>
+            </a:r>
+            <a:endParaRPr lang="en-US" dirty="0"/>
+          </a:p>
+        </p:txBody>
+      </p:sp>
+      <p:sp>
+        <p:nvSpPr>
+          <p:cNvPr id="4" name="Slide Number Placeholder 3"/>
+          <p:cNvSpPr>
+            <a:spLocks noGrp="1"/>
+          </p:cNvSpPr>
+          <p:nvPr>
+            <p:ph type="sldNum" sz="quarter" idx="10"/>
+          </p:nvPr>
+        </p:nvSpPr>
+        <p:spPr/>
+        <p:txBody>
+          <a:bodyPr/>
+          <a:lstStyle/>
+          <a:p>
+            <a:fld id="{DD7D2AD7-BD31-48B9-8C8A-7D4EAE7F6485}" type="slidenum">
+              <a:rPr lang="en-US" smtClean="0"/>
+              <a:t>5</a:t>
+            </a:fld>
+            <a:endParaRPr lang="en-US"/>
+          </a:p>
+        </p:txBody>
+      </p:sp>
+    </p:spTree>
+    <p:extLst>
+      <p:ext uri="{BB962C8B-B14F-4D97-AF65-F5344CB8AC3E}">
+        <p14:creationId xmlns:p14="http://schemas.microsoft.com/office/powerpoint/2010/main" val="1319068079"/>
+      </p:ext>
+    </p:extLst>
+  </p:cSld>
+  <p:clrMapOvr>
+    <a:masterClrMapping/>
+  </p:clrMapOvr>
+</p:notes>
+</file>
+
+<file path=ppt/notesSlides/notesSlide4.xml><?xml version="1.0" encoding="utf-8"?>
+<p:notes xmlns:a="http://schemas.openxmlformats.org/drawingml/2006/main" xmlns:r="http://schemas.openxmlformats.org/officeDocument/2006/relationships" xmlns:p="http://schemas.openxmlformats.org/presentationml/2006/main">
+  <p:cSld>
+    <p:spTree>
+      <p:nvGrpSpPr>
+        <p:cNvPr id="1" name=""/>
+        <p:cNvGrpSpPr/>
+        <p:nvPr/>
+      </p:nvGrpSpPr>
+      <p:grpSpPr>
+        <a:xfrm>
+          <a:off x="0" y="0"/>
+          <a:ext cx="0" cy="0"/>
+          <a:chOff x="0" y="0"/>
+          <a:chExt cx="0" cy="0"/>
+        </a:xfrm>
+      </p:grpSpPr>
+      <p:sp>
+        <p:nvSpPr>
+          <p:cNvPr id="2" name="Slide Image Placeholder 1"/>
+          <p:cNvSpPr>
+            <a:spLocks noGrp="1" noRot="1" noChangeAspect="1"/>
+          </p:cNvSpPr>
+          <p:nvPr>
+            <p:ph type="sldImg"/>
+          </p:nvPr>
+        </p:nvSpPr>
+        <p:spPr/>
+      </p:sp>
+      <p:sp>
+        <p:nvSpPr>
+          <p:cNvPr id="3" name="Notes Placeholder 2"/>
+          <p:cNvSpPr>
+            <a:spLocks noGrp="1"/>
+          </p:cNvSpPr>
+          <p:nvPr>
+            <p:ph type="body" idx="1"/>
+          </p:nvPr>
+        </p:nvSpPr>
+        <p:spPr/>
+        <p:txBody>
+          <a:bodyPr/>
+          <a:lstStyle/>
+          <a:p>
+            <a:r>
+              <a:rPr lang="en-US" dirty="0" smtClean="0"/>
+              <a:t>Ask people who has used web </a:t>
+            </a:r>
+            <a:r>
+              <a:rPr lang="en-US" dirty="0" err="1" smtClean="0"/>
+              <a:t>api</a:t>
+            </a:r>
+            <a:endParaRPr lang="en-US" dirty="0" smtClean="0"/>
+          </a:p>
+          <a:p>
+            <a:r>
+              <a:rPr lang="en-US" dirty="0" smtClean="0"/>
+              <a:t>Who has used</a:t>
+            </a:r>
+            <a:r>
+              <a:rPr lang="en-US" baseline="0" dirty="0" smtClean="0"/>
+              <a:t> </a:t>
+            </a:r>
+            <a:r>
+              <a:rPr lang="en-US" baseline="0" dirty="0" err="1" smtClean="0"/>
+              <a:t>mvc</a:t>
+            </a:r>
+            <a:endParaRPr lang="en-US" baseline="0" dirty="0" smtClean="0"/>
+          </a:p>
+          <a:p>
+            <a:r>
+              <a:rPr lang="en-US" baseline="0" dirty="0" smtClean="0"/>
+              <a:t>Who has used </a:t>
+            </a:r>
+            <a:r>
+              <a:rPr lang="en-US" baseline="0" dirty="0" err="1" smtClean="0"/>
+              <a:t>wcf</a:t>
+            </a:r>
+            <a:endParaRPr lang="en-US" baseline="0" dirty="0" smtClean="0"/>
+          </a:p>
+          <a:p>
+            <a:endParaRPr lang="en-US" baseline="0" dirty="0" smtClean="0"/>
+          </a:p>
+          <a:p>
+            <a:r>
+              <a:rPr lang="en-US" baseline="0" dirty="0" smtClean="0"/>
+              <a:t>Not fair to be mean to </a:t>
+            </a:r>
+            <a:r>
+              <a:rPr lang="en-US" baseline="0" dirty="0" err="1" smtClean="0"/>
+              <a:t>wcf</a:t>
+            </a:r>
+            <a:endParaRPr lang="en-US" dirty="0"/>
+          </a:p>
+        </p:txBody>
+      </p:sp>
+      <p:sp>
+        <p:nvSpPr>
+          <p:cNvPr id="4" name="Slide Number Placeholder 3"/>
+          <p:cNvSpPr>
+            <a:spLocks noGrp="1"/>
+          </p:cNvSpPr>
+          <p:nvPr>
+            <p:ph type="sldNum" sz="quarter" idx="10"/>
+          </p:nvPr>
+        </p:nvSpPr>
+        <p:spPr/>
+        <p:txBody>
+          <a:bodyPr/>
+          <a:lstStyle/>
+          <a:p>
+            <a:fld id="{DD7D2AD7-BD31-48B9-8C8A-7D4EAE7F6485}" type="slidenum">
+              <a:rPr lang="en-US" smtClean="0"/>
+              <a:t>7</a:t>
+            </a:fld>
+            <a:endParaRPr lang="en-US"/>
+          </a:p>
+        </p:txBody>
+      </p:sp>
+    </p:spTree>
+    <p:extLst>
+      <p:ext uri="{BB962C8B-B14F-4D97-AF65-F5344CB8AC3E}">
+        <p14:creationId xmlns:p14="http://schemas.microsoft.com/office/powerpoint/2010/main" val="3362571669"/>
+      </p:ext>
+    </p:extLst>
+  </p:cSld>
+  <p:clrMapOvr>
+    <a:masterClrMapping/>
+  </p:clrMapOvr>
+</p:notes>
+</file>
+
+<file path=ppt/notesSlides/notesSlide5.xml><?xml version="1.0" encoding="utf-8"?>
+<p:notes xmlns:a="http://schemas.openxmlformats.org/drawingml/2006/main" xmlns:r="http://schemas.openxmlformats.org/officeDocument/2006/relationships" xmlns:p="http://schemas.openxmlformats.org/presentationml/2006/main">
+  <p:cSld>
+    <p:spTree>
+      <p:nvGrpSpPr>
+        <p:cNvPr id="1" name=""/>
+        <p:cNvGrpSpPr/>
+        <p:nvPr/>
+      </p:nvGrpSpPr>
+      <p:grpSpPr>
+        <a:xfrm>
+          <a:off x="0" y="0"/>
+          <a:ext cx="0" cy="0"/>
+          <a:chOff x="0" y="0"/>
+          <a:chExt cx="0" cy="0"/>
+        </a:xfrm>
+      </p:grpSpPr>
+      <p:sp>
+        <p:nvSpPr>
+          <p:cNvPr id="2" name="Slide Image Placeholder 1"/>
+          <p:cNvSpPr>
+            <a:spLocks noGrp="1" noRot="1" noChangeAspect="1"/>
+          </p:cNvSpPr>
+          <p:nvPr>
+            <p:ph type="sldImg"/>
+          </p:nvPr>
+        </p:nvSpPr>
+        <p:spPr/>
+      </p:sp>
+      <p:sp>
+        <p:nvSpPr>
+          <p:cNvPr id="3" name="Notes Placeholder 2"/>
+          <p:cNvSpPr>
+            <a:spLocks noGrp="1"/>
+          </p:cNvSpPr>
+          <p:nvPr>
+            <p:ph type="body" idx="1"/>
+          </p:nvPr>
+        </p:nvSpPr>
+        <p:spPr/>
+        <p:txBody>
+          <a:bodyPr/>
+          <a:lstStyle/>
+          <a:p>
+            <a:endParaRPr lang="en-US" dirty="0"/>
+          </a:p>
+        </p:txBody>
+      </p:sp>
+      <p:sp>
+        <p:nvSpPr>
+          <p:cNvPr id="4" name="Slide Number Placeholder 3"/>
+          <p:cNvSpPr>
+            <a:spLocks noGrp="1"/>
+          </p:cNvSpPr>
+          <p:nvPr>
+            <p:ph type="sldNum" sz="quarter" idx="10"/>
+          </p:nvPr>
+        </p:nvSpPr>
+        <p:spPr/>
+        <p:txBody>
+          <a:bodyPr/>
+          <a:lstStyle/>
+          <a:p>
+            <a:fld id="{DD7D2AD7-BD31-48B9-8C8A-7D4EAE7F6485}" type="slidenum">
+              <a:rPr lang="en-US" smtClean="0"/>
+              <a:t>9</a:t>
+            </a:fld>
+            <a:endParaRPr lang="en-US"/>
+          </a:p>
+        </p:txBody>
+      </p:sp>
+    </p:spTree>
+    <p:extLst>
+      <p:ext uri="{BB962C8B-B14F-4D97-AF65-F5344CB8AC3E}">
+        <p14:creationId xmlns:p14="http://schemas.microsoft.com/office/powerpoint/2010/main" val="3524511471"/>
+      </p:ext>
+    </p:extLst>
+  </p:cSld>
+  <p:clrMapOvr>
+    <a:masterClrMapping/>
+  </p:clrMapOvr>
+</p:notes>
+</file>
+
+<file path=ppt/notesSlides/notesSlide6.xml><?xml version="1.0" encoding="utf-8"?>
+<p:notes xmlns:a="http://schemas.openxmlformats.org/drawingml/2006/main" xmlns:r="http://schemas.openxmlformats.org/officeDocument/2006/relationships" xmlns:p="http://schemas.openxmlformats.org/presentationml/2006/main">
+  <p:cSld>
+    <p:spTree>
+      <p:nvGrpSpPr>
+        <p:cNvPr id="1" name=""/>
+        <p:cNvGrpSpPr/>
+        <p:nvPr/>
+      </p:nvGrpSpPr>
+      <p:grpSpPr>
+        <a:xfrm>
+          <a:off x="0" y="0"/>
+          <a:ext cx="0" cy="0"/>
+          <a:chOff x="0" y="0"/>
+          <a:chExt cx="0" cy="0"/>
+        </a:xfrm>
+      </p:grpSpPr>
+      <p:sp>
+        <p:nvSpPr>
+          <p:cNvPr id="2" name="Slide Image Placeholder 1"/>
+          <p:cNvSpPr>
+            <a:spLocks noGrp="1" noRot="1" noChangeAspect="1"/>
+          </p:cNvSpPr>
+          <p:nvPr>
+            <p:ph type="sldImg"/>
+          </p:nvPr>
+        </p:nvSpPr>
+        <p:spPr/>
+      </p:sp>
+      <p:sp>
+        <p:nvSpPr>
+          <p:cNvPr id="3" name="Notes Placeholder 2"/>
+          <p:cNvSpPr>
+            <a:spLocks noGrp="1"/>
+          </p:cNvSpPr>
+          <p:nvPr>
+            <p:ph type="body" idx="1"/>
+          </p:nvPr>
+        </p:nvSpPr>
+        <p:spPr/>
+        <p:txBody>
+          <a:bodyPr/>
+          <a:lstStyle/>
+          <a:p>
+            <a:endParaRPr lang="en-US" dirty="0"/>
+          </a:p>
+        </p:txBody>
+      </p:sp>
+      <p:sp>
+        <p:nvSpPr>
+          <p:cNvPr id="4" name="Slide Number Placeholder 3"/>
+          <p:cNvSpPr>
+            <a:spLocks noGrp="1"/>
+          </p:cNvSpPr>
+          <p:nvPr>
+            <p:ph type="sldNum" sz="quarter" idx="10"/>
+          </p:nvPr>
+        </p:nvSpPr>
+        <p:spPr/>
+        <p:txBody>
+          <a:bodyPr/>
+          <a:lstStyle/>
+          <a:p>
+            <a:fld id="{DD7D2AD7-BD31-48B9-8C8A-7D4EAE7F6485}" type="slidenum">
+              <a:rPr lang="en-US" smtClean="0"/>
+              <a:t>11</a:t>
+            </a:fld>
+            <a:endParaRPr lang="en-US"/>
+          </a:p>
+        </p:txBody>
+      </p:sp>
+    </p:spTree>
+    <p:extLst>
+      <p:ext uri="{BB962C8B-B14F-4D97-AF65-F5344CB8AC3E}">
+        <p14:creationId xmlns:p14="http://schemas.microsoft.com/office/powerpoint/2010/main" val="4121393212"/>
+      </p:ext>
+    </p:extLst>
+  </p:cSld>
+  <p:clrMapOvr>
+    <a:masterClrMapping/>
+  </p:clrMapOvr>
+</p:notes>
+</file>
+
+<file path=ppt/notesSlides/notesSlide7.xml><?xml version="1.0" encoding="utf-8"?>
+<p:notes xmlns:a="http://schemas.openxmlformats.org/drawingml/2006/main" xmlns:r="http://schemas.openxmlformats.org/officeDocument/2006/relationships" xmlns:p="http://schemas.openxmlformats.org/presentationml/2006/main">
+  <p:cSld>
+    <p:spTree>
+      <p:nvGrpSpPr>
+        <p:cNvPr id="1" name=""/>
+        <p:cNvGrpSpPr/>
+        <p:nvPr/>
+      </p:nvGrpSpPr>
+      <p:grpSpPr>
+        <a:xfrm>
+          <a:off x="0" y="0"/>
+          <a:ext cx="0" cy="0"/>
+          <a:chOff x="0" y="0"/>
+          <a:chExt cx="0" cy="0"/>
+        </a:xfrm>
+      </p:grpSpPr>
+      <p:sp>
+        <p:nvSpPr>
+          <p:cNvPr id="2" name="Slide Image Placeholder 1"/>
+          <p:cNvSpPr>
+            <a:spLocks noGrp="1" noRot="1" noChangeAspect="1"/>
+          </p:cNvSpPr>
+          <p:nvPr>
+            <p:ph type="sldImg"/>
+          </p:nvPr>
+        </p:nvSpPr>
+        <p:spPr/>
+      </p:sp>
+      <p:sp>
+        <p:nvSpPr>
+          <p:cNvPr id="3" name="Notes Placeholder 2"/>
+          <p:cNvSpPr>
+            <a:spLocks noGrp="1"/>
+          </p:cNvSpPr>
+          <p:nvPr>
+            <p:ph type="body" idx="1"/>
+          </p:nvPr>
+        </p:nvSpPr>
+        <p:spPr/>
+        <p:txBody>
+          <a:bodyPr/>
+          <a:lstStyle/>
+          <a:p>
+            <a:endParaRPr lang="en-US" dirty="0"/>
+          </a:p>
+        </p:txBody>
+      </p:sp>
+      <p:sp>
+        <p:nvSpPr>
+          <p:cNvPr id="4" name="Slide Number Placeholder 3"/>
+          <p:cNvSpPr>
+            <a:spLocks noGrp="1"/>
+          </p:cNvSpPr>
+          <p:nvPr>
+            <p:ph type="sldNum" sz="quarter" idx="10"/>
+          </p:nvPr>
+        </p:nvSpPr>
+        <p:spPr/>
+        <p:txBody>
+          <a:bodyPr/>
+          <a:lstStyle/>
+          <a:p>
+            <a:fld id="{DD7D2AD7-BD31-48B9-8C8A-7D4EAE7F6485}" type="slidenum">
+              <a:rPr lang="en-US" smtClean="0"/>
+              <a:t>13</a:t>
+            </a:fld>
+            <a:endParaRPr lang="en-US"/>
+          </a:p>
+        </p:txBody>
+      </p:sp>
+    </p:spTree>
+    <p:extLst>
+      <p:ext uri="{BB962C8B-B14F-4D97-AF65-F5344CB8AC3E}">
+        <p14:creationId xmlns:p14="http://schemas.microsoft.com/office/powerpoint/2010/main" val="1521834691"/>
+      </p:ext>
+    </p:extLst>
+  </p:cSld>
+  <p:clrMapOvr>
+    <a:masterClrMapping/>
+  </p:clrMapOvr>
+</p:notes>
+</file>
+
+<file path=ppt/notesSlides/notesSlide8.xml><?xml version="1.0" encoding="utf-8"?>
+<p:notes xmlns:a="http://schemas.openxmlformats.org/drawingml/2006/main" xmlns:r="http://schemas.openxmlformats.org/officeDocument/2006/relationships" xmlns:p="http://schemas.openxmlformats.org/presentationml/2006/main">
+  <p:cSld>
+    <p:spTree>
+      <p:nvGrpSpPr>
+        <p:cNvPr id="1" name=""/>
+        <p:cNvGrpSpPr/>
+        <p:nvPr/>
+      </p:nvGrpSpPr>
+      <p:grpSpPr>
+        <a:xfrm>
+          <a:off x="0" y="0"/>
+          <a:ext cx="0" cy="0"/>
+          <a:chOff x="0" y="0"/>
+          <a:chExt cx="0" cy="0"/>
+        </a:xfrm>
+      </p:grpSpPr>
+      <p:sp>
+        <p:nvSpPr>
+          <p:cNvPr id="2" name="Slide Image Placeholder 1"/>
+          <p:cNvSpPr>
+            <a:spLocks noGrp="1" noRot="1" noChangeAspect="1"/>
+          </p:cNvSpPr>
+          <p:nvPr>
+            <p:ph type="sldImg"/>
+          </p:nvPr>
+        </p:nvSpPr>
+        <p:spPr/>
+      </p:sp>
+      <p:sp>
+        <p:nvSpPr>
+          <p:cNvPr id="3" name="Notes Placeholder 2"/>
+          <p:cNvSpPr>
+            <a:spLocks noGrp="1"/>
+          </p:cNvSpPr>
+          <p:nvPr>
+            <p:ph type="body" idx="1"/>
+          </p:nvPr>
+        </p:nvSpPr>
+        <p:spPr/>
+        <p:txBody>
+          <a:bodyPr/>
+          <a:lstStyle/>
+          <a:p>
+            <a:endParaRPr lang="en-US" dirty="0"/>
+          </a:p>
+        </p:txBody>
+      </p:sp>
+      <p:sp>
+        <p:nvSpPr>
+          <p:cNvPr id="4" name="Slide Number Placeholder 3"/>
+          <p:cNvSpPr>
+            <a:spLocks noGrp="1"/>
+          </p:cNvSpPr>
+          <p:nvPr>
+            <p:ph type="sldNum" sz="quarter" idx="10"/>
+          </p:nvPr>
+        </p:nvSpPr>
+        <p:spPr/>
+        <p:txBody>
+          <a:bodyPr/>
+          <a:lstStyle/>
+          <a:p>
+            <a:fld id="{DD7D2AD7-BD31-48B9-8C8A-7D4EAE7F6485}" type="slidenum">
+              <a:rPr lang="en-US" smtClean="0"/>
+              <a:t>15</a:t>
+            </a:fld>
+            <a:endParaRPr lang="en-US"/>
+          </a:p>
+        </p:txBody>
+      </p:sp>
+    </p:spTree>
+    <p:extLst>
+      <p:ext uri="{BB962C8B-B14F-4D97-AF65-F5344CB8AC3E}">
+        <p14:creationId xmlns:p14="http://schemas.microsoft.com/office/powerpoint/2010/main" val="3774415779"/>
       </p:ext>
     </p:extLst>
   </p:cSld>
@@ -1539,7 +2146,7 @@
             <a:fld id="{EFEED2B4-868F-4681-9E70-FF7ECCDC67D4}" type="datetimeFigureOut">
               <a:rPr lang="en-US" smtClean="0"/>
               <a:pPr/>
-              <a:t>3/18/2013</a:t>
+              <a:t>3/21/2013</a:t>
             </a:fld>
             <a:endParaRPr lang="en-US" dirty="0"/>
           </a:p>
@@ -1805,7 +2412,7 @@
           <a:p>
             <a:fld id="{EFEED2B4-868F-4681-9E70-FF7ECCDC67D4}" type="datetimeFigureOut">
               <a:rPr lang="en-US" smtClean="0"/>
-              <a:t>3/18/2013</a:t>
+              <a:t>3/21/2013</a:t>
             </a:fld>
             <a:endParaRPr lang="en-US"/>
           </a:p>
@@ -2515,7 +3122,7 @@
           <a:p>
             <a:fld id="{EFEED2B4-868F-4681-9E70-FF7ECCDC67D4}" type="datetimeFigureOut">
               <a:rPr lang="en-US" smtClean="0"/>
-              <a:t>3/18/2013</a:t>
+              <a:t>3/21/2013</a:t>
             </a:fld>
             <a:endParaRPr lang="en-US"/>
           </a:p>
@@ -3125,7 +3732,7 @@
             <a:fld id="{EFEED2B4-868F-4681-9E70-FF7ECCDC67D4}" type="datetimeFigureOut">
               <a:rPr lang="en-US" smtClean="0"/>
               <a:pPr/>
-              <a:t>3/18/2013</a:t>
+              <a:t>3/21/2013</a:t>
             </a:fld>
             <a:endParaRPr lang="en-US" dirty="0"/>
           </a:p>
@@ -3279,7 +3886,7 @@
           <a:p>
             <a:fld id="{EFEED2B4-868F-4681-9E70-FF7ECCDC67D4}" type="datetimeFigureOut">
               <a:rPr lang="en-US" smtClean="0"/>
-              <a:t>3/18/2013</a:t>
+              <a:t>3/21/2013</a:t>
             </a:fld>
             <a:endParaRPr lang="en-US"/>
           </a:p>
@@ -3798,7 +4405,7 @@
           <a:p>
             <a:fld id="{EFEED2B4-868F-4681-9E70-FF7ECCDC67D4}" type="datetimeFigureOut">
               <a:rPr lang="en-US" smtClean="0"/>
-              <a:t>3/18/2013</a:t>
+              <a:t>3/21/2013</a:t>
             </a:fld>
             <a:endParaRPr lang="en-US"/>
           </a:p>
@@ -4340,7 +4947,7 @@
           <a:p>
             <a:fld id="{EFEED2B4-868F-4681-9E70-FF7ECCDC67D4}" type="datetimeFigureOut">
               <a:rPr lang="en-US" smtClean="0"/>
-              <a:t>3/18/2013</a:t>
+              <a:t>3/21/2013</a:t>
             </a:fld>
             <a:endParaRPr lang="en-US"/>
           </a:p>
@@ -4908,7 +5515,7 @@
           <a:p>
             <a:fld id="{EFEED2B4-868F-4681-9E70-FF7ECCDC67D4}" type="datetimeFigureOut">
               <a:rPr lang="en-US" smtClean="0"/>
-              <a:t>3/18/2013</a:t>
+              <a:t>3/21/2013</a:t>
             </a:fld>
             <a:endParaRPr lang="en-US"/>
           </a:p>
@@ -5966,7 +6573,7 @@
             <a:fld id="{EFEED2B4-868F-4681-9E70-FF7ECCDC67D4}" type="datetimeFigureOut">
               <a:rPr lang="en-US" smtClean="0"/>
               <a:pPr/>
-              <a:t>3/18/2013</a:t>
+              <a:t>3/21/2013</a:t>
             </a:fld>
             <a:endParaRPr lang="en-US" dirty="0"/>
           </a:p>
@@ -6413,7 +7020,7 @@
           <a:p>
             <a:fld id="{EFEED2B4-868F-4681-9E70-FF7ECCDC67D4}" type="datetimeFigureOut">
               <a:rPr lang="en-US" smtClean="0"/>
-              <a:t>3/18/2013</a:t>
+              <a:t>3/21/2013</a:t>
             </a:fld>
             <a:endParaRPr lang="en-US"/>
           </a:p>
@@ -6798,7 +7405,7 @@
           <a:p>
             <a:fld id="{EFEED2B4-868F-4681-9E70-FF7ECCDC67D4}" type="datetimeFigureOut">
               <a:rPr lang="en-US" smtClean="0"/>
-              <a:t>3/18/2013</a:t>
+              <a:t>3/21/2013</a:t>
             </a:fld>
             <a:endParaRPr lang="en-US"/>
           </a:p>
@@ -7359,7 +7966,7 @@
           <a:p>
             <a:fld id="{EFEED2B4-868F-4681-9E70-FF7ECCDC67D4}" type="datetimeFigureOut">
               <a:rPr lang="en-US" smtClean="0"/>
-              <a:t>3/18/2013</a:t>
+              <a:t>3/21/2013</a:t>
             </a:fld>
             <a:endParaRPr lang="en-US"/>
           </a:p>
@@ -7476,7 +8083,7 @@
           <a:p>
             <a:fld id="{EFEED2B4-868F-4681-9E70-FF7ECCDC67D4}" type="datetimeFigureOut">
               <a:rPr lang="en-US" smtClean="0"/>
-              <a:t>3/18/2013</a:t>
+              <a:t>3/21/2013</a:t>
             </a:fld>
             <a:endParaRPr lang="en-US"/>
           </a:p>
@@ -8992,7 +9599,7 @@
           <a:p>
             <a:fld id="{EFEED2B4-868F-4681-9E70-FF7ECCDC67D4}" type="datetimeFigureOut">
               <a:rPr lang="en-US" smtClean="0"/>
-              <a:t>3/18/2013</a:t>
+              <a:t>3/21/2013</a:t>
             </a:fld>
             <a:endParaRPr lang="en-US"/>
           </a:p>
@@ -10154,7 +10761,7 @@
           <a:p>
             <a:fld id="{EFEED2B4-868F-4681-9E70-FF7ECCDC67D4}" type="datetimeFigureOut">
               <a:rPr lang="en-US" smtClean="0"/>
-              <a:t>3/18/2013</a:t>
+              <a:t>3/21/2013</a:t>
             </a:fld>
             <a:endParaRPr lang="en-US"/>
           </a:p>
@@ -10533,7 +11140,7 @@
             <a:fld id="{EFEED2B4-868F-4681-9E70-FF7ECCDC67D4}" type="datetimeFigureOut">
               <a:rPr lang="en-US" smtClean="0"/>
               <a:pPr/>
-              <a:t>3/18/2013</a:t>
+              <a:t>3/21/2013</a:t>
             </a:fld>
             <a:endParaRPr lang="en-US" dirty="0"/>
           </a:p>
@@ -10830,7 +11437,7 @@
             <a:fld id="{EFEED2B4-868F-4681-9E70-FF7ECCDC67D4}" type="datetimeFigureOut">
               <a:rPr lang="en-US" smtClean="0"/>
               <a:pPr/>
-              <a:t>3/18/2013</a:t>
+              <a:t>3/21/2013</a:t>
             </a:fld>
             <a:endParaRPr lang="en-US" dirty="0"/>
           </a:p>
@@ -11306,7 +11913,7 @@
             <a:fld id="{EFEED2B4-868F-4681-9E70-FF7ECCDC67D4}" type="datetimeFigureOut">
               <a:rPr lang="en-US" smtClean="0"/>
               <a:pPr/>
-              <a:t>3/18/2013</a:t>
+              <a:t>3/21/2013</a:t>
             </a:fld>
             <a:endParaRPr lang="en-US" dirty="0"/>
           </a:p>
@@ -11589,7 +12196,7 @@
           <a:p>
             <a:fld id="{EFEED2B4-868F-4681-9E70-FF7ECCDC67D4}" type="datetimeFigureOut">
               <a:rPr lang="en-US" smtClean="0"/>
-              <a:t>3/18/2013</a:t>
+              <a:t>3/21/2013</a:t>
             </a:fld>
             <a:endParaRPr lang="en-US"/>
           </a:p>
@@ -11803,7 +12410,7 @@
           <a:p>
             <a:fld id="{EFEED2B4-868F-4681-9E70-FF7ECCDC67D4}" type="datetimeFigureOut">
               <a:rPr lang="en-US" smtClean="0"/>
-              <a:t>3/18/2013</a:t>
+              <a:t>3/21/2013</a:t>
             </a:fld>
             <a:endParaRPr lang="en-US"/>
           </a:p>
@@ -12214,7 +12821,7 @@
           <a:p>
             <a:fld id="{EFEED2B4-868F-4681-9E70-FF7ECCDC67D4}" type="datetimeFigureOut">
               <a:rPr lang="en-US" smtClean="0"/>
-              <a:t>3/18/2013</a:t>
+              <a:t>3/21/2013</a:t>
             </a:fld>
             <a:endParaRPr lang="en-US"/>
           </a:p>
@@ -12490,7 +13097,7 @@
           <a:p>
             <a:fld id="{EFEED2B4-868F-4681-9E70-FF7ECCDC67D4}" type="datetimeFigureOut">
               <a:rPr lang="en-US" smtClean="0"/>
-              <a:t>3/18/2013</a:t>
+              <a:t>3/21/2013</a:t>
             </a:fld>
             <a:endParaRPr lang="en-US"/>
           </a:p>
@@ -12927,7 +13534,7 @@
           <a:p>
             <a:fld id="{EFEED2B4-868F-4681-9E70-FF7ECCDC67D4}" type="datetimeFigureOut">
               <a:rPr lang="en-US" smtClean="0"/>
-              <a:t>3/18/2013</a:t>
+              <a:t>3/21/2013</a:t>
             </a:fld>
             <a:endParaRPr lang="en-US"/>
           </a:p>
@@ -13148,7 +13755,7 @@
           <a:p>
             <a:fld id="{EFEED2B4-868F-4681-9E70-FF7ECCDC67D4}" type="datetimeFigureOut">
               <a:rPr lang="en-US" smtClean="0"/>
-              <a:t>3/18/2013</a:t>
+              <a:t>3/21/2013</a:t>
             </a:fld>
             <a:endParaRPr lang="en-US"/>
           </a:p>
@@ -13638,7 +14245,7 @@
           <a:p>
             <a:fld id="{EFEED2B4-868F-4681-9E70-FF7ECCDC67D4}" type="datetimeFigureOut">
               <a:rPr lang="en-US" smtClean="0"/>
-              <a:t>3/18/2013</a:t>
+              <a:t>3/21/2013</a:t>
             </a:fld>
             <a:endParaRPr lang="en-US"/>
           </a:p>
@@ -13792,7 +14399,7 @@
             <a:fld id="{EFEED2B4-868F-4681-9E70-FF7ECCDC67D4}" type="datetimeFigureOut">
               <a:rPr lang="en-US" smtClean="0"/>
               <a:pPr/>
-              <a:t>3/18/2013</a:t>
+              <a:t>3/21/2013</a:t>
             </a:fld>
             <a:endParaRPr lang="en-US" dirty="0"/>
           </a:p>
@@ -14285,7 +14892,7 @@
           <a:p>
             <a:fld id="{EFEED2B4-868F-4681-9E70-FF7ECCDC67D4}" type="datetimeFigureOut">
               <a:rPr lang="en-US" smtClean="0"/>
-              <a:t>3/18/2013</a:t>
+              <a:t>3/21/2013</a:t>
             </a:fld>
             <a:endParaRPr lang="en-US"/>
           </a:p>
@@ -14515,7 +15122,7 @@
           <a:p>
             <a:fld id="{EFEED2B4-868F-4681-9E70-FF7ECCDC67D4}" type="datetimeFigureOut">
               <a:rPr lang="en-US" smtClean="0"/>
-              <a:t>3/18/2013</a:t>
+              <a:t>3/21/2013</a:t>
             </a:fld>
             <a:endParaRPr lang="en-US"/>
           </a:p>
@@ -15172,6 +15779,4169 @@
 </p:sld>
 </file>
 
+<file path=ppt/slides/slide10.xml><?xml version="1.0" encoding="utf-8"?>
+<p:sld xmlns:a="http://schemas.openxmlformats.org/drawingml/2006/main" xmlns:r="http://schemas.openxmlformats.org/officeDocument/2006/relationships" xmlns:p="http://schemas.openxmlformats.org/presentationml/2006/main">
+  <p:cSld>
+    <p:spTree>
+      <p:nvGrpSpPr>
+        <p:cNvPr id="1" name=""/>
+        <p:cNvGrpSpPr/>
+        <p:nvPr/>
+      </p:nvGrpSpPr>
+      <p:grpSpPr>
+        <a:xfrm>
+          <a:off x="0" y="0"/>
+          <a:ext cx="0" cy="0"/>
+          <a:chOff x="0" y="0"/>
+          <a:chExt cx="0" cy="0"/>
+        </a:xfrm>
+      </p:grpSpPr>
+      <p:sp>
+        <p:nvSpPr>
+          <p:cNvPr id="27" name="Text Placeholder 2"/>
+          <p:cNvSpPr txBox="1">
+            <a:spLocks/>
+          </p:cNvSpPr>
+          <p:nvPr/>
+        </p:nvSpPr>
+        <p:spPr>
+          <a:xfrm rot="5400000">
+            <a:off x="5682853" y="2939653"/>
+            <a:ext cx="6400800" cy="521494"/>
+          </a:xfrm>
+          <a:prstGeom prst="rect">
+            <a:avLst/>
+          </a:prstGeom>
+        </p:spPr>
+        <p:txBody>
+          <a:bodyPr>
+            <a:noAutofit/>
+          </a:bodyPr>
+          <a:lstStyle>
+            <a:lvl1pPr marL="342900" indent="-342900" algn="l" defTabSz="914400" rtl="0" eaLnBrk="1" latinLnBrk="0" hangingPunct="1">
+              <a:spcBef>
+                <a:spcPct val="20000"/>
+              </a:spcBef>
+              <a:buFont typeface="Arial" pitchFamily="34" charset="0"/>
+              <a:buChar char="•"/>
+              <a:defRPr sz="3200" kern="1200">
+                <a:solidFill>
+                  <a:schemeClr val="tx1"/>
+                </a:solidFill>
+                <a:latin typeface="+mn-lt"/>
+                <a:ea typeface="+mn-ea"/>
+                <a:cs typeface="+mn-cs"/>
+              </a:defRPr>
+            </a:lvl1pPr>
+            <a:lvl2pPr marL="742950" indent="-285750" algn="l" defTabSz="914400" rtl="0" eaLnBrk="1" latinLnBrk="0" hangingPunct="1">
+              <a:spcBef>
+                <a:spcPct val="20000"/>
+              </a:spcBef>
+              <a:buFont typeface="Arial" pitchFamily="34" charset="0"/>
+              <a:buChar char="–"/>
+              <a:defRPr sz="2800" kern="1200">
+                <a:solidFill>
+                  <a:schemeClr val="tx1"/>
+                </a:solidFill>
+                <a:latin typeface="+mn-lt"/>
+                <a:ea typeface="+mn-ea"/>
+                <a:cs typeface="+mn-cs"/>
+              </a:defRPr>
+            </a:lvl2pPr>
+            <a:lvl3pPr marL="1143000" indent="-228600" algn="l" defTabSz="914400" rtl="0" eaLnBrk="1" latinLnBrk="0" hangingPunct="1">
+              <a:spcBef>
+                <a:spcPct val="20000"/>
+              </a:spcBef>
+              <a:buFont typeface="Arial" pitchFamily="34" charset="0"/>
+              <a:buChar char="•"/>
+              <a:defRPr sz="2400" kern="1200">
+                <a:solidFill>
+                  <a:schemeClr val="tx1"/>
+                </a:solidFill>
+                <a:latin typeface="+mn-lt"/>
+                <a:ea typeface="+mn-ea"/>
+                <a:cs typeface="+mn-cs"/>
+              </a:defRPr>
+            </a:lvl3pPr>
+            <a:lvl4pPr marL="1600200" indent="-228600" algn="l" defTabSz="914400" rtl="0" eaLnBrk="1" latinLnBrk="0" hangingPunct="1">
+              <a:spcBef>
+                <a:spcPct val="20000"/>
+              </a:spcBef>
+              <a:buFont typeface="Arial" pitchFamily="34" charset="0"/>
+              <a:buChar char="–"/>
+              <a:defRPr sz="2000" kern="1200">
+                <a:solidFill>
+                  <a:schemeClr val="tx1"/>
+                </a:solidFill>
+                <a:latin typeface="+mn-lt"/>
+                <a:ea typeface="+mn-ea"/>
+                <a:cs typeface="+mn-cs"/>
+              </a:defRPr>
+            </a:lvl4pPr>
+            <a:lvl5pPr marL="2057400" indent="-228600" algn="l" defTabSz="914400" rtl="0" eaLnBrk="1" latinLnBrk="0" hangingPunct="1">
+              <a:spcBef>
+                <a:spcPct val="20000"/>
+              </a:spcBef>
+              <a:buFont typeface="Arial" pitchFamily="34" charset="0"/>
+              <a:buChar char="»"/>
+              <a:defRPr sz="2000" kern="1200">
+                <a:solidFill>
+                  <a:schemeClr val="tx1"/>
+                </a:solidFill>
+                <a:latin typeface="+mn-lt"/>
+                <a:ea typeface="+mn-ea"/>
+                <a:cs typeface="+mn-cs"/>
+              </a:defRPr>
+            </a:lvl5pPr>
+            <a:lvl6pPr marL="2514600" indent="-228600" algn="l" defTabSz="914400" rtl="0" eaLnBrk="1" latinLnBrk="0" hangingPunct="1">
+              <a:spcBef>
+                <a:spcPct val="20000"/>
+              </a:spcBef>
+              <a:buFont typeface="Arial" pitchFamily="34" charset="0"/>
+              <a:buChar char="•"/>
+              <a:defRPr sz="2000" kern="1200">
+                <a:solidFill>
+                  <a:schemeClr val="tx1"/>
+                </a:solidFill>
+                <a:latin typeface="+mn-lt"/>
+                <a:ea typeface="+mn-ea"/>
+                <a:cs typeface="+mn-cs"/>
+              </a:defRPr>
+            </a:lvl6pPr>
+            <a:lvl7pPr marL="2971800" indent="-228600" algn="l" defTabSz="914400" rtl="0" eaLnBrk="1" latinLnBrk="0" hangingPunct="1">
+              <a:spcBef>
+                <a:spcPct val="20000"/>
+              </a:spcBef>
+              <a:buFont typeface="Arial" pitchFamily="34" charset="0"/>
+              <a:buChar char="•"/>
+              <a:defRPr sz="2000" kern="1200">
+                <a:solidFill>
+                  <a:schemeClr val="tx1"/>
+                </a:solidFill>
+                <a:latin typeface="+mn-lt"/>
+                <a:ea typeface="+mn-ea"/>
+                <a:cs typeface="+mn-cs"/>
+              </a:defRPr>
+            </a:lvl7pPr>
+            <a:lvl8pPr marL="3429000" indent="-228600" algn="l" defTabSz="914400" rtl="0" eaLnBrk="1" latinLnBrk="0" hangingPunct="1">
+              <a:spcBef>
+                <a:spcPct val="20000"/>
+              </a:spcBef>
+              <a:buFont typeface="Arial" pitchFamily="34" charset="0"/>
+              <a:buChar char="•"/>
+              <a:defRPr sz="2000" kern="1200">
+                <a:solidFill>
+                  <a:schemeClr val="tx1"/>
+                </a:solidFill>
+                <a:latin typeface="+mn-lt"/>
+                <a:ea typeface="+mn-ea"/>
+                <a:cs typeface="+mn-cs"/>
+              </a:defRPr>
+            </a:lvl8pPr>
+            <a:lvl9pPr marL="3886200" indent="-228600" algn="l" defTabSz="914400" rtl="0" eaLnBrk="1" latinLnBrk="0" hangingPunct="1">
+              <a:spcBef>
+                <a:spcPct val="20000"/>
+              </a:spcBef>
+              <a:buFont typeface="Arial" pitchFamily="34" charset="0"/>
+              <a:buChar char="•"/>
+              <a:defRPr sz="2000" kern="1200">
+                <a:solidFill>
+                  <a:schemeClr val="tx1"/>
+                </a:solidFill>
+                <a:latin typeface="+mn-lt"/>
+                <a:ea typeface="+mn-ea"/>
+                <a:cs typeface="+mn-cs"/>
+              </a:defRPr>
+            </a:lvl9pPr>
+          </a:lstStyle>
+          <a:p>
+            <a:pPr>
+              <a:buFont typeface="Arial" pitchFamily="34" charset="0"/>
+              <a:buNone/>
+            </a:pPr>
+            <a:r>
+              <a:rPr lang="en-US" b="1" dirty="0" smtClean="0"/>
+              <a:t>Agenda</a:t>
+            </a:r>
+            <a:endParaRPr lang="en-US" b="1" dirty="0"/>
+          </a:p>
+        </p:txBody>
+      </p:sp>
+      <p:sp>
+        <p:nvSpPr>
+          <p:cNvPr id="2" name="TextBox 1"/>
+          <p:cNvSpPr txBox="1"/>
+          <p:nvPr/>
+        </p:nvSpPr>
+        <p:spPr>
+          <a:xfrm>
+            <a:off x="228600" y="381000"/>
+            <a:ext cx="8077200" cy="4862870"/>
+          </a:xfrm>
+          <a:prstGeom prst="rect">
+            <a:avLst/>
+          </a:prstGeom>
+          <a:noFill/>
+        </p:spPr>
+        <p:txBody>
+          <a:bodyPr wrap="square" rtlCol="0">
+            <a:spAutoFit/>
+          </a:bodyPr>
+          <a:lstStyle/>
+          <a:p>
+            <a:pPr marL="285750" indent="-285750">
+              <a:buFont typeface="Arial" panose="020B0604020202020204" pitchFamily="34" charset="0"/>
+              <a:buChar char="•"/>
+            </a:pPr>
+            <a:r>
+              <a:rPr lang="en-US" sz="3600" dirty="0"/>
+              <a:t>What is on tap?</a:t>
+            </a:r>
+          </a:p>
+          <a:p>
+            <a:endParaRPr lang="en-US" dirty="0"/>
+          </a:p>
+          <a:p>
+            <a:pPr marL="285750" indent="-285750">
+              <a:buFont typeface="Arial" panose="020B0604020202020204" pitchFamily="34" charset="0"/>
+              <a:buChar char="•"/>
+            </a:pPr>
+            <a:r>
+              <a:rPr lang="en-US" sz="3600" dirty="0"/>
+              <a:t>What are Contracts?</a:t>
+            </a:r>
+          </a:p>
+          <a:p>
+            <a:pPr marL="285750" indent="-285750">
+              <a:buFont typeface="Arial" panose="020B0604020202020204" pitchFamily="34" charset="0"/>
+              <a:buChar char="•"/>
+            </a:pPr>
+            <a:endParaRPr lang="en-US" dirty="0"/>
+          </a:p>
+          <a:p>
+            <a:pPr marL="285750" indent="-285750">
+              <a:buFont typeface="Arial" panose="020B0604020202020204" pitchFamily="34" charset="0"/>
+              <a:buChar char="•"/>
+            </a:pPr>
+            <a:r>
+              <a:rPr lang="en-US" sz="3600" dirty="0"/>
+              <a:t>How does Windows 8 allow Immersion  </a:t>
+            </a:r>
+          </a:p>
+          <a:p>
+            <a:pPr lvl="1"/>
+            <a:endParaRPr lang="en-US" dirty="0"/>
+          </a:p>
+          <a:p>
+            <a:pPr marL="285750" indent="-285750">
+              <a:buFont typeface="Arial" panose="020B0604020202020204" pitchFamily="34" charset="0"/>
+              <a:buChar char="•"/>
+            </a:pPr>
+            <a:r>
+              <a:rPr lang="en-US" sz="3600" dirty="0"/>
+              <a:t>How do I?</a:t>
+            </a:r>
+          </a:p>
+          <a:p>
+            <a:pPr marL="742950" lvl="1" indent="-285750">
+              <a:buFont typeface="Arial" panose="020B0604020202020204" pitchFamily="34" charset="0"/>
+              <a:buChar char="•"/>
+            </a:pPr>
+            <a:r>
+              <a:rPr lang="en-US" sz="2800" dirty="0"/>
+              <a:t>Implement Integrated Search</a:t>
+            </a:r>
+          </a:p>
+          <a:p>
+            <a:pPr marL="742950" lvl="1" indent="-285750">
+              <a:buFont typeface="Arial" panose="020B0604020202020204" pitchFamily="34" charset="0"/>
+              <a:buChar char="•"/>
+            </a:pPr>
+            <a:r>
+              <a:rPr lang="en-US" sz="2800" dirty="0">
+                <a:solidFill>
+                  <a:schemeClr val="accent6">
+                    <a:lumMod val="75000"/>
+                  </a:schemeClr>
+                </a:solidFill>
+              </a:rPr>
+              <a:t>Implement Sharing of data</a:t>
+            </a:r>
+          </a:p>
+          <a:p>
+            <a:pPr marL="742950" lvl="1" indent="-285750">
+              <a:buFont typeface="Arial" panose="020B0604020202020204" pitchFamily="34" charset="0"/>
+              <a:buChar char="•"/>
+            </a:pPr>
+            <a:r>
+              <a:rPr lang="en-US" sz="2800" dirty="0"/>
+              <a:t>Implement Receiving Shared data</a:t>
+            </a:r>
+          </a:p>
+          <a:p>
+            <a:pPr marL="742950" lvl="1" indent="-285750">
+              <a:buFont typeface="Arial" panose="020B0604020202020204" pitchFamily="34" charset="0"/>
+              <a:buChar char="•"/>
+            </a:pPr>
+            <a:r>
+              <a:rPr lang="en-US" sz="2800" dirty="0"/>
+              <a:t>Implement Integrated Settings</a:t>
+            </a:r>
+            <a:endParaRPr lang="en-US" sz="2800" dirty="0"/>
+          </a:p>
+        </p:txBody>
+      </p:sp>
+    </p:spTree>
+    <p:extLst>
+      <p:ext uri="{BB962C8B-B14F-4D97-AF65-F5344CB8AC3E}">
+        <p14:creationId xmlns:p14="http://schemas.microsoft.com/office/powerpoint/2010/main" val="1994585417"/>
+      </p:ext>
+    </p:extLst>
+  </p:cSld>
+  <p:clrMapOvr>
+    <a:masterClrMapping/>
+  </p:clrMapOvr>
+  <p:transition spd="slow">
+    <p:wipe/>
+  </p:transition>
+  <p:timing>
+    <p:tnLst>
+      <p:par>
+        <p:cTn id="1" dur="indefinite" restart="never" nodeType="tmRoot">
+          <p:childTnLst>
+            <p:seq concurrent="1" nextAc="seek">
+              <p:cTn id="2" dur="indefinite" nodeType="mainSeq">
+                <p:childTnLst>
+                  <p:par>
+                    <p:cTn id="3" fill="hold">
+                      <p:stCondLst>
+                        <p:cond delay="indefinite"/>
+                        <p:cond evt="onBegin" delay="0">
+                          <p:tn val="2"/>
+                        </p:cond>
+                      </p:stCondLst>
+                      <p:childTnLst>
+                        <p:par>
+                          <p:cTn id="4" fill="hold">
+                            <p:stCondLst>
+                              <p:cond delay="0"/>
+                            </p:stCondLst>
+                            <p:childTnLst>
+                              <p:par>
+                                <p:cTn id="5" presetID="10" presetClass="entr" presetSubtype="0" fill="hold" grpId="0" nodeType="afterEffect">
+                                  <p:stCondLst>
+                                    <p:cond delay="0"/>
+                                  </p:stCondLst>
+                                  <p:childTnLst>
+                                    <p:set>
+                                      <p:cBhvr>
+                                        <p:cTn id="6" dur="1" fill="hold">
+                                          <p:stCondLst>
+                                            <p:cond delay="0"/>
+                                          </p:stCondLst>
+                                        </p:cTn>
+                                        <p:tgtEl>
+                                          <p:spTgt spid="27">
+                                            <p:txEl>
+                                              <p:pRg st="0" end="0"/>
+                                            </p:txEl>
+                                          </p:spTgt>
+                                        </p:tgtEl>
+                                        <p:attrNameLst>
+                                          <p:attrName>style.visibility</p:attrName>
+                                        </p:attrNameLst>
+                                      </p:cBhvr>
+                                      <p:to>
+                                        <p:strVal val="visible"/>
+                                      </p:to>
+                                    </p:set>
+                                    <p:animEffect transition="in" filter="fade">
+                                      <p:cBhvr>
+                                        <p:cTn id="7" dur="1000"/>
+                                        <p:tgtEl>
+                                          <p:spTgt spid="27">
+                                            <p:txEl>
+                                              <p:pRg st="0" end="0"/>
+                                            </p:txEl>
+                                          </p:spTgt>
+                                        </p:tgtEl>
+                                      </p:cBhvr>
+                                    </p:animEffect>
+                                  </p:childTnLst>
+                                </p:cTn>
+                              </p:par>
+                            </p:childTnLst>
+                          </p:cTn>
+                        </p:par>
+                      </p:childTnLst>
+                    </p:cTn>
+                  </p:par>
+                </p:childTnLst>
+              </p:cTn>
+              <p:prevCondLst>
+                <p:cond evt="onPrev" delay="0">
+                  <p:tgtEl>
+                    <p:sldTgt/>
+                  </p:tgtEl>
+                </p:cond>
+              </p:prevCondLst>
+              <p:nextCondLst>
+                <p:cond evt="onNext" delay="0">
+                  <p:tgtEl>
+                    <p:sldTgt/>
+                  </p:tgtEl>
+                </p:cond>
+              </p:nextCondLst>
+            </p:seq>
+          </p:childTnLst>
+        </p:cTn>
+      </p:par>
+    </p:tnLst>
+    <p:bldLst>
+      <p:bldP spid="27" grpId="0" build="p"/>
+    </p:bldLst>
+  </p:timing>
+</p:sld>
+</file>
+
+<file path=ppt/slides/slide11.xml><?xml version="1.0" encoding="utf-8"?>
+<p:sld xmlns:a="http://schemas.openxmlformats.org/drawingml/2006/main" xmlns:r="http://schemas.openxmlformats.org/officeDocument/2006/relationships" xmlns:p="http://schemas.openxmlformats.org/presentationml/2006/main">
+  <p:cSld>
+    <p:spTree>
+      <p:nvGrpSpPr>
+        <p:cNvPr id="1" name=""/>
+        <p:cNvGrpSpPr/>
+        <p:nvPr/>
+      </p:nvGrpSpPr>
+      <p:grpSpPr>
+        <a:xfrm>
+          <a:off x="0" y="0"/>
+          <a:ext cx="0" cy="0"/>
+          <a:chOff x="0" y="0"/>
+          <a:chExt cx="0" cy="0"/>
+        </a:xfrm>
+      </p:grpSpPr>
+      <p:pic>
+        <p:nvPicPr>
+          <p:cNvPr id="6" name="Picture 5"/>
+          <p:cNvPicPr>
+            <a:picLocks noChangeAspect="1"/>
+          </p:cNvPicPr>
+          <p:nvPr/>
+        </p:nvPicPr>
+        <p:blipFill>
+          <a:blip r:embed="rId3"/>
+          <a:stretch>
+            <a:fillRect/>
+          </a:stretch>
+        </p:blipFill>
+        <p:spPr>
+          <a:xfrm>
+            <a:off x="5210318" y="3048000"/>
+            <a:ext cx="2343891" cy="2909888"/>
+          </a:xfrm>
+          <a:prstGeom prst="rect">
+            <a:avLst/>
+          </a:prstGeom>
+        </p:spPr>
+      </p:pic>
+      <p:sp>
+        <p:nvSpPr>
+          <p:cNvPr id="15" name="TextBox 14"/>
+          <p:cNvSpPr txBox="1"/>
+          <p:nvPr/>
+        </p:nvSpPr>
+        <p:spPr>
+          <a:xfrm>
+            <a:off x="0" y="533400"/>
+            <a:ext cx="4343400" cy="461665"/>
+          </a:xfrm>
+          <a:prstGeom prst="rect">
+            <a:avLst/>
+          </a:prstGeom>
+          <a:solidFill>
+            <a:schemeClr val="tx1">
+              <a:lumMod val="95000"/>
+              <a:lumOff val="5000"/>
+              <a:alpha val="55000"/>
+            </a:schemeClr>
+          </a:solidFill>
+        </p:spPr>
+        <p:txBody>
+          <a:bodyPr wrap="square" rtlCol="0" anchor="ctr" anchorCtr="0">
+            <a:normAutofit/>
+          </a:bodyPr>
+          <a:lstStyle/>
+          <a:p>
+            <a:r>
+              <a:rPr lang="en-US" sz="2400" dirty="0" smtClean="0">
+                <a:solidFill>
+                  <a:schemeClr val="bg1"/>
+                </a:solidFill>
+              </a:rPr>
+              <a:t>Using the Share Source Contract</a:t>
+            </a:r>
+            <a:endParaRPr lang="en-US" sz="2400" b="1" dirty="0">
+              <a:solidFill>
+                <a:schemeClr val="bg1"/>
+              </a:solidFill>
+            </a:endParaRPr>
+          </a:p>
+        </p:txBody>
+      </p:sp>
+      <p:sp>
+        <p:nvSpPr>
+          <p:cNvPr id="2" name="TextBox 1"/>
+          <p:cNvSpPr txBox="1"/>
+          <p:nvPr/>
+        </p:nvSpPr>
+        <p:spPr>
+          <a:xfrm>
+            <a:off x="304800" y="1314271"/>
+            <a:ext cx="7848599" cy="1200329"/>
+          </a:xfrm>
+          <a:prstGeom prst="rect">
+            <a:avLst/>
+          </a:prstGeom>
+          <a:noFill/>
+        </p:spPr>
+        <p:txBody>
+          <a:bodyPr wrap="square" rtlCol="0">
+            <a:spAutoFit/>
+          </a:bodyPr>
+          <a:lstStyle/>
+          <a:p>
+            <a:r>
+              <a:rPr lang="en-US" sz="3600" dirty="0" smtClean="0"/>
+              <a:t>Enables your application to share data with other applications.</a:t>
+            </a:r>
+          </a:p>
+        </p:txBody>
+      </p:sp>
+      <p:sp>
+        <p:nvSpPr>
+          <p:cNvPr id="4" name="Text Placeholder 2"/>
+          <p:cNvSpPr txBox="1">
+            <a:spLocks/>
+          </p:cNvSpPr>
+          <p:nvPr/>
+        </p:nvSpPr>
+        <p:spPr>
+          <a:xfrm rot="5400000">
+            <a:off x="5682853" y="2939653"/>
+            <a:ext cx="6400800" cy="521494"/>
+          </a:xfrm>
+          <a:prstGeom prst="rect">
+            <a:avLst/>
+          </a:prstGeom>
+        </p:spPr>
+        <p:txBody>
+          <a:bodyPr>
+            <a:noAutofit/>
+          </a:bodyPr>
+          <a:lstStyle>
+            <a:lvl1pPr marL="342900" indent="-342900" algn="l" defTabSz="914400" rtl="0" eaLnBrk="1" latinLnBrk="0" hangingPunct="1">
+              <a:spcBef>
+                <a:spcPct val="20000"/>
+              </a:spcBef>
+              <a:buFont typeface="Arial" pitchFamily="34" charset="0"/>
+              <a:buChar char="•"/>
+              <a:defRPr sz="3200" kern="1200">
+                <a:solidFill>
+                  <a:schemeClr val="tx1"/>
+                </a:solidFill>
+                <a:latin typeface="+mn-lt"/>
+                <a:ea typeface="+mn-ea"/>
+                <a:cs typeface="+mn-cs"/>
+              </a:defRPr>
+            </a:lvl1pPr>
+            <a:lvl2pPr marL="742950" indent="-285750" algn="l" defTabSz="914400" rtl="0" eaLnBrk="1" latinLnBrk="0" hangingPunct="1">
+              <a:spcBef>
+                <a:spcPct val="20000"/>
+              </a:spcBef>
+              <a:buFont typeface="Arial" pitchFamily="34" charset="0"/>
+              <a:buChar char="–"/>
+              <a:defRPr sz="2800" kern="1200">
+                <a:solidFill>
+                  <a:schemeClr val="tx1"/>
+                </a:solidFill>
+                <a:latin typeface="+mn-lt"/>
+                <a:ea typeface="+mn-ea"/>
+                <a:cs typeface="+mn-cs"/>
+              </a:defRPr>
+            </a:lvl2pPr>
+            <a:lvl3pPr marL="1143000" indent="-228600" algn="l" defTabSz="914400" rtl="0" eaLnBrk="1" latinLnBrk="0" hangingPunct="1">
+              <a:spcBef>
+                <a:spcPct val="20000"/>
+              </a:spcBef>
+              <a:buFont typeface="Arial" pitchFamily="34" charset="0"/>
+              <a:buChar char="•"/>
+              <a:defRPr sz="2400" kern="1200">
+                <a:solidFill>
+                  <a:schemeClr val="tx1"/>
+                </a:solidFill>
+                <a:latin typeface="+mn-lt"/>
+                <a:ea typeface="+mn-ea"/>
+                <a:cs typeface="+mn-cs"/>
+              </a:defRPr>
+            </a:lvl3pPr>
+            <a:lvl4pPr marL="1600200" indent="-228600" algn="l" defTabSz="914400" rtl="0" eaLnBrk="1" latinLnBrk="0" hangingPunct="1">
+              <a:spcBef>
+                <a:spcPct val="20000"/>
+              </a:spcBef>
+              <a:buFont typeface="Arial" pitchFamily="34" charset="0"/>
+              <a:buChar char="–"/>
+              <a:defRPr sz="2000" kern="1200">
+                <a:solidFill>
+                  <a:schemeClr val="tx1"/>
+                </a:solidFill>
+                <a:latin typeface="+mn-lt"/>
+                <a:ea typeface="+mn-ea"/>
+                <a:cs typeface="+mn-cs"/>
+              </a:defRPr>
+            </a:lvl4pPr>
+            <a:lvl5pPr marL="2057400" indent="-228600" algn="l" defTabSz="914400" rtl="0" eaLnBrk="1" latinLnBrk="0" hangingPunct="1">
+              <a:spcBef>
+                <a:spcPct val="20000"/>
+              </a:spcBef>
+              <a:buFont typeface="Arial" pitchFamily="34" charset="0"/>
+              <a:buChar char="»"/>
+              <a:defRPr sz="2000" kern="1200">
+                <a:solidFill>
+                  <a:schemeClr val="tx1"/>
+                </a:solidFill>
+                <a:latin typeface="+mn-lt"/>
+                <a:ea typeface="+mn-ea"/>
+                <a:cs typeface="+mn-cs"/>
+              </a:defRPr>
+            </a:lvl5pPr>
+            <a:lvl6pPr marL="2514600" indent="-228600" algn="l" defTabSz="914400" rtl="0" eaLnBrk="1" latinLnBrk="0" hangingPunct="1">
+              <a:spcBef>
+                <a:spcPct val="20000"/>
+              </a:spcBef>
+              <a:buFont typeface="Arial" pitchFamily="34" charset="0"/>
+              <a:buChar char="•"/>
+              <a:defRPr sz="2000" kern="1200">
+                <a:solidFill>
+                  <a:schemeClr val="tx1"/>
+                </a:solidFill>
+                <a:latin typeface="+mn-lt"/>
+                <a:ea typeface="+mn-ea"/>
+                <a:cs typeface="+mn-cs"/>
+              </a:defRPr>
+            </a:lvl6pPr>
+            <a:lvl7pPr marL="2971800" indent="-228600" algn="l" defTabSz="914400" rtl="0" eaLnBrk="1" latinLnBrk="0" hangingPunct="1">
+              <a:spcBef>
+                <a:spcPct val="20000"/>
+              </a:spcBef>
+              <a:buFont typeface="Arial" pitchFamily="34" charset="0"/>
+              <a:buChar char="•"/>
+              <a:defRPr sz="2000" kern="1200">
+                <a:solidFill>
+                  <a:schemeClr val="tx1"/>
+                </a:solidFill>
+                <a:latin typeface="+mn-lt"/>
+                <a:ea typeface="+mn-ea"/>
+                <a:cs typeface="+mn-cs"/>
+              </a:defRPr>
+            </a:lvl7pPr>
+            <a:lvl8pPr marL="3429000" indent="-228600" algn="l" defTabSz="914400" rtl="0" eaLnBrk="1" latinLnBrk="0" hangingPunct="1">
+              <a:spcBef>
+                <a:spcPct val="20000"/>
+              </a:spcBef>
+              <a:buFont typeface="Arial" pitchFamily="34" charset="0"/>
+              <a:buChar char="•"/>
+              <a:defRPr sz="2000" kern="1200">
+                <a:solidFill>
+                  <a:schemeClr val="tx1"/>
+                </a:solidFill>
+                <a:latin typeface="+mn-lt"/>
+                <a:ea typeface="+mn-ea"/>
+                <a:cs typeface="+mn-cs"/>
+              </a:defRPr>
+            </a:lvl8pPr>
+            <a:lvl9pPr marL="3886200" indent="-228600" algn="l" defTabSz="914400" rtl="0" eaLnBrk="1" latinLnBrk="0" hangingPunct="1">
+              <a:spcBef>
+                <a:spcPct val="20000"/>
+              </a:spcBef>
+              <a:buFont typeface="Arial" pitchFamily="34" charset="0"/>
+              <a:buChar char="•"/>
+              <a:defRPr sz="2000" kern="1200">
+                <a:solidFill>
+                  <a:schemeClr val="tx1"/>
+                </a:solidFill>
+                <a:latin typeface="+mn-lt"/>
+                <a:ea typeface="+mn-ea"/>
+                <a:cs typeface="+mn-cs"/>
+              </a:defRPr>
+            </a:lvl9pPr>
+          </a:lstStyle>
+          <a:p>
+            <a:pPr>
+              <a:buFont typeface="Arial" pitchFamily="34" charset="0"/>
+              <a:buNone/>
+            </a:pPr>
+            <a:r>
+              <a:rPr lang="en-US" b="1" dirty="0" smtClean="0"/>
+              <a:t>How Do I?</a:t>
+            </a:r>
+            <a:endParaRPr lang="en-US" b="1" dirty="0"/>
+          </a:p>
+        </p:txBody>
+      </p:sp>
+      <p:pic>
+        <p:nvPicPr>
+          <p:cNvPr id="5" name="Picture 4"/>
+          <p:cNvPicPr>
+            <a:picLocks noChangeAspect="1"/>
+          </p:cNvPicPr>
+          <p:nvPr/>
+        </p:nvPicPr>
+        <p:blipFill>
+          <a:blip r:embed="rId4"/>
+          <a:stretch>
+            <a:fillRect/>
+          </a:stretch>
+        </p:blipFill>
+        <p:spPr>
+          <a:xfrm>
+            <a:off x="7397643" y="3048000"/>
+            <a:ext cx="790575" cy="1943100"/>
+          </a:xfrm>
+          <a:prstGeom prst="rect">
+            <a:avLst/>
+          </a:prstGeom>
+        </p:spPr>
+      </p:pic>
+      <p:sp>
+        <p:nvSpPr>
+          <p:cNvPr id="7" name="TextBox 6"/>
+          <p:cNvSpPr txBox="1"/>
+          <p:nvPr/>
+        </p:nvSpPr>
+        <p:spPr>
+          <a:xfrm>
+            <a:off x="304799" y="2819221"/>
+            <a:ext cx="4876801" cy="3970318"/>
+          </a:xfrm>
+          <a:prstGeom prst="rect">
+            <a:avLst/>
+          </a:prstGeom>
+          <a:noFill/>
+        </p:spPr>
+        <p:txBody>
+          <a:bodyPr wrap="square" rtlCol="0">
+            <a:spAutoFit/>
+          </a:bodyPr>
+          <a:lstStyle/>
+          <a:p>
+            <a:r>
+              <a:rPr lang="en-US" sz="3600" dirty="0" smtClean="0"/>
+              <a:t>You can share:</a:t>
+            </a:r>
+          </a:p>
+          <a:p>
+            <a:pPr marL="571500" indent="-571500">
+              <a:buFont typeface="Arial" panose="020B0604020202020204" pitchFamily="34" charset="0"/>
+              <a:buChar char="•"/>
+            </a:pPr>
+            <a:r>
+              <a:rPr lang="en-US" sz="3600" dirty="0" smtClean="0"/>
+              <a:t>Text</a:t>
+            </a:r>
+          </a:p>
+          <a:p>
+            <a:pPr marL="571500" indent="-571500">
+              <a:buFont typeface="Arial" panose="020B0604020202020204" pitchFamily="34" charset="0"/>
+              <a:buChar char="•"/>
+            </a:pPr>
+            <a:r>
+              <a:rPr lang="en-US" sz="3600" dirty="0" smtClean="0"/>
+              <a:t>Images</a:t>
+            </a:r>
+          </a:p>
+          <a:p>
+            <a:pPr marL="571500" indent="-571500">
+              <a:buFont typeface="Arial" panose="020B0604020202020204" pitchFamily="34" charset="0"/>
+              <a:buChar char="•"/>
+            </a:pPr>
+            <a:r>
+              <a:rPr lang="en-US" sz="3600" dirty="0" smtClean="0"/>
+              <a:t>Custom Complex Types</a:t>
+            </a:r>
+          </a:p>
+          <a:p>
+            <a:endParaRPr lang="en-US" sz="3600" dirty="0"/>
+          </a:p>
+          <a:p>
+            <a:r>
+              <a:rPr lang="en-US" sz="3600" dirty="0" smtClean="0"/>
+              <a:t>Demo Time</a:t>
+            </a:r>
+          </a:p>
+        </p:txBody>
+      </p:sp>
+      <p:pic>
+        <p:nvPicPr>
+          <p:cNvPr id="8" name="Picture 7"/>
+          <p:cNvPicPr>
+            <a:picLocks noChangeAspect="1"/>
+          </p:cNvPicPr>
+          <p:nvPr/>
+        </p:nvPicPr>
+        <p:blipFill>
+          <a:blip r:embed="rId5"/>
+          <a:stretch>
+            <a:fillRect/>
+          </a:stretch>
+        </p:blipFill>
+        <p:spPr>
+          <a:xfrm>
+            <a:off x="7449217" y="4019550"/>
+            <a:ext cx="733425" cy="885825"/>
+          </a:xfrm>
+          <a:prstGeom prst="rect">
+            <a:avLst/>
+          </a:prstGeom>
+        </p:spPr>
+      </p:pic>
+    </p:spTree>
+    <p:extLst>
+      <p:ext uri="{BB962C8B-B14F-4D97-AF65-F5344CB8AC3E}">
+        <p14:creationId xmlns:p14="http://schemas.microsoft.com/office/powerpoint/2010/main" val="4147959771"/>
+      </p:ext>
+    </p:extLst>
+  </p:cSld>
+  <p:clrMapOvr>
+    <a:masterClrMapping/>
+  </p:clrMapOvr>
+  <p:transition spd="slow">
+    <p:wipe/>
+  </p:transition>
+  <p:timing>
+    <p:tnLst>
+      <p:par>
+        <p:cTn id="1" dur="indefinite" restart="never" nodeType="tmRoot">
+          <p:childTnLst>
+            <p:seq concurrent="1" nextAc="seek">
+              <p:cTn id="2" dur="indefinite" nodeType="mainSeq">
+                <p:childTnLst>
+                  <p:par>
+                    <p:cTn id="3" fill="hold">
+                      <p:stCondLst>
+                        <p:cond delay="indefinite"/>
+                        <p:cond evt="onBegin" delay="0">
+                          <p:tn val="2"/>
+                        </p:cond>
+                      </p:stCondLst>
+                      <p:childTnLst>
+                        <p:par>
+                          <p:cTn id="4" fill="hold">
+                            <p:stCondLst>
+                              <p:cond delay="0"/>
+                            </p:stCondLst>
+                            <p:childTnLst>
+                              <p:par>
+                                <p:cTn id="5" presetID="2" presetClass="entr" presetSubtype="8" fill="hold" grpId="0" nodeType="afterEffect">
+                                  <p:stCondLst>
+                                    <p:cond delay="100"/>
+                                  </p:stCondLst>
+                                  <p:childTnLst>
+                                    <p:set>
+                                      <p:cBhvr>
+                                        <p:cTn id="6" dur="1" fill="hold">
+                                          <p:stCondLst>
+                                            <p:cond delay="0"/>
+                                          </p:stCondLst>
+                                        </p:cTn>
+                                        <p:tgtEl>
+                                          <p:spTgt spid="15"/>
+                                        </p:tgtEl>
+                                        <p:attrNameLst>
+                                          <p:attrName>style.visibility</p:attrName>
+                                        </p:attrNameLst>
+                                      </p:cBhvr>
+                                      <p:to>
+                                        <p:strVal val="visible"/>
+                                      </p:to>
+                                    </p:set>
+                                    <p:anim calcmode="lin" valueType="num">
+                                      <p:cBhvr additive="base">
+                                        <p:cTn id="7" dur="500" fill="hold"/>
+                                        <p:tgtEl>
+                                          <p:spTgt spid="15"/>
+                                        </p:tgtEl>
+                                        <p:attrNameLst>
+                                          <p:attrName>ppt_x</p:attrName>
+                                        </p:attrNameLst>
+                                      </p:cBhvr>
+                                      <p:tavLst>
+                                        <p:tav tm="0">
+                                          <p:val>
+                                            <p:strVal val="0-#ppt_w/2"/>
+                                          </p:val>
+                                        </p:tav>
+                                        <p:tav tm="100000">
+                                          <p:val>
+                                            <p:strVal val="#ppt_x"/>
+                                          </p:val>
+                                        </p:tav>
+                                      </p:tavLst>
+                                    </p:anim>
+                                    <p:anim calcmode="lin" valueType="num">
+                                      <p:cBhvr additive="base">
+                                        <p:cTn id="8" dur="500" fill="hold"/>
+                                        <p:tgtEl>
+                                          <p:spTgt spid="15"/>
+                                        </p:tgtEl>
+                                        <p:attrNameLst>
+                                          <p:attrName>ppt_y</p:attrName>
+                                        </p:attrNameLst>
+                                      </p:cBhvr>
+                                      <p:tavLst>
+                                        <p:tav tm="0">
+                                          <p:val>
+                                            <p:strVal val="#ppt_y"/>
+                                          </p:val>
+                                        </p:tav>
+                                        <p:tav tm="100000">
+                                          <p:val>
+                                            <p:strVal val="#ppt_y"/>
+                                          </p:val>
+                                        </p:tav>
+                                      </p:tavLst>
+                                    </p:anim>
+                                  </p:childTnLst>
+                                </p:cTn>
+                              </p:par>
+                              <p:par>
+                                <p:cTn id="9" presetID="10" presetClass="entr" presetSubtype="0" fill="hold" nodeType="withEffect">
+                                  <p:stCondLst>
+                                    <p:cond delay="100"/>
+                                  </p:stCondLst>
+                                  <p:childTnLst>
+                                    <p:set>
+                                      <p:cBhvr>
+                                        <p:cTn id="10" dur="1" fill="hold">
+                                          <p:stCondLst>
+                                            <p:cond delay="0"/>
+                                          </p:stCondLst>
+                                        </p:cTn>
+                                        <p:tgtEl>
+                                          <p:spTgt spid="2">
+                                            <p:txEl>
+                                              <p:pRg st="0" end="0"/>
+                                            </p:txEl>
+                                          </p:spTgt>
+                                        </p:tgtEl>
+                                        <p:attrNameLst>
+                                          <p:attrName>style.visibility</p:attrName>
+                                        </p:attrNameLst>
+                                      </p:cBhvr>
+                                      <p:to>
+                                        <p:strVal val="visible"/>
+                                      </p:to>
+                                    </p:set>
+                                    <p:animEffect transition="in" filter="fade">
+                                      <p:cBhvr>
+                                        <p:cTn id="11" dur="500"/>
+                                        <p:tgtEl>
+                                          <p:spTgt spid="2">
+                                            <p:txEl>
+                                              <p:pRg st="0" end="0"/>
+                                            </p:txEl>
+                                          </p:spTgt>
+                                        </p:tgtEl>
+                                      </p:cBhvr>
+                                    </p:animEffect>
+                                  </p:childTnLst>
+                                </p:cTn>
+                              </p:par>
+                              <p:par>
+                                <p:cTn id="12" presetID="1" presetClass="entr" presetSubtype="0" fill="hold" nodeType="withEffect">
+                                  <p:stCondLst>
+                                    <p:cond delay="100"/>
+                                  </p:stCondLst>
+                                  <p:childTnLst>
+                                    <p:set>
+                                      <p:cBhvr>
+                                        <p:cTn id="13" dur="1" fill="hold">
+                                          <p:stCondLst>
+                                            <p:cond delay="0"/>
+                                          </p:stCondLst>
+                                        </p:cTn>
+                                        <p:tgtEl>
+                                          <p:spTgt spid="6"/>
+                                        </p:tgtEl>
+                                        <p:attrNameLst>
+                                          <p:attrName>style.visibility</p:attrName>
+                                        </p:attrNameLst>
+                                      </p:cBhvr>
+                                      <p:to>
+                                        <p:strVal val="visible"/>
+                                      </p:to>
+                                    </p:set>
+                                  </p:childTnLst>
+                                </p:cTn>
+                              </p:par>
+                              <p:par>
+                                <p:cTn id="14" presetID="1" presetClass="entr" presetSubtype="0" fill="hold" nodeType="withEffect">
+                                  <p:stCondLst>
+                                    <p:cond delay="0"/>
+                                  </p:stCondLst>
+                                  <p:childTnLst>
+                                    <p:set>
+                                      <p:cBhvr>
+                                        <p:cTn id="15" dur="1" fill="hold">
+                                          <p:stCondLst>
+                                            <p:cond delay="0"/>
+                                          </p:stCondLst>
+                                        </p:cTn>
+                                        <p:tgtEl>
+                                          <p:spTgt spid="5"/>
+                                        </p:tgtEl>
+                                        <p:attrNameLst>
+                                          <p:attrName>style.visibility</p:attrName>
+                                        </p:attrNameLst>
+                                      </p:cBhvr>
+                                      <p:to>
+                                        <p:strVal val="visible"/>
+                                      </p:to>
+                                    </p:set>
+                                  </p:childTnLst>
+                                </p:cTn>
+                              </p:par>
+                            </p:childTnLst>
+                          </p:cTn>
+                        </p:par>
+                        <p:par>
+                          <p:cTn id="16" fill="hold">
+                            <p:stCondLst>
+                              <p:cond delay="600"/>
+                            </p:stCondLst>
+                            <p:childTnLst>
+                              <p:par>
+                                <p:cTn id="17" presetID="10" presetClass="entr" presetSubtype="0" fill="hold" grpId="0" nodeType="afterEffect">
+                                  <p:stCondLst>
+                                    <p:cond delay="0"/>
+                                  </p:stCondLst>
+                                  <p:childTnLst>
+                                    <p:set>
+                                      <p:cBhvr>
+                                        <p:cTn id="18" dur="1" fill="hold">
+                                          <p:stCondLst>
+                                            <p:cond delay="0"/>
+                                          </p:stCondLst>
+                                        </p:cTn>
+                                        <p:tgtEl>
+                                          <p:spTgt spid="4">
+                                            <p:txEl>
+                                              <p:pRg st="0" end="0"/>
+                                            </p:txEl>
+                                          </p:spTgt>
+                                        </p:tgtEl>
+                                        <p:attrNameLst>
+                                          <p:attrName>style.visibility</p:attrName>
+                                        </p:attrNameLst>
+                                      </p:cBhvr>
+                                      <p:to>
+                                        <p:strVal val="visible"/>
+                                      </p:to>
+                                    </p:set>
+                                    <p:animEffect transition="in" filter="fade">
+                                      <p:cBhvr>
+                                        <p:cTn id="19" dur="1000"/>
+                                        <p:tgtEl>
+                                          <p:spTgt spid="4">
+                                            <p:txEl>
+                                              <p:pRg st="0" end="0"/>
+                                            </p:txEl>
+                                          </p:spTgt>
+                                        </p:tgtEl>
+                                      </p:cBhvr>
+                                    </p:animEffect>
+                                  </p:childTnLst>
+                                </p:cTn>
+                              </p:par>
+                            </p:childTnLst>
+                          </p:cTn>
+                        </p:par>
+                      </p:childTnLst>
+                    </p:cTn>
+                  </p:par>
+                  <p:par>
+                    <p:cTn id="20" fill="hold">
+                      <p:stCondLst>
+                        <p:cond delay="indefinite"/>
+                      </p:stCondLst>
+                      <p:childTnLst>
+                        <p:par>
+                          <p:cTn id="21" fill="hold">
+                            <p:stCondLst>
+                              <p:cond delay="0"/>
+                            </p:stCondLst>
+                            <p:childTnLst>
+                              <p:par>
+                                <p:cTn id="22" presetID="10" presetClass="entr" presetSubtype="0" fill="hold" nodeType="clickEffect">
+                                  <p:stCondLst>
+                                    <p:cond delay="0"/>
+                                  </p:stCondLst>
+                                  <p:childTnLst>
+                                    <p:set>
+                                      <p:cBhvr>
+                                        <p:cTn id="23" dur="1" fill="hold">
+                                          <p:stCondLst>
+                                            <p:cond delay="0"/>
+                                          </p:stCondLst>
+                                        </p:cTn>
+                                        <p:tgtEl>
+                                          <p:spTgt spid="7">
+                                            <p:txEl>
+                                              <p:pRg st="0" end="0"/>
+                                            </p:txEl>
+                                          </p:spTgt>
+                                        </p:tgtEl>
+                                        <p:attrNameLst>
+                                          <p:attrName>style.visibility</p:attrName>
+                                        </p:attrNameLst>
+                                      </p:cBhvr>
+                                      <p:to>
+                                        <p:strVal val="visible"/>
+                                      </p:to>
+                                    </p:set>
+                                    <p:animEffect transition="in" filter="fade">
+                                      <p:cBhvr>
+                                        <p:cTn id="24" dur="500"/>
+                                        <p:tgtEl>
+                                          <p:spTgt spid="7">
+                                            <p:txEl>
+                                              <p:pRg st="0" end="0"/>
+                                            </p:txEl>
+                                          </p:spTgt>
+                                        </p:tgtEl>
+                                      </p:cBhvr>
+                                    </p:animEffect>
+                                  </p:childTnLst>
+                                </p:cTn>
+                              </p:par>
+                            </p:childTnLst>
+                          </p:cTn>
+                        </p:par>
+                      </p:childTnLst>
+                    </p:cTn>
+                  </p:par>
+                  <p:par>
+                    <p:cTn id="25" fill="hold">
+                      <p:stCondLst>
+                        <p:cond delay="indefinite"/>
+                      </p:stCondLst>
+                      <p:childTnLst>
+                        <p:par>
+                          <p:cTn id="26" fill="hold">
+                            <p:stCondLst>
+                              <p:cond delay="0"/>
+                            </p:stCondLst>
+                            <p:childTnLst>
+                              <p:par>
+                                <p:cTn id="27" presetID="10" presetClass="entr" presetSubtype="0" fill="hold" nodeType="clickEffect">
+                                  <p:stCondLst>
+                                    <p:cond delay="0"/>
+                                  </p:stCondLst>
+                                  <p:childTnLst>
+                                    <p:set>
+                                      <p:cBhvr>
+                                        <p:cTn id="28" dur="1" fill="hold">
+                                          <p:stCondLst>
+                                            <p:cond delay="0"/>
+                                          </p:stCondLst>
+                                        </p:cTn>
+                                        <p:tgtEl>
+                                          <p:spTgt spid="7">
+                                            <p:txEl>
+                                              <p:pRg st="1" end="1"/>
+                                            </p:txEl>
+                                          </p:spTgt>
+                                        </p:tgtEl>
+                                        <p:attrNameLst>
+                                          <p:attrName>style.visibility</p:attrName>
+                                        </p:attrNameLst>
+                                      </p:cBhvr>
+                                      <p:to>
+                                        <p:strVal val="visible"/>
+                                      </p:to>
+                                    </p:set>
+                                    <p:animEffect transition="in" filter="fade">
+                                      <p:cBhvr>
+                                        <p:cTn id="29" dur="500"/>
+                                        <p:tgtEl>
+                                          <p:spTgt spid="7">
+                                            <p:txEl>
+                                              <p:pRg st="1" end="1"/>
+                                            </p:txEl>
+                                          </p:spTgt>
+                                        </p:tgtEl>
+                                      </p:cBhvr>
+                                    </p:animEffect>
+                                  </p:childTnLst>
+                                </p:cTn>
+                              </p:par>
+                            </p:childTnLst>
+                          </p:cTn>
+                        </p:par>
+                      </p:childTnLst>
+                    </p:cTn>
+                  </p:par>
+                  <p:par>
+                    <p:cTn id="30" fill="hold">
+                      <p:stCondLst>
+                        <p:cond delay="indefinite"/>
+                      </p:stCondLst>
+                      <p:childTnLst>
+                        <p:par>
+                          <p:cTn id="31" fill="hold">
+                            <p:stCondLst>
+                              <p:cond delay="0"/>
+                            </p:stCondLst>
+                            <p:childTnLst>
+                              <p:par>
+                                <p:cTn id="32" presetID="10" presetClass="entr" presetSubtype="0" fill="hold" nodeType="clickEffect">
+                                  <p:stCondLst>
+                                    <p:cond delay="0"/>
+                                  </p:stCondLst>
+                                  <p:childTnLst>
+                                    <p:set>
+                                      <p:cBhvr>
+                                        <p:cTn id="33" dur="1" fill="hold">
+                                          <p:stCondLst>
+                                            <p:cond delay="0"/>
+                                          </p:stCondLst>
+                                        </p:cTn>
+                                        <p:tgtEl>
+                                          <p:spTgt spid="7">
+                                            <p:txEl>
+                                              <p:pRg st="2" end="2"/>
+                                            </p:txEl>
+                                          </p:spTgt>
+                                        </p:tgtEl>
+                                        <p:attrNameLst>
+                                          <p:attrName>style.visibility</p:attrName>
+                                        </p:attrNameLst>
+                                      </p:cBhvr>
+                                      <p:to>
+                                        <p:strVal val="visible"/>
+                                      </p:to>
+                                    </p:set>
+                                    <p:animEffect transition="in" filter="fade">
+                                      <p:cBhvr>
+                                        <p:cTn id="34" dur="500"/>
+                                        <p:tgtEl>
+                                          <p:spTgt spid="7">
+                                            <p:txEl>
+                                              <p:pRg st="2" end="2"/>
+                                            </p:txEl>
+                                          </p:spTgt>
+                                        </p:tgtEl>
+                                      </p:cBhvr>
+                                    </p:animEffect>
+                                  </p:childTnLst>
+                                </p:cTn>
+                              </p:par>
+                            </p:childTnLst>
+                          </p:cTn>
+                        </p:par>
+                      </p:childTnLst>
+                    </p:cTn>
+                  </p:par>
+                  <p:par>
+                    <p:cTn id="35" fill="hold">
+                      <p:stCondLst>
+                        <p:cond delay="indefinite"/>
+                      </p:stCondLst>
+                      <p:childTnLst>
+                        <p:par>
+                          <p:cTn id="36" fill="hold">
+                            <p:stCondLst>
+                              <p:cond delay="0"/>
+                            </p:stCondLst>
+                            <p:childTnLst>
+                              <p:par>
+                                <p:cTn id="37" presetID="10" presetClass="entr" presetSubtype="0" fill="hold" nodeType="clickEffect">
+                                  <p:stCondLst>
+                                    <p:cond delay="0"/>
+                                  </p:stCondLst>
+                                  <p:childTnLst>
+                                    <p:set>
+                                      <p:cBhvr>
+                                        <p:cTn id="38" dur="1" fill="hold">
+                                          <p:stCondLst>
+                                            <p:cond delay="0"/>
+                                          </p:stCondLst>
+                                        </p:cTn>
+                                        <p:tgtEl>
+                                          <p:spTgt spid="7">
+                                            <p:txEl>
+                                              <p:pRg st="3" end="3"/>
+                                            </p:txEl>
+                                          </p:spTgt>
+                                        </p:tgtEl>
+                                        <p:attrNameLst>
+                                          <p:attrName>style.visibility</p:attrName>
+                                        </p:attrNameLst>
+                                      </p:cBhvr>
+                                      <p:to>
+                                        <p:strVal val="visible"/>
+                                      </p:to>
+                                    </p:set>
+                                    <p:animEffect transition="in" filter="fade">
+                                      <p:cBhvr>
+                                        <p:cTn id="39" dur="500"/>
+                                        <p:tgtEl>
+                                          <p:spTgt spid="7">
+                                            <p:txEl>
+                                              <p:pRg st="3" end="3"/>
+                                            </p:txEl>
+                                          </p:spTgt>
+                                        </p:tgtEl>
+                                      </p:cBhvr>
+                                    </p:animEffect>
+                                  </p:childTnLst>
+                                </p:cTn>
+                              </p:par>
+                            </p:childTnLst>
+                          </p:cTn>
+                        </p:par>
+                      </p:childTnLst>
+                    </p:cTn>
+                  </p:par>
+                  <p:par>
+                    <p:cTn id="40" fill="hold">
+                      <p:stCondLst>
+                        <p:cond delay="indefinite"/>
+                      </p:stCondLst>
+                      <p:childTnLst>
+                        <p:par>
+                          <p:cTn id="41" fill="hold">
+                            <p:stCondLst>
+                              <p:cond delay="0"/>
+                            </p:stCondLst>
+                            <p:childTnLst>
+                              <p:par>
+                                <p:cTn id="42" presetID="10" presetClass="entr" presetSubtype="0" fill="hold" nodeType="clickEffect">
+                                  <p:stCondLst>
+                                    <p:cond delay="0"/>
+                                  </p:stCondLst>
+                                  <p:childTnLst>
+                                    <p:set>
+                                      <p:cBhvr>
+                                        <p:cTn id="43" dur="1" fill="hold">
+                                          <p:stCondLst>
+                                            <p:cond delay="0"/>
+                                          </p:stCondLst>
+                                        </p:cTn>
+                                        <p:tgtEl>
+                                          <p:spTgt spid="7">
+                                            <p:txEl>
+                                              <p:pRg st="5" end="5"/>
+                                            </p:txEl>
+                                          </p:spTgt>
+                                        </p:tgtEl>
+                                        <p:attrNameLst>
+                                          <p:attrName>style.visibility</p:attrName>
+                                        </p:attrNameLst>
+                                      </p:cBhvr>
+                                      <p:to>
+                                        <p:strVal val="visible"/>
+                                      </p:to>
+                                    </p:set>
+                                    <p:animEffect transition="in" filter="fade">
+                                      <p:cBhvr>
+                                        <p:cTn id="44" dur="500"/>
+                                        <p:tgtEl>
+                                          <p:spTgt spid="7">
+                                            <p:txEl>
+                                              <p:pRg st="5" end="5"/>
+                                            </p:txEl>
+                                          </p:spTgt>
+                                        </p:tgtEl>
+                                      </p:cBhvr>
+                                    </p:animEffect>
+                                  </p:childTnLst>
+                                </p:cTn>
+                              </p:par>
+                            </p:childTnLst>
+                          </p:cTn>
+                        </p:par>
+                      </p:childTnLst>
+                    </p:cTn>
+                  </p:par>
+                </p:childTnLst>
+              </p:cTn>
+              <p:prevCondLst>
+                <p:cond evt="onPrev" delay="0">
+                  <p:tgtEl>
+                    <p:sldTgt/>
+                  </p:tgtEl>
+                </p:cond>
+              </p:prevCondLst>
+              <p:nextCondLst>
+                <p:cond evt="onNext" delay="0">
+                  <p:tgtEl>
+                    <p:sldTgt/>
+                  </p:tgtEl>
+                </p:cond>
+              </p:nextCondLst>
+            </p:seq>
+          </p:childTnLst>
+        </p:cTn>
+      </p:par>
+    </p:tnLst>
+    <p:bldLst>
+      <p:bldP spid="15" grpId="0" animBg="1"/>
+      <p:bldP spid="4" grpId="0" build="p"/>
+    </p:bldLst>
+  </p:timing>
+</p:sld>
+</file>
+
+<file path=ppt/slides/slide12.xml><?xml version="1.0" encoding="utf-8"?>
+<p:sld xmlns:a="http://schemas.openxmlformats.org/drawingml/2006/main" xmlns:r="http://schemas.openxmlformats.org/officeDocument/2006/relationships" xmlns:p="http://schemas.openxmlformats.org/presentationml/2006/main">
+  <p:cSld>
+    <p:spTree>
+      <p:nvGrpSpPr>
+        <p:cNvPr id="1" name=""/>
+        <p:cNvGrpSpPr/>
+        <p:nvPr/>
+      </p:nvGrpSpPr>
+      <p:grpSpPr>
+        <a:xfrm>
+          <a:off x="0" y="0"/>
+          <a:ext cx="0" cy="0"/>
+          <a:chOff x="0" y="0"/>
+          <a:chExt cx="0" cy="0"/>
+        </a:xfrm>
+      </p:grpSpPr>
+      <p:sp>
+        <p:nvSpPr>
+          <p:cNvPr id="27" name="Text Placeholder 2"/>
+          <p:cNvSpPr txBox="1">
+            <a:spLocks/>
+          </p:cNvSpPr>
+          <p:nvPr/>
+        </p:nvSpPr>
+        <p:spPr>
+          <a:xfrm rot="5400000">
+            <a:off x="5682853" y="2939653"/>
+            <a:ext cx="6400800" cy="521494"/>
+          </a:xfrm>
+          <a:prstGeom prst="rect">
+            <a:avLst/>
+          </a:prstGeom>
+        </p:spPr>
+        <p:txBody>
+          <a:bodyPr>
+            <a:noAutofit/>
+          </a:bodyPr>
+          <a:lstStyle>
+            <a:lvl1pPr marL="342900" indent="-342900" algn="l" defTabSz="914400" rtl="0" eaLnBrk="1" latinLnBrk="0" hangingPunct="1">
+              <a:spcBef>
+                <a:spcPct val="20000"/>
+              </a:spcBef>
+              <a:buFont typeface="Arial" pitchFamily="34" charset="0"/>
+              <a:buChar char="•"/>
+              <a:defRPr sz="3200" kern="1200">
+                <a:solidFill>
+                  <a:schemeClr val="tx1"/>
+                </a:solidFill>
+                <a:latin typeface="+mn-lt"/>
+                <a:ea typeface="+mn-ea"/>
+                <a:cs typeface="+mn-cs"/>
+              </a:defRPr>
+            </a:lvl1pPr>
+            <a:lvl2pPr marL="742950" indent="-285750" algn="l" defTabSz="914400" rtl="0" eaLnBrk="1" latinLnBrk="0" hangingPunct="1">
+              <a:spcBef>
+                <a:spcPct val="20000"/>
+              </a:spcBef>
+              <a:buFont typeface="Arial" pitchFamily="34" charset="0"/>
+              <a:buChar char="–"/>
+              <a:defRPr sz="2800" kern="1200">
+                <a:solidFill>
+                  <a:schemeClr val="tx1"/>
+                </a:solidFill>
+                <a:latin typeface="+mn-lt"/>
+                <a:ea typeface="+mn-ea"/>
+                <a:cs typeface="+mn-cs"/>
+              </a:defRPr>
+            </a:lvl2pPr>
+            <a:lvl3pPr marL="1143000" indent="-228600" algn="l" defTabSz="914400" rtl="0" eaLnBrk="1" latinLnBrk="0" hangingPunct="1">
+              <a:spcBef>
+                <a:spcPct val="20000"/>
+              </a:spcBef>
+              <a:buFont typeface="Arial" pitchFamily="34" charset="0"/>
+              <a:buChar char="•"/>
+              <a:defRPr sz="2400" kern="1200">
+                <a:solidFill>
+                  <a:schemeClr val="tx1"/>
+                </a:solidFill>
+                <a:latin typeface="+mn-lt"/>
+                <a:ea typeface="+mn-ea"/>
+                <a:cs typeface="+mn-cs"/>
+              </a:defRPr>
+            </a:lvl3pPr>
+            <a:lvl4pPr marL="1600200" indent="-228600" algn="l" defTabSz="914400" rtl="0" eaLnBrk="1" latinLnBrk="0" hangingPunct="1">
+              <a:spcBef>
+                <a:spcPct val="20000"/>
+              </a:spcBef>
+              <a:buFont typeface="Arial" pitchFamily="34" charset="0"/>
+              <a:buChar char="–"/>
+              <a:defRPr sz="2000" kern="1200">
+                <a:solidFill>
+                  <a:schemeClr val="tx1"/>
+                </a:solidFill>
+                <a:latin typeface="+mn-lt"/>
+                <a:ea typeface="+mn-ea"/>
+                <a:cs typeface="+mn-cs"/>
+              </a:defRPr>
+            </a:lvl4pPr>
+            <a:lvl5pPr marL="2057400" indent="-228600" algn="l" defTabSz="914400" rtl="0" eaLnBrk="1" latinLnBrk="0" hangingPunct="1">
+              <a:spcBef>
+                <a:spcPct val="20000"/>
+              </a:spcBef>
+              <a:buFont typeface="Arial" pitchFamily="34" charset="0"/>
+              <a:buChar char="»"/>
+              <a:defRPr sz="2000" kern="1200">
+                <a:solidFill>
+                  <a:schemeClr val="tx1"/>
+                </a:solidFill>
+                <a:latin typeface="+mn-lt"/>
+                <a:ea typeface="+mn-ea"/>
+                <a:cs typeface="+mn-cs"/>
+              </a:defRPr>
+            </a:lvl5pPr>
+            <a:lvl6pPr marL="2514600" indent="-228600" algn="l" defTabSz="914400" rtl="0" eaLnBrk="1" latinLnBrk="0" hangingPunct="1">
+              <a:spcBef>
+                <a:spcPct val="20000"/>
+              </a:spcBef>
+              <a:buFont typeface="Arial" pitchFamily="34" charset="0"/>
+              <a:buChar char="•"/>
+              <a:defRPr sz="2000" kern="1200">
+                <a:solidFill>
+                  <a:schemeClr val="tx1"/>
+                </a:solidFill>
+                <a:latin typeface="+mn-lt"/>
+                <a:ea typeface="+mn-ea"/>
+                <a:cs typeface="+mn-cs"/>
+              </a:defRPr>
+            </a:lvl6pPr>
+            <a:lvl7pPr marL="2971800" indent="-228600" algn="l" defTabSz="914400" rtl="0" eaLnBrk="1" latinLnBrk="0" hangingPunct="1">
+              <a:spcBef>
+                <a:spcPct val="20000"/>
+              </a:spcBef>
+              <a:buFont typeface="Arial" pitchFamily="34" charset="0"/>
+              <a:buChar char="•"/>
+              <a:defRPr sz="2000" kern="1200">
+                <a:solidFill>
+                  <a:schemeClr val="tx1"/>
+                </a:solidFill>
+                <a:latin typeface="+mn-lt"/>
+                <a:ea typeface="+mn-ea"/>
+                <a:cs typeface="+mn-cs"/>
+              </a:defRPr>
+            </a:lvl7pPr>
+            <a:lvl8pPr marL="3429000" indent="-228600" algn="l" defTabSz="914400" rtl="0" eaLnBrk="1" latinLnBrk="0" hangingPunct="1">
+              <a:spcBef>
+                <a:spcPct val="20000"/>
+              </a:spcBef>
+              <a:buFont typeface="Arial" pitchFamily="34" charset="0"/>
+              <a:buChar char="•"/>
+              <a:defRPr sz="2000" kern="1200">
+                <a:solidFill>
+                  <a:schemeClr val="tx1"/>
+                </a:solidFill>
+                <a:latin typeface="+mn-lt"/>
+                <a:ea typeface="+mn-ea"/>
+                <a:cs typeface="+mn-cs"/>
+              </a:defRPr>
+            </a:lvl8pPr>
+            <a:lvl9pPr marL="3886200" indent="-228600" algn="l" defTabSz="914400" rtl="0" eaLnBrk="1" latinLnBrk="0" hangingPunct="1">
+              <a:spcBef>
+                <a:spcPct val="20000"/>
+              </a:spcBef>
+              <a:buFont typeface="Arial" pitchFamily="34" charset="0"/>
+              <a:buChar char="•"/>
+              <a:defRPr sz="2000" kern="1200">
+                <a:solidFill>
+                  <a:schemeClr val="tx1"/>
+                </a:solidFill>
+                <a:latin typeface="+mn-lt"/>
+                <a:ea typeface="+mn-ea"/>
+                <a:cs typeface="+mn-cs"/>
+              </a:defRPr>
+            </a:lvl9pPr>
+          </a:lstStyle>
+          <a:p>
+            <a:pPr>
+              <a:buFont typeface="Arial" pitchFamily="34" charset="0"/>
+              <a:buNone/>
+            </a:pPr>
+            <a:r>
+              <a:rPr lang="en-US" b="1" dirty="0" smtClean="0"/>
+              <a:t>Agenda</a:t>
+            </a:r>
+            <a:endParaRPr lang="en-US" b="1" dirty="0"/>
+          </a:p>
+        </p:txBody>
+      </p:sp>
+      <p:sp>
+        <p:nvSpPr>
+          <p:cNvPr id="2" name="TextBox 1"/>
+          <p:cNvSpPr txBox="1"/>
+          <p:nvPr/>
+        </p:nvSpPr>
+        <p:spPr>
+          <a:xfrm>
+            <a:off x="228600" y="381000"/>
+            <a:ext cx="8077200" cy="4862870"/>
+          </a:xfrm>
+          <a:prstGeom prst="rect">
+            <a:avLst/>
+          </a:prstGeom>
+          <a:noFill/>
+        </p:spPr>
+        <p:txBody>
+          <a:bodyPr wrap="square" rtlCol="0">
+            <a:spAutoFit/>
+          </a:bodyPr>
+          <a:lstStyle/>
+          <a:p>
+            <a:pPr marL="285750" indent="-285750">
+              <a:buFont typeface="Arial" panose="020B0604020202020204" pitchFamily="34" charset="0"/>
+              <a:buChar char="•"/>
+            </a:pPr>
+            <a:r>
+              <a:rPr lang="en-US" sz="3600" dirty="0"/>
+              <a:t>What is on tap?</a:t>
+            </a:r>
+          </a:p>
+          <a:p>
+            <a:endParaRPr lang="en-US" dirty="0"/>
+          </a:p>
+          <a:p>
+            <a:pPr marL="285750" indent="-285750">
+              <a:buFont typeface="Arial" panose="020B0604020202020204" pitchFamily="34" charset="0"/>
+              <a:buChar char="•"/>
+            </a:pPr>
+            <a:r>
+              <a:rPr lang="en-US" sz="3600" dirty="0"/>
+              <a:t>What are Contracts?</a:t>
+            </a:r>
+          </a:p>
+          <a:p>
+            <a:pPr marL="285750" indent="-285750">
+              <a:buFont typeface="Arial" panose="020B0604020202020204" pitchFamily="34" charset="0"/>
+              <a:buChar char="•"/>
+            </a:pPr>
+            <a:endParaRPr lang="en-US" dirty="0"/>
+          </a:p>
+          <a:p>
+            <a:pPr marL="285750" indent="-285750">
+              <a:buFont typeface="Arial" panose="020B0604020202020204" pitchFamily="34" charset="0"/>
+              <a:buChar char="•"/>
+            </a:pPr>
+            <a:r>
+              <a:rPr lang="en-US" sz="3600" dirty="0"/>
+              <a:t>How does Windows 8 allow Immersion  </a:t>
+            </a:r>
+          </a:p>
+          <a:p>
+            <a:pPr lvl="1"/>
+            <a:endParaRPr lang="en-US" dirty="0"/>
+          </a:p>
+          <a:p>
+            <a:pPr marL="285750" indent="-285750">
+              <a:buFont typeface="Arial" panose="020B0604020202020204" pitchFamily="34" charset="0"/>
+              <a:buChar char="•"/>
+            </a:pPr>
+            <a:r>
+              <a:rPr lang="en-US" sz="3600" dirty="0"/>
+              <a:t>How do I?</a:t>
+            </a:r>
+          </a:p>
+          <a:p>
+            <a:pPr marL="742950" lvl="1" indent="-285750">
+              <a:buFont typeface="Arial" panose="020B0604020202020204" pitchFamily="34" charset="0"/>
+              <a:buChar char="•"/>
+            </a:pPr>
+            <a:r>
+              <a:rPr lang="en-US" sz="2800" dirty="0"/>
+              <a:t>Implement Integrated Search</a:t>
+            </a:r>
+          </a:p>
+          <a:p>
+            <a:pPr marL="742950" lvl="1" indent="-285750">
+              <a:buFont typeface="Arial" panose="020B0604020202020204" pitchFamily="34" charset="0"/>
+              <a:buChar char="•"/>
+            </a:pPr>
+            <a:r>
+              <a:rPr lang="en-US" sz="2800" dirty="0"/>
+              <a:t>Implement Sharing of data</a:t>
+            </a:r>
+          </a:p>
+          <a:p>
+            <a:pPr marL="742950" lvl="1" indent="-285750">
+              <a:buFont typeface="Arial" panose="020B0604020202020204" pitchFamily="34" charset="0"/>
+              <a:buChar char="•"/>
+            </a:pPr>
+            <a:r>
+              <a:rPr lang="en-US" sz="2800" dirty="0">
+                <a:solidFill>
+                  <a:schemeClr val="accent6">
+                    <a:lumMod val="75000"/>
+                  </a:schemeClr>
+                </a:solidFill>
+              </a:rPr>
+              <a:t>Implement Receiving Shared data</a:t>
+            </a:r>
+          </a:p>
+          <a:p>
+            <a:pPr marL="742950" lvl="1" indent="-285750">
+              <a:buFont typeface="Arial" panose="020B0604020202020204" pitchFamily="34" charset="0"/>
+              <a:buChar char="•"/>
+            </a:pPr>
+            <a:r>
+              <a:rPr lang="en-US" sz="2800" dirty="0"/>
+              <a:t>Implement Integrated Settings</a:t>
+            </a:r>
+            <a:endParaRPr lang="en-US" sz="2800" dirty="0"/>
+          </a:p>
+        </p:txBody>
+      </p:sp>
+    </p:spTree>
+    <p:extLst>
+      <p:ext uri="{BB962C8B-B14F-4D97-AF65-F5344CB8AC3E}">
+        <p14:creationId xmlns:p14="http://schemas.microsoft.com/office/powerpoint/2010/main" val="524075151"/>
+      </p:ext>
+    </p:extLst>
+  </p:cSld>
+  <p:clrMapOvr>
+    <a:masterClrMapping/>
+  </p:clrMapOvr>
+  <p:transition spd="slow">
+    <p:wipe/>
+  </p:transition>
+  <p:timing>
+    <p:tnLst>
+      <p:par>
+        <p:cTn id="1" dur="indefinite" restart="never" nodeType="tmRoot">
+          <p:childTnLst>
+            <p:seq concurrent="1" nextAc="seek">
+              <p:cTn id="2" dur="indefinite" nodeType="mainSeq">
+                <p:childTnLst>
+                  <p:par>
+                    <p:cTn id="3" fill="hold">
+                      <p:stCondLst>
+                        <p:cond delay="indefinite"/>
+                        <p:cond evt="onBegin" delay="0">
+                          <p:tn val="2"/>
+                        </p:cond>
+                      </p:stCondLst>
+                      <p:childTnLst>
+                        <p:par>
+                          <p:cTn id="4" fill="hold">
+                            <p:stCondLst>
+                              <p:cond delay="0"/>
+                            </p:stCondLst>
+                            <p:childTnLst>
+                              <p:par>
+                                <p:cTn id="5" presetID="10" presetClass="entr" presetSubtype="0" fill="hold" grpId="0" nodeType="afterEffect">
+                                  <p:stCondLst>
+                                    <p:cond delay="0"/>
+                                  </p:stCondLst>
+                                  <p:childTnLst>
+                                    <p:set>
+                                      <p:cBhvr>
+                                        <p:cTn id="6" dur="1" fill="hold">
+                                          <p:stCondLst>
+                                            <p:cond delay="0"/>
+                                          </p:stCondLst>
+                                        </p:cTn>
+                                        <p:tgtEl>
+                                          <p:spTgt spid="27">
+                                            <p:txEl>
+                                              <p:pRg st="0" end="0"/>
+                                            </p:txEl>
+                                          </p:spTgt>
+                                        </p:tgtEl>
+                                        <p:attrNameLst>
+                                          <p:attrName>style.visibility</p:attrName>
+                                        </p:attrNameLst>
+                                      </p:cBhvr>
+                                      <p:to>
+                                        <p:strVal val="visible"/>
+                                      </p:to>
+                                    </p:set>
+                                    <p:animEffect transition="in" filter="fade">
+                                      <p:cBhvr>
+                                        <p:cTn id="7" dur="1000"/>
+                                        <p:tgtEl>
+                                          <p:spTgt spid="27">
+                                            <p:txEl>
+                                              <p:pRg st="0" end="0"/>
+                                            </p:txEl>
+                                          </p:spTgt>
+                                        </p:tgtEl>
+                                      </p:cBhvr>
+                                    </p:animEffect>
+                                  </p:childTnLst>
+                                </p:cTn>
+                              </p:par>
+                            </p:childTnLst>
+                          </p:cTn>
+                        </p:par>
+                      </p:childTnLst>
+                    </p:cTn>
+                  </p:par>
+                </p:childTnLst>
+              </p:cTn>
+              <p:prevCondLst>
+                <p:cond evt="onPrev" delay="0">
+                  <p:tgtEl>
+                    <p:sldTgt/>
+                  </p:tgtEl>
+                </p:cond>
+              </p:prevCondLst>
+              <p:nextCondLst>
+                <p:cond evt="onNext" delay="0">
+                  <p:tgtEl>
+                    <p:sldTgt/>
+                  </p:tgtEl>
+                </p:cond>
+              </p:nextCondLst>
+            </p:seq>
+          </p:childTnLst>
+        </p:cTn>
+      </p:par>
+    </p:tnLst>
+    <p:bldLst>
+      <p:bldP spid="27" grpId="0" build="p"/>
+    </p:bldLst>
+  </p:timing>
+</p:sld>
+</file>
+
+<file path=ppt/slides/slide13.xml><?xml version="1.0" encoding="utf-8"?>
+<p:sld xmlns:a="http://schemas.openxmlformats.org/drawingml/2006/main" xmlns:r="http://schemas.openxmlformats.org/officeDocument/2006/relationships" xmlns:p="http://schemas.openxmlformats.org/presentationml/2006/main">
+  <p:cSld>
+    <p:spTree>
+      <p:nvGrpSpPr>
+        <p:cNvPr id="1" name=""/>
+        <p:cNvGrpSpPr/>
+        <p:nvPr/>
+      </p:nvGrpSpPr>
+      <p:grpSpPr>
+        <a:xfrm>
+          <a:off x="0" y="0"/>
+          <a:ext cx="0" cy="0"/>
+          <a:chOff x="0" y="0"/>
+          <a:chExt cx="0" cy="0"/>
+        </a:xfrm>
+      </p:grpSpPr>
+      <p:sp>
+        <p:nvSpPr>
+          <p:cNvPr id="15" name="TextBox 14"/>
+          <p:cNvSpPr txBox="1"/>
+          <p:nvPr/>
+        </p:nvSpPr>
+        <p:spPr>
+          <a:xfrm>
+            <a:off x="0" y="533400"/>
+            <a:ext cx="4343400" cy="461665"/>
+          </a:xfrm>
+          <a:prstGeom prst="rect">
+            <a:avLst/>
+          </a:prstGeom>
+          <a:solidFill>
+            <a:schemeClr val="tx1">
+              <a:lumMod val="95000"/>
+              <a:lumOff val="5000"/>
+              <a:alpha val="55000"/>
+            </a:schemeClr>
+          </a:solidFill>
+        </p:spPr>
+        <p:txBody>
+          <a:bodyPr wrap="square" rtlCol="0" anchor="ctr" anchorCtr="0">
+            <a:normAutofit/>
+          </a:bodyPr>
+          <a:lstStyle/>
+          <a:p>
+            <a:r>
+              <a:rPr lang="en-US" sz="2400" dirty="0" smtClean="0">
+                <a:solidFill>
+                  <a:schemeClr val="bg1"/>
+                </a:solidFill>
+              </a:rPr>
+              <a:t>Using the Share Target Contract</a:t>
+            </a:r>
+            <a:endParaRPr lang="en-US" sz="2400" b="1" dirty="0">
+              <a:solidFill>
+                <a:schemeClr val="bg1"/>
+              </a:solidFill>
+            </a:endParaRPr>
+          </a:p>
+        </p:txBody>
+      </p:sp>
+      <p:sp>
+        <p:nvSpPr>
+          <p:cNvPr id="2" name="TextBox 1"/>
+          <p:cNvSpPr txBox="1"/>
+          <p:nvPr/>
+        </p:nvSpPr>
+        <p:spPr>
+          <a:xfrm>
+            <a:off x="304800" y="1314271"/>
+            <a:ext cx="7848599" cy="1200329"/>
+          </a:xfrm>
+          <a:prstGeom prst="rect">
+            <a:avLst/>
+          </a:prstGeom>
+          <a:noFill/>
+        </p:spPr>
+        <p:txBody>
+          <a:bodyPr wrap="square" rtlCol="0">
+            <a:spAutoFit/>
+          </a:bodyPr>
+          <a:lstStyle/>
+          <a:p>
+            <a:r>
+              <a:rPr lang="en-US" sz="3600" dirty="0" smtClean="0"/>
+              <a:t>Enables your application to receive and process data from other applications</a:t>
+            </a:r>
+          </a:p>
+        </p:txBody>
+      </p:sp>
+      <p:sp>
+        <p:nvSpPr>
+          <p:cNvPr id="4" name="Text Placeholder 2"/>
+          <p:cNvSpPr txBox="1">
+            <a:spLocks/>
+          </p:cNvSpPr>
+          <p:nvPr/>
+        </p:nvSpPr>
+        <p:spPr>
+          <a:xfrm rot="5400000">
+            <a:off x="5682853" y="2939653"/>
+            <a:ext cx="6400800" cy="521494"/>
+          </a:xfrm>
+          <a:prstGeom prst="rect">
+            <a:avLst/>
+          </a:prstGeom>
+        </p:spPr>
+        <p:txBody>
+          <a:bodyPr>
+            <a:noAutofit/>
+          </a:bodyPr>
+          <a:lstStyle>
+            <a:lvl1pPr marL="342900" indent="-342900" algn="l" defTabSz="914400" rtl="0" eaLnBrk="1" latinLnBrk="0" hangingPunct="1">
+              <a:spcBef>
+                <a:spcPct val="20000"/>
+              </a:spcBef>
+              <a:buFont typeface="Arial" pitchFamily="34" charset="0"/>
+              <a:buChar char="•"/>
+              <a:defRPr sz="3200" kern="1200">
+                <a:solidFill>
+                  <a:schemeClr val="tx1"/>
+                </a:solidFill>
+                <a:latin typeface="+mn-lt"/>
+                <a:ea typeface="+mn-ea"/>
+                <a:cs typeface="+mn-cs"/>
+              </a:defRPr>
+            </a:lvl1pPr>
+            <a:lvl2pPr marL="742950" indent="-285750" algn="l" defTabSz="914400" rtl="0" eaLnBrk="1" latinLnBrk="0" hangingPunct="1">
+              <a:spcBef>
+                <a:spcPct val="20000"/>
+              </a:spcBef>
+              <a:buFont typeface="Arial" pitchFamily="34" charset="0"/>
+              <a:buChar char="–"/>
+              <a:defRPr sz="2800" kern="1200">
+                <a:solidFill>
+                  <a:schemeClr val="tx1"/>
+                </a:solidFill>
+                <a:latin typeface="+mn-lt"/>
+                <a:ea typeface="+mn-ea"/>
+                <a:cs typeface="+mn-cs"/>
+              </a:defRPr>
+            </a:lvl2pPr>
+            <a:lvl3pPr marL="1143000" indent="-228600" algn="l" defTabSz="914400" rtl="0" eaLnBrk="1" latinLnBrk="0" hangingPunct="1">
+              <a:spcBef>
+                <a:spcPct val="20000"/>
+              </a:spcBef>
+              <a:buFont typeface="Arial" pitchFamily="34" charset="0"/>
+              <a:buChar char="•"/>
+              <a:defRPr sz="2400" kern="1200">
+                <a:solidFill>
+                  <a:schemeClr val="tx1"/>
+                </a:solidFill>
+                <a:latin typeface="+mn-lt"/>
+                <a:ea typeface="+mn-ea"/>
+                <a:cs typeface="+mn-cs"/>
+              </a:defRPr>
+            </a:lvl3pPr>
+            <a:lvl4pPr marL="1600200" indent="-228600" algn="l" defTabSz="914400" rtl="0" eaLnBrk="1" latinLnBrk="0" hangingPunct="1">
+              <a:spcBef>
+                <a:spcPct val="20000"/>
+              </a:spcBef>
+              <a:buFont typeface="Arial" pitchFamily="34" charset="0"/>
+              <a:buChar char="–"/>
+              <a:defRPr sz="2000" kern="1200">
+                <a:solidFill>
+                  <a:schemeClr val="tx1"/>
+                </a:solidFill>
+                <a:latin typeface="+mn-lt"/>
+                <a:ea typeface="+mn-ea"/>
+                <a:cs typeface="+mn-cs"/>
+              </a:defRPr>
+            </a:lvl4pPr>
+            <a:lvl5pPr marL="2057400" indent="-228600" algn="l" defTabSz="914400" rtl="0" eaLnBrk="1" latinLnBrk="0" hangingPunct="1">
+              <a:spcBef>
+                <a:spcPct val="20000"/>
+              </a:spcBef>
+              <a:buFont typeface="Arial" pitchFamily="34" charset="0"/>
+              <a:buChar char="»"/>
+              <a:defRPr sz="2000" kern="1200">
+                <a:solidFill>
+                  <a:schemeClr val="tx1"/>
+                </a:solidFill>
+                <a:latin typeface="+mn-lt"/>
+                <a:ea typeface="+mn-ea"/>
+                <a:cs typeface="+mn-cs"/>
+              </a:defRPr>
+            </a:lvl5pPr>
+            <a:lvl6pPr marL="2514600" indent="-228600" algn="l" defTabSz="914400" rtl="0" eaLnBrk="1" latinLnBrk="0" hangingPunct="1">
+              <a:spcBef>
+                <a:spcPct val="20000"/>
+              </a:spcBef>
+              <a:buFont typeface="Arial" pitchFamily="34" charset="0"/>
+              <a:buChar char="•"/>
+              <a:defRPr sz="2000" kern="1200">
+                <a:solidFill>
+                  <a:schemeClr val="tx1"/>
+                </a:solidFill>
+                <a:latin typeface="+mn-lt"/>
+                <a:ea typeface="+mn-ea"/>
+                <a:cs typeface="+mn-cs"/>
+              </a:defRPr>
+            </a:lvl6pPr>
+            <a:lvl7pPr marL="2971800" indent="-228600" algn="l" defTabSz="914400" rtl="0" eaLnBrk="1" latinLnBrk="0" hangingPunct="1">
+              <a:spcBef>
+                <a:spcPct val="20000"/>
+              </a:spcBef>
+              <a:buFont typeface="Arial" pitchFamily="34" charset="0"/>
+              <a:buChar char="•"/>
+              <a:defRPr sz="2000" kern="1200">
+                <a:solidFill>
+                  <a:schemeClr val="tx1"/>
+                </a:solidFill>
+                <a:latin typeface="+mn-lt"/>
+                <a:ea typeface="+mn-ea"/>
+                <a:cs typeface="+mn-cs"/>
+              </a:defRPr>
+            </a:lvl7pPr>
+            <a:lvl8pPr marL="3429000" indent="-228600" algn="l" defTabSz="914400" rtl="0" eaLnBrk="1" latinLnBrk="0" hangingPunct="1">
+              <a:spcBef>
+                <a:spcPct val="20000"/>
+              </a:spcBef>
+              <a:buFont typeface="Arial" pitchFamily="34" charset="0"/>
+              <a:buChar char="•"/>
+              <a:defRPr sz="2000" kern="1200">
+                <a:solidFill>
+                  <a:schemeClr val="tx1"/>
+                </a:solidFill>
+                <a:latin typeface="+mn-lt"/>
+                <a:ea typeface="+mn-ea"/>
+                <a:cs typeface="+mn-cs"/>
+              </a:defRPr>
+            </a:lvl8pPr>
+            <a:lvl9pPr marL="3886200" indent="-228600" algn="l" defTabSz="914400" rtl="0" eaLnBrk="1" latinLnBrk="0" hangingPunct="1">
+              <a:spcBef>
+                <a:spcPct val="20000"/>
+              </a:spcBef>
+              <a:buFont typeface="Arial" pitchFamily="34" charset="0"/>
+              <a:buChar char="•"/>
+              <a:defRPr sz="2000" kern="1200">
+                <a:solidFill>
+                  <a:schemeClr val="tx1"/>
+                </a:solidFill>
+                <a:latin typeface="+mn-lt"/>
+                <a:ea typeface="+mn-ea"/>
+                <a:cs typeface="+mn-cs"/>
+              </a:defRPr>
+            </a:lvl9pPr>
+          </a:lstStyle>
+          <a:p>
+            <a:pPr>
+              <a:buFont typeface="Arial" pitchFamily="34" charset="0"/>
+              <a:buNone/>
+            </a:pPr>
+            <a:r>
+              <a:rPr lang="en-US" b="1" dirty="0" smtClean="0"/>
+              <a:t>How Do I?</a:t>
+            </a:r>
+            <a:endParaRPr lang="en-US" b="1" dirty="0"/>
+          </a:p>
+        </p:txBody>
+      </p:sp>
+      <p:sp>
+        <p:nvSpPr>
+          <p:cNvPr id="7" name="TextBox 6"/>
+          <p:cNvSpPr txBox="1"/>
+          <p:nvPr/>
+        </p:nvSpPr>
+        <p:spPr>
+          <a:xfrm>
+            <a:off x="304799" y="2819221"/>
+            <a:ext cx="4876801" cy="3970318"/>
+          </a:xfrm>
+          <a:prstGeom prst="rect">
+            <a:avLst/>
+          </a:prstGeom>
+          <a:noFill/>
+        </p:spPr>
+        <p:txBody>
+          <a:bodyPr wrap="square" rtlCol="0">
+            <a:spAutoFit/>
+          </a:bodyPr>
+          <a:lstStyle/>
+          <a:p>
+            <a:r>
+              <a:rPr lang="en-US" sz="3600" dirty="0" smtClean="0"/>
+              <a:t>You can:</a:t>
+            </a:r>
+          </a:p>
+          <a:p>
+            <a:pPr marL="571500" indent="-571500">
+              <a:buFont typeface="Arial" panose="020B0604020202020204" pitchFamily="34" charset="0"/>
+              <a:buChar char="•"/>
+            </a:pPr>
+            <a:r>
+              <a:rPr lang="en-US" sz="3600" dirty="0" smtClean="0"/>
+              <a:t>Limit data to accept</a:t>
+            </a:r>
+          </a:p>
+          <a:p>
+            <a:pPr marL="571500" indent="-571500">
+              <a:buFont typeface="Arial" panose="020B0604020202020204" pitchFamily="34" charset="0"/>
+              <a:buChar char="•"/>
+            </a:pPr>
+            <a:r>
+              <a:rPr lang="en-US" sz="3600" dirty="0" smtClean="0"/>
+              <a:t>Reject data</a:t>
+            </a:r>
+          </a:p>
+          <a:p>
+            <a:pPr marL="571500" indent="-571500">
+              <a:buFont typeface="Arial" panose="020B0604020202020204" pitchFamily="34" charset="0"/>
+              <a:buChar char="•"/>
+            </a:pPr>
+            <a:r>
+              <a:rPr lang="en-US" sz="3600" dirty="0" smtClean="0"/>
+              <a:t>Store and use the as your own</a:t>
+            </a:r>
+          </a:p>
+          <a:p>
+            <a:endParaRPr lang="en-US" sz="3600" dirty="0"/>
+          </a:p>
+          <a:p>
+            <a:r>
+              <a:rPr lang="en-US" sz="3600" dirty="0" smtClean="0"/>
+              <a:t>Demo Time</a:t>
+            </a:r>
+          </a:p>
+        </p:txBody>
+      </p:sp>
+      <p:pic>
+        <p:nvPicPr>
+          <p:cNvPr id="3" name="Picture 2"/>
+          <p:cNvPicPr>
+            <a:picLocks noChangeAspect="1"/>
+          </p:cNvPicPr>
+          <p:nvPr/>
+        </p:nvPicPr>
+        <p:blipFill>
+          <a:blip r:embed="rId3"/>
+          <a:stretch>
+            <a:fillRect/>
+          </a:stretch>
+        </p:blipFill>
+        <p:spPr>
+          <a:xfrm>
+            <a:off x="5153722" y="2971800"/>
+            <a:ext cx="3286760" cy="2895600"/>
+          </a:xfrm>
+          <a:prstGeom prst="rect">
+            <a:avLst/>
+          </a:prstGeom>
+        </p:spPr>
+      </p:pic>
+    </p:spTree>
+    <p:extLst>
+      <p:ext uri="{BB962C8B-B14F-4D97-AF65-F5344CB8AC3E}">
+        <p14:creationId xmlns:p14="http://schemas.microsoft.com/office/powerpoint/2010/main" val="2845390696"/>
+      </p:ext>
+    </p:extLst>
+  </p:cSld>
+  <p:clrMapOvr>
+    <a:masterClrMapping/>
+  </p:clrMapOvr>
+  <p:transition spd="slow">
+    <p:wipe/>
+  </p:transition>
+  <p:timing>
+    <p:tnLst>
+      <p:par>
+        <p:cTn id="1" dur="indefinite" restart="never" nodeType="tmRoot">
+          <p:childTnLst>
+            <p:seq concurrent="1" nextAc="seek">
+              <p:cTn id="2" dur="indefinite" nodeType="mainSeq">
+                <p:childTnLst>
+                  <p:par>
+                    <p:cTn id="3" fill="hold">
+                      <p:stCondLst>
+                        <p:cond delay="indefinite"/>
+                        <p:cond evt="onBegin" delay="0">
+                          <p:tn val="2"/>
+                        </p:cond>
+                      </p:stCondLst>
+                      <p:childTnLst>
+                        <p:par>
+                          <p:cTn id="4" fill="hold">
+                            <p:stCondLst>
+                              <p:cond delay="0"/>
+                            </p:stCondLst>
+                            <p:childTnLst>
+                              <p:par>
+                                <p:cTn id="5" presetID="2" presetClass="entr" presetSubtype="8" fill="hold" grpId="0" nodeType="afterEffect">
+                                  <p:stCondLst>
+                                    <p:cond delay="100"/>
+                                  </p:stCondLst>
+                                  <p:childTnLst>
+                                    <p:set>
+                                      <p:cBhvr>
+                                        <p:cTn id="6" dur="1" fill="hold">
+                                          <p:stCondLst>
+                                            <p:cond delay="0"/>
+                                          </p:stCondLst>
+                                        </p:cTn>
+                                        <p:tgtEl>
+                                          <p:spTgt spid="15"/>
+                                        </p:tgtEl>
+                                        <p:attrNameLst>
+                                          <p:attrName>style.visibility</p:attrName>
+                                        </p:attrNameLst>
+                                      </p:cBhvr>
+                                      <p:to>
+                                        <p:strVal val="visible"/>
+                                      </p:to>
+                                    </p:set>
+                                    <p:anim calcmode="lin" valueType="num">
+                                      <p:cBhvr additive="base">
+                                        <p:cTn id="7" dur="500" fill="hold"/>
+                                        <p:tgtEl>
+                                          <p:spTgt spid="15"/>
+                                        </p:tgtEl>
+                                        <p:attrNameLst>
+                                          <p:attrName>ppt_x</p:attrName>
+                                        </p:attrNameLst>
+                                      </p:cBhvr>
+                                      <p:tavLst>
+                                        <p:tav tm="0">
+                                          <p:val>
+                                            <p:strVal val="0-#ppt_w/2"/>
+                                          </p:val>
+                                        </p:tav>
+                                        <p:tav tm="100000">
+                                          <p:val>
+                                            <p:strVal val="#ppt_x"/>
+                                          </p:val>
+                                        </p:tav>
+                                      </p:tavLst>
+                                    </p:anim>
+                                    <p:anim calcmode="lin" valueType="num">
+                                      <p:cBhvr additive="base">
+                                        <p:cTn id="8" dur="500" fill="hold"/>
+                                        <p:tgtEl>
+                                          <p:spTgt spid="15"/>
+                                        </p:tgtEl>
+                                        <p:attrNameLst>
+                                          <p:attrName>ppt_y</p:attrName>
+                                        </p:attrNameLst>
+                                      </p:cBhvr>
+                                      <p:tavLst>
+                                        <p:tav tm="0">
+                                          <p:val>
+                                            <p:strVal val="#ppt_y"/>
+                                          </p:val>
+                                        </p:tav>
+                                        <p:tav tm="100000">
+                                          <p:val>
+                                            <p:strVal val="#ppt_y"/>
+                                          </p:val>
+                                        </p:tav>
+                                      </p:tavLst>
+                                    </p:anim>
+                                  </p:childTnLst>
+                                </p:cTn>
+                              </p:par>
+                              <p:par>
+                                <p:cTn id="9" presetID="10" presetClass="entr" presetSubtype="0" fill="hold" nodeType="withEffect">
+                                  <p:stCondLst>
+                                    <p:cond delay="100"/>
+                                  </p:stCondLst>
+                                  <p:childTnLst>
+                                    <p:set>
+                                      <p:cBhvr>
+                                        <p:cTn id="10" dur="1" fill="hold">
+                                          <p:stCondLst>
+                                            <p:cond delay="0"/>
+                                          </p:stCondLst>
+                                        </p:cTn>
+                                        <p:tgtEl>
+                                          <p:spTgt spid="2">
+                                            <p:txEl>
+                                              <p:pRg st="0" end="0"/>
+                                            </p:txEl>
+                                          </p:spTgt>
+                                        </p:tgtEl>
+                                        <p:attrNameLst>
+                                          <p:attrName>style.visibility</p:attrName>
+                                        </p:attrNameLst>
+                                      </p:cBhvr>
+                                      <p:to>
+                                        <p:strVal val="visible"/>
+                                      </p:to>
+                                    </p:set>
+                                    <p:animEffect transition="in" filter="fade">
+                                      <p:cBhvr>
+                                        <p:cTn id="11" dur="500"/>
+                                        <p:tgtEl>
+                                          <p:spTgt spid="2">
+                                            <p:txEl>
+                                              <p:pRg st="0" end="0"/>
+                                            </p:txEl>
+                                          </p:spTgt>
+                                        </p:tgtEl>
+                                      </p:cBhvr>
+                                    </p:animEffect>
+                                  </p:childTnLst>
+                                </p:cTn>
+                              </p:par>
+                              <p:par>
+                                <p:cTn id="12" presetID="1" presetClass="entr" presetSubtype="0" fill="hold" nodeType="withEffect">
+                                  <p:stCondLst>
+                                    <p:cond delay="100"/>
+                                  </p:stCondLst>
+                                  <p:childTnLst>
+                                    <p:set>
+                                      <p:cBhvr>
+                                        <p:cTn id="13" dur="1" fill="hold">
+                                          <p:stCondLst>
+                                            <p:cond delay="0"/>
+                                          </p:stCondLst>
+                                        </p:cTn>
+                                        <p:tgtEl>
+                                          <p:spTgt spid="3"/>
+                                        </p:tgtEl>
+                                        <p:attrNameLst>
+                                          <p:attrName>style.visibility</p:attrName>
+                                        </p:attrNameLst>
+                                      </p:cBhvr>
+                                      <p:to>
+                                        <p:strVal val="visible"/>
+                                      </p:to>
+                                    </p:set>
+                                  </p:childTnLst>
+                                </p:cTn>
+                              </p:par>
+                            </p:childTnLst>
+                          </p:cTn>
+                        </p:par>
+                        <p:par>
+                          <p:cTn id="14" fill="hold">
+                            <p:stCondLst>
+                              <p:cond delay="600"/>
+                            </p:stCondLst>
+                            <p:childTnLst>
+                              <p:par>
+                                <p:cTn id="15" presetID="10" presetClass="entr" presetSubtype="0" fill="hold" grpId="0" nodeType="afterEffect">
+                                  <p:stCondLst>
+                                    <p:cond delay="0"/>
+                                  </p:stCondLst>
+                                  <p:childTnLst>
+                                    <p:set>
+                                      <p:cBhvr>
+                                        <p:cTn id="16" dur="1" fill="hold">
+                                          <p:stCondLst>
+                                            <p:cond delay="0"/>
+                                          </p:stCondLst>
+                                        </p:cTn>
+                                        <p:tgtEl>
+                                          <p:spTgt spid="4">
+                                            <p:txEl>
+                                              <p:pRg st="0" end="0"/>
+                                            </p:txEl>
+                                          </p:spTgt>
+                                        </p:tgtEl>
+                                        <p:attrNameLst>
+                                          <p:attrName>style.visibility</p:attrName>
+                                        </p:attrNameLst>
+                                      </p:cBhvr>
+                                      <p:to>
+                                        <p:strVal val="visible"/>
+                                      </p:to>
+                                    </p:set>
+                                    <p:animEffect transition="in" filter="fade">
+                                      <p:cBhvr>
+                                        <p:cTn id="17" dur="1000"/>
+                                        <p:tgtEl>
+                                          <p:spTgt spid="4">
+                                            <p:txEl>
+                                              <p:pRg st="0" end="0"/>
+                                            </p:txEl>
+                                          </p:spTgt>
+                                        </p:tgtEl>
+                                      </p:cBhvr>
+                                    </p:animEffect>
+                                  </p:childTnLst>
+                                </p:cTn>
+                              </p:par>
+                            </p:childTnLst>
+                          </p:cTn>
+                        </p:par>
+                      </p:childTnLst>
+                    </p:cTn>
+                  </p:par>
+                  <p:par>
+                    <p:cTn id="18" fill="hold">
+                      <p:stCondLst>
+                        <p:cond delay="indefinite"/>
+                      </p:stCondLst>
+                      <p:childTnLst>
+                        <p:par>
+                          <p:cTn id="19" fill="hold">
+                            <p:stCondLst>
+                              <p:cond delay="0"/>
+                            </p:stCondLst>
+                            <p:childTnLst>
+                              <p:par>
+                                <p:cTn id="20" presetID="10" presetClass="entr" presetSubtype="0" fill="hold" nodeType="clickEffect">
+                                  <p:stCondLst>
+                                    <p:cond delay="0"/>
+                                  </p:stCondLst>
+                                  <p:childTnLst>
+                                    <p:set>
+                                      <p:cBhvr>
+                                        <p:cTn id="21" dur="1" fill="hold">
+                                          <p:stCondLst>
+                                            <p:cond delay="0"/>
+                                          </p:stCondLst>
+                                        </p:cTn>
+                                        <p:tgtEl>
+                                          <p:spTgt spid="7">
+                                            <p:txEl>
+                                              <p:pRg st="0" end="0"/>
+                                            </p:txEl>
+                                          </p:spTgt>
+                                        </p:tgtEl>
+                                        <p:attrNameLst>
+                                          <p:attrName>style.visibility</p:attrName>
+                                        </p:attrNameLst>
+                                      </p:cBhvr>
+                                      <p:to>
+                                        <p:strVal val="visible"/>
+                                      </p:to>
+                                    </p:set>
+                                    <p:animEffect transition="in" filter="fade">
+                                      <p:cBhvr>
+                                        <p:cTn id="22" dur="500"/>
+                                        <p:tgtEl>
+                                          <p:spTgt spid="7">
+                                            <p:txEl>
+                                              <p:pRg st="0" end="0"/>
+                                            </p:txEl>
+                                          </p:spTgt>
+                                        </p:tgtEl>
+                                      </p:cBhvr>
+                                    </p:animEffect>
+                                  </p:childTnLst>
+                                </p:cTn>
+                              </p:par>
+                            </p:childTnLst>
+                          </p:cTn>
+                        </p:par>
+                      </p:childTnLst>
+                    </p:cTn>
+                  </p:par>
+                  <p:par>
+                    <p:cTn id="23" fill="hold">
+                      <p:stCondLst>
+                        <p:cond delay="indefinite"/>
+                      </p:stCondLst>
+                      <p:childTnLst>
+                        <p:par>
+                          <p:cTn id="24" fill="hold">
+                            <p:stCondLst>
+                              <p:cond delay="0"/>
+                            </p:stCondLst>
+                            <p:childTnLst>
+                              <p:par>
+                                <p:cTn id="25" presetID="10" presetClass="entr" presetSubtype="0" fill="hold" nodeType="clickEffect">
+                                  <p:stCondLst>
+                                    <p:cond delay="0"/>
+                                  </p:stCondLst>
+                                  <p:childTnLst>
+                                    <p:set>
+                                      <p:cBhvr>
+                                        <p:cTn id="26" dur="1" fill="hold">
+                                          <p:stCondLst>
+                                            <p:cond delay="0"/>
+                                          </p:stCondLst>
+                                        </p:cTn>
+                                        <p:tgtEl>
+                                          <p:spTgt spid="7">
+                                            <p:txEl>
+                                              <p:pRg st="1" end="1"/>
+                                            </p:txEl>
+                                          </p:spTgt>
+                                        </p:tgtEl>
+                                        <p:attrNameLst>
+                                          <p:attrName>style.visibility</p:attrName>
+                                        </p:attrNameLst>
+                                      </p:cBhvr>
+                                      <p:to>
+                                        <p:strVal val="visible"/>
+                                      </p:to>
+                                    </p:set>
+                                    <p:animEffect transition="in" filter="fade">
+                                      <p:cBhvr>
+                                        <p:cTn id="27" dur="500"/>
+                                        <p:tgtEl>
+                                          <p:spTgt spid="7">
+                                            <p:txEl>
+                                              <p:pRg st="1" end="1"/>
+                                            </p:txEl>
+                                          </p:spTgt>
+                                        </p:tgtEl>
+                                      </p:cBhvr>
+                                    </p:animEffect>
+                                  </p:childTnLst>
+                                </p:cTn>
+                              </p:par>
+                            </p:childTnLst>
+                          </p:cTn>
+                        </p:par>
+                      </p:childTnLst>
+                    </p:cTn>
+                  </p:par>
+                  <p:par>
+                    <p:cTn id="28" fill="hold">
+                      <p:stCondLst>
+                        <p:cond delay="indefinite"/>
+                      </p:stCondLst>
+                      <p:childTnLst>
+                        <p:par>
+                          <p:cTn id="29" fill="hold">
+                            <p:stCondLst>
+                              <p:cond delay="0"/>
+                            </p:stCondLst>
+                            <p:childTnLst>
+                              <p:par>
+                                <p:cTn id="30" presetID="10" presetClass="entr" presetSubtype="0" fill="hold" nodeType="clickEffect">
+                                  <p:stCondLst>
+                                    <p:cond delay="0"/>
+                                  </p:stCondLst>
+                                  <p:childTnLst>
+                                    <p:set>
+                                      <p:cBhvr>
+                                        <p:cTn id="31" dur="1" fill="hold">
+                                          <p:stCondLst>
+                                            <p:cond delay="0"/>
+                                          </p:stCondLst>
+                                        </p:cTn>
+                                        <p:tgtEl>
+                                          <p:spTgt spid="7">
+                                            <p:txEl>
+                                              <p:pRg st="2" end="2"/>
+                                            </p:txEl>
+                                          </p:spTgt>
+                                        </p:tgtEl>
+                                        <p:attrNameLst>
+                                          <p:attrName>style.visibility</p:attrName>
+                                        </p:attrNameLst>
+                                      </p:cBhvr>
+                                      <p:to>
+                                        <p:strVal val="visible"/>
+                                      </p:to>
+                                    </p:set>
+                                    <p:animEffect transition="in" filter="fade">
+                                      <p:cBhvr>
+                                        <p:cTn id="32" dur="500"/>
+                                        <p:tgtEl>
+                                          <p:spTgt spid="7">
+                                            <p:txEl>
+                                              <p:pRg st="2" end="2"/>
+                                            </p:txEl>
+                                          </p:spTgt>
+                                        </p:tgtEl>
+                                      </p:cBhvr>
+                                    </p:animEffect>
+                                  </p:childTnLst>
+                                </p:cTn>
+                              </p:par>
+                            </p:childTnLst>
+                          </p:cTn>
+                        </p:par>
+                      </p:childTnLst>
+                    </p:cTn>
+                  </p:par>
+                  <p:par>
+                    <p:cTn id="33" fill="hold">
+                      <p:stCondLst>
+                        <p:cond delay="indefinite"/>
+                      </p:stCondLst>
+                      <p:childTnLst>
+                        <p:par>
+                          <p:cTn id="34" fill="hold">
+                            <p:stCondLst>
+                              <p:cond delay="0"/>
+                            </p:stCondLst>
+                            <p:childTnLst>
+                              <p:par>
+                                <p:cTn id="35" presetID="10" presetClass="entr" presetSubtype="0" fill="hold" nodeType="clickEffect">
+                                  <p:stCondLst>
+                                    <p:cond delay="0"/>
+                                  </p:stCondLst>
+                                  <p:childTnLst>
+                                    <p:set>
+                                      <p:cBhvr>
+                                        <p:cTn id="36" dur="1" fill="hold">
+                                          <p:stCondLst>
+                                            <p:cond delay="0"/>
+                                          </p:stCondLst>
+                                        </p:cTn>
+                                        <p:tgtEl>
+                                          <p:spTgt spid="7">
+                                            <p:txEl>
+                                              <p:pRg st="3" end="3"/>
+                                            </p:txEl>
+                                          </p:spTgt>
+                                        </p:tgtEl>
+                                        <p:attrNameLst>
+                                          <p:attrName>style.visibility</p:attrName>
+                                        </p:attrNameLst>
+                                      </p:cBhvr>
+                                      <p:to>
+                                        <p:strVal val="visible"/>
+                                      </p:to>
+                                    </p:set>
+                                    <p:animEffect transition="in" filter="fade">
+                                      <p:cBhvr>
+                                        <p:cTn id="37" dur="500"/>
+                                        <p:tgtEl>
+                                          <p:spTgt spid="7">
+                                            <p:txEl>
+                                              <p:pRg st="3" end="3"/>
+                                            </p:txEl>
+                                          </p:spTgt>
+                                        </p:tgtEl>
+                                      </p:cBhvr>
+                                    </p:animEffect>
+                                  </p:childTnLst>
+                                </p:cTn>
+                              </p:par>
+                            </p:childTnLst>
+                          </p:cTn>
+                        </p:par>
+                      </p:childTnLst>
+                    </p:cTn>
+                  </p:par>
+                  <p:par>
+                    <p:cTn id="38" fill="hold">
+                      <p:stCondLst>
+                        <p:cond delay="indefinite"/>
+                      </p:stCondLst>
+                      <p:childTnLst>
+                        <p:par>
+                          <p:cTn id="39" fill="hold">
+                            <p:stCondLst>
+                              <p:cond delay="0"/>
+                            </p:stCondLst>
+                            <p:childTnLst>
+                              <p:par>
+                                <p:cTn id="40" presetID="10" presetClass="entr" presetSubtype="0" fill="hold" nodeType="clickEffect">
+                                  <p:stCondLst>
+                                    <p:cond delay="0"/>
+                                  </p:stCondLst>
+                                  <p:childTnLst>
+                                    <p:set>
+                                      <p:cBhvr>
+                                        <p:cTn id="41" dur="1" fill="hold">
+                                          <p:stCondLst>
+                                            <p:cond delay="0"/>
+                                          </p:stCondLst>
+                                        </p:cTn>
+                                        <p:tgtEl>
+                                          <p:spTgt spid="7">
+                                            <p:txEl>
+                                              <p:pRg st="5" end="5"/>
+                                            </p:txEl>
+                                          </p:spTgt>
+                                        </p:tgtEl>
+                                        <p:attrNameLst>
+                                          <p:attrName>style.visibility</p:attrName>
+                                        </p:attrNameLst>
+                                      </p:cBhvr>
+                                      <p:to>
+                                        <p:strVal val="visible"/>
+                                      </p:to>
+                                    </p:set>
+                                    <p:animEffect transition="in" filter="fade">
+                                      <p:cBhvr>
+                                        <p:cTn id="42" dur="500"/>
+                                        <p:tgtEl>
+                                          <p:spTgt spid="7">
+                                            <p:txEl>
+                                              <p:pRg st="5" end="5"/>
+                                            </p:txEl>
+                                          </p:spTgt>
+                                        </p:tgtEl>
+                                      </p:cBhvr>
+                                    </p:animEffect>
+                                  </p:childTnLst>
+                                </p:cTn>
+                              </p:par>
+                            </p:childTnLst>
+                          </p:cTn>
+                        </p:par>
+                      </p:childTnLst>
+                    </p:cTn>
+                  </p:par>
+                </p:childTnLst>
+              </p:cTn>
+              <p:prevCondLst>
+                <p:cond evt="onPrev" delay="0">
+                  <p:tgtEl>
+                    <p:sldTgt/>
+                  </p:tgtEl>
+                </p:cond>
+              </p:prevCondLst>
+              <p:nextCondLst>
+                <p:cond evt="onNext" delay="0">
+                  <p:tgtEl>
+                    <p:sldTgt/>
+                  </p:tgtEl>
+                </p:cond>
+              </p:nextCondLst>
+            </p:seq>
+          </p:childTnLst>
+        </p:cTn>
+      </p:par>
+    </p:tnLst>
+    <p:bldLst>
+      <p:bldP spid="15" grpId="0" animBg="1"/>
+      <p:bldP spid="4" grpId="0" build="p"/>
+    </p:bldLst>
+  </p:timing>
+</p:sld>
+</file>
+
+<file path=ppt/slides/slide14.xml><?xml version="1.0" encoding="utf-8"?>
+<p:sld xmlns:a="http://schemas.openxmlformats.org/drawingml/2006/main" xmlns:r="http://schemas.openxmlformats.org/officeDocument/2006/relationships" xmlns:p="http://schemas.openxmlformats.org/presentationml/2006/main">
+  <p:cSld>
+    <p:spTree>
+      <p:nvGrpSpPr>
+        <p:cNvPr id="1" name=""/>
+        <p:cNvGrpSpPr/>
+        <p:nvPr/>
+      </p:nvGrpSpPr>
+      <p:grpSpPr>
+        <a:xfrm>
+          <a:off x="0" y="0"/>
+          <a:ext cx="0" cy="0"/>
+          <a:chOff x="0" y="0"/>
+          <a:chExt cx="0" cy="0"/>
+        </a:xfrm>
+      </p:grpSpPr>
+      <p:sp>
+        <p:nvSpPr>
+          <p:cNvPr id="27" name="Text Placeholder 2"/>
+          <p:cNvSpPr txBox="1">
+            <a:spLocks/>
+          </p:cNvSpPr>
+          <p:nvPr/>
+        </p:nvSpPr>
+        <p:spPr>
+          <a:xfrm rot="5400000">
+            <a:off x="5682853" y="2939653"/>
+            <a:ext cx="6400800" cy="521494"/>
+          </a:xfrm>
+          <a:prstGeom prst="rect">
+            <a:avLst/>
+          </a:prstGeom>
+        </p:spPr>
+        <p:txBody>
+          <a:bodyPr>
+            <a:noAutofit/>
+          </a:bodyPr>
+          <a:lstStyle>
+            <a:lvl1pPr marL="342900" indent="-342900" algn="l" defTabSz="914400" rtl="0" eaLnBrk="1" latinLnBrk="0" hangingPunct="1">
+              <a:spcBef>
+                <a:spcPct val="20000"/>
+              </a:spcBef>
+              <a:buFont typeface="Arial" pitchFamily="34" charset="0"/>
+              <a:buChar char="•"/>
+              <a:defRPr sz="3200" kern="1200">
+                <a:solidFill>
+                  <a:schemeClr val="tx1"/>
+                </a:solidFill>
+                <a:latin typeface="+mn-lt"/>
+                <a:ea typeface="+mn-ea"/>
+                <a:cs typeface="+mn-cs"/>
+              </a:defRPr>
+            </a:lvl1pPr>
+            <a:lvl2pPr marL="742950" indent="-285750" algn="l" defTabSz="914400" rtl="0" eaLnBrk="1" latinLnBrk="0" hangingPunct="1">
+              <a:spcBef>
+                <a:spcPct val="20000"/>
+              </a:spcBef>
+              <a:buFont typeface="Arial" pitchFamily="34" charset="0"/>
+              <a:buChar char="–"/>
+              <a:defRPr sz="2800" kern="1200">
+                <a:solidFill>
+                  <a:schemeClr val="tx1"/>
+                </a:solidFill>
+                <a:latin typeface="+mn-lt"/>
+                <a:ea typeface="+mn-ea"/>
+                <a:cs typeface="+mn-cs"/>
+              </a:defRPr>
+            </a:lvl2pPr>
+            <a:lvl3pPr marL="1143000" indent="-228600" algn="l" defTabSz="914400" rtl="0" eaLnBrk="1" latinLnBrk="0" hangingPunct="1">
+              <a:spcBef>
+                <a:spcPct val="20000"/>
+              </a:spcBef>
+              <a:buFont typeface="Arial" pitchFamily="34" charset="0"/>
+              <a:buChar char="•"/>
+              <a:defRPr sz="2400" kern="1200">
+                <a:solidFill>
+                  <a:schemeClr val="tx1"/>
+                </a:solidFill>
+                <a:latin typeface="+mn-lt"/>
+                <a:ea typeface="+mn-ea"/>
+                <a:cs typeface="+mn-cs"/>
+              </a:defRPr>
+            </a:lvl3pPr>
+            <a:lvl4pPr marL="1600200" indent="-228600" algn="l" defTabSz="914400" rtl="0" eaLnBrk="1" latinLnBrk="0" hangingPunct="1">
+              <a:spcBef>
+                <a:spcPct val="20000"/>
+              </a:spcBef>
+              <a:buFont typeface="Arial" pitchFamily="34" charset="0"/>
+              <a:buChar char="–"/>
+              <a:defRPr sz="2000" kern="1200">
+                <a:solidFill>
+                  <a:schemeClr val="tx1"/>
+                </a:solidFill>
+                <a:latin typeface="+mn-lt"/>
+                <a:ea typeface="+mn-ea"/>
+                <a:cs typeface="+mn-cs"/>
+              </a:defRPr>
+            </a:lvl4pPr>
+            <a:lvl5pPr marL="2057400" indent="-228600" algn="l" defTabSz="914400" rtl="0" eaLnBrk="1" latinLnBrk="0" hangingPunct="1">
+              <a:spcBef>
+                <a:spcPct val="20000"/>
+              </a:spcBef>
+              <a:buFont typeface="Arial" pitchFamily="34" charset="0"/>
+              <a:buChar char="»"/>
+              <a:defRPr sz="2000" kern="1200">
+                <a:solidFill>
+                  <a:schemeClr val="tx1"/>
+                </a:solidFill>
+                <a:latin typeface="+mn-lt"/>
+                <a:ea typeface="+mn-ea"/>
+                <a:cs typeface="+mn-cs"/>
+              </a:defRPr>
+            </a:lvl5pPr>
+            <a:lvl6pPr marL="2514600" indent="-228600" algn="l" defTabSz="914400" rtl="0" eaLnBrk="1" latinLnBrk="0" hangingPunct="1">
+              <a:spcBef>
+                <a:spcPct val="20000"/>
+              </a:spcBef>
+              <a:buFont typeface="Arial" pitchFamily="34" charset="0"/>
+              <a:buChar char="•"/>
+              <a:defRPr sz="2000" kern="1200">
+                <a:solidFill>
+                  <a:schemeClr val="tx1"/>
+                </a:solidFill>
+                <a:latin typeface="+mn-lt"/>
+                <a:ea typeface="+mn-ea"/>
+                <a:cs typeface="+mn-cs"/>
+              </a:defRPr>
+            </a:lvl6pPr>
+            <a:lvl7pPr marL="2971800" indent="-228600" algn="l" defTabSz="914400" rtl="0" eaLnBrk="1" latinLnBrk="0" hangingPunct="1">
+              <a:spcBef>
+                <a:spcPct val="20000"/>
+              </a:spcBef>
+              <a:buFont typeface="Arial" pitchFamily="34" charset="0"/>
+              <a:buChar char="•"/>
+              <a:defRPr sz="2000" kern="1200">
+                <a:solidFill>
+                  <a:schemeClr val="tx1"/>
+                </a:solidFill>
+                <a:latin typeface="+mn-lt"/>
+                <a:ea typeface="+mn-ea"/>
+                <a:cs typeface="+mn-cs"/>
+              </a:defRPr>
+            </a:lvl7pPr>
+            <a:lvl8pPr marL="3429000" indent="-228600" algn="l" defTabSz="914400" rtl="0" eaLnBrk="1" latinLnBrk="0" hangingPunct="1">
+              <a:spcBef>
+                <a:spcPct val="20000"/>
+              </a:spcBef>
+              <a:buFont typeface="Arial" pitchFamily="34" charset="0"/>
+              <a:buChar char="•"/>
+              <a:defRPr sz="2000" kern="1200">
+                <a:solidFill>
+                  <a:schemeClr val="tx1"/>
+                </a:solidFill>
+                <a:latin typeface="+mn-lt"/>
+                <a:ea typeface="+mn-ea"/>
+                <a:cs typeface="+mn-cs"/>
+              </a:defRPr>
+            </a:lvl8pPr>
+            <a:lvl9pPr marL="3886200" indent="-228600" algn="l" defTabSz="914400" rtl="0" eaLnBrk="1" latinLnBrk="0" hangingPunct="1">
+              <a:spcBef>
+                <a:spcPct val="20000"/>
+              </a:spcBef>
+              <a:buFont typeface="Arial" pitchFamily="34" charset="0"/>
+              <a:buChar char="•"/>
+              <a:defRPr sz="2000" kern="1200">
+                <a:solidFill>
+                  <a:schemeClr val="tx1"/>
+                </a:solidFill>
+                <a:latin typeface="+mn-lt"/>
+                <a:ea typeface="+mn-ea"/>
+                <a:cs typeface="+mn-cs"/>
+              </a:defRPr>
+            </a:lvl9pPr>
+          </a:lstStyle>
+          <a:p>
+            <a:pPr>
+              <a:buFont typeface="Arial" pitchFamily="34" charset="0"/>
+              <a:buNone/>
+            </a:pPr>
+            <a:r>
+              <a:rPr lang="en-US" b="1" dirty="0" smtClean="0"/>
+              <a:t>Agenda</a:t>
+            </a:r>
+            <a:endParaRPr lang="en-US" b="1" dirty="0"/>
+          </a:p>
+        </p:txBody>
+      </p:sp>
+      <p:sp>
+        <p:nvSpPr>
+          <p:cNvPr id="2" name="TextBox 1"/>
+          <p:cNvSpPr txBox="1"/>
+          <p:nvPr/>
+        </p:nvSpPr>
+        <p:spPr>
+          <a:xfrm>
+            <a:off x="228600" y="381000"/>
+            <a:ext cx="8077200" cy="4862870"/>
+          </a:xfrm>
+          <a:prstGeom prst="rect">
+            <a:avLst/>
+          </a:prstGeom>
+          <a:noFill/>
+        </p:spPr>
+        <p:txBody>
+          <a:bodyPr wrap="square" rtlCol="0">
+            <a:spAutoFit/>
+          </a:bodyPr>
+          <a:lstStyle/>
+          <a:p>
+            <a:pPr marL="285750" indent="-285750">
+              <a:buFont typeface="Arial" panose="020B0604020202020204" pitchFamily="34" charset="0"/>
+              <a:buChar char="•"/>
+            </a:pPr>
+            <a:r>
+              <a:rPr lang="en-US" sz="3600" dirty="0"/>
+              <a:t>What is on tap?</a:t>
+            </a:r>
+          </a:p>
+          <a:p>
+            <a:endParaRPr lang="en-US" dirty="0"/>
+          </a:p>
+          <a:p>
+            <a:pPr marL="285750" indent="-285750">
+              <a:buFont typeface="Arial" panose="020B0604020202020204" pitchFamily="34" charset="0"/>
+              <a:buChar char="•"/>
+            </a:pPr>
+            <a:r>
+              <a:rPr lang="en-US" sz="3600" dirty="0"/>
+              <a:t>What are Contracts?</a:t>
+            </a:r>
+          </a:p>
+          <a:p>
+            <a:pPr marL="285750" indent="-285750">
+              <a:buFont typeface="Arial" panose="020B0604020202020204" pitchFamily="34" charset="0"/>
+              <a:buChar char="•"/>
+            </a:pPr>
+            <a:endParaRPr lang="en-US" dirty="0"/>
+          </a:p>
+          <a:p>
+            <a:pPr marL="285750" indent="-285750">
+              <a:buFont typeface="Arial" panose="020B0604020202020204" pitchFamily="34" charset="0"/>
+              <a:buChar char="•"/>
+            </a:pPr>
+            <a:r>
+              <a:rPr lang="en-US" sz="3600" dirty="0"/>
+              <a:t>How does Windows 8 allow Immersion  </a:t>
+            </a:r>
+          </a:p>
+          <a:p>
+            <a:pPr lvl="1"/>
+            <a:endParaRPr lang="en-US" dirty="0"/>
+          </a:p>
+          <a:p>
+            <a:pPr marL="285750" indent="-285750">
+              <a:buFont typeface="Arial" panose="020B0604020202020204" pitchFamily="34" charset="0"/>
+              <a:buChar char="•"/>
+            </a:pPr>
+            <a:r>
+              <a:rPr lang="en-US" sz="3600" dirty="0"/>
+              <a:t>How do I?</a:t>
+            </a:r>
+          </a:p>
+          <a:p>
+            <a:pPr marL="742950" lvl="1" indent="-285750">
+              <a:buFont typeface="Arial" panose="020B0604020202020204" pitchFamily="34" charset="0"/>
+              <a:buChar char="•"/>
+            </a:pPr>
+            <a:r>
+              <a:rPr lang="en-US" sz="2800" dirty="0"/>
+              <a:t>Implement Integrated Search</a:t>
+            </a:r>
+          </a:p>
+          <a:p>
+            <a:pPr marL="742950" lvl="1" indent="-285750">
+              <a:buFont typeface="Arial" panose="020B0604020202020204" pitchFamily="34" charset="0"/>
+              <a:buChar char="•"/>
+            </a:pPr>
+            <a:r>
+              <a:rPr lang="en-US" sz="2800" dirty="0"/>
+              <a:t>Implement Sharing of data</a:t>
+            </a:r>
+          </a:p>
+          <a:p>
+            <a:pPr marL="742950" lvl="1" indent="-285750">
+              <a:buFont typeface="Arial" panose="020B0604020202020204" pitchFamily="34" charset="0"/>
+              <a:buChar char="•"/>
+            </a:pPr>
+            <a:r>
+              <a:rPr lang="en-US" sz="2800" dirty="0"/>
+              <a:t>Implement Receiving Shared data</a:t>
+            </a:r>
+          </a:p>
+          <a:p>
+            <a:pPr marL="742950" lvl="1" indent="-285750">
+              <a:buFont typeface="Arial" panose="020B0604020202020204" pitchFamily="34" charset="0"/>
+              <a:buChar char="•"/>
+            </a:pPr>
+            <a:r>
+              <a:rPr lang="en-US" sz="2800" dirty="0">
+                <a:solidFill>
+                  <a:schemeClr val="accent6">
+                    <a:lumMod val="75000"/>
+                  </a:schemeClr>
+                </a:solidFill>
+              </a:rPr>
+              <a:t>Implement Integrated Settings</a:t>
+            </a:r>
+            <a:endParaRPr lang="en-US" sz="2800" dirty="0">
+              <a:solidFill>
+                <a:schemeClr val="accent6">
+                  <a:lumMod val="75000"/>
+                </a:schemeClr>
+              </a:solidFill>
+            </a:endParaRPr>
+          </a:p>
+        </p:txBody>
+      </p:sp>
+    </p:spTree>
+    <p:extLst>
+      <p:ext uri="{BB962C8B-B14F-4D97-AF65-F5344CB8AC3E}">
+        <p14:creationId xmlns:p14="http://schemas.microsoft.com/office/powerpoint/2010/main" val="3042457773"/>
+      </p:ext>
+    </p:extLst>
+  </p:cSld>
+  <p:clrMapOvr>
+    <a:masterClrMapping/>
+  </p:clrMapOvr>
+  <p:transition spd="slow">
+    <p:wipe/>
+  </p:transition>
+  <p:timing>
+    <p:tnLst>
+      <p:par>
+        <p:cTn id="1" dur="indefinite" restart="never" nodeType="tmRoot">
+          <p:childTnLst>
+            <p:seq concurrent="1" nextAc="seek">
+              <p:cTn id="2" dur="indefinite" nodeType="mainSeq">
+                <p:childTnLst>
+                  <p:par>
+                    <p:cTn id="3" fill="hold">
+                      <p:stCondLst>
+                        <p:cond delay="indefinite"/>
+                        <p:cond evt="onBegin" delay="0">
+                          <p:tn val="2"/>
+                        </p:cond>
+                      </p:stCondLst>
+                      <p:childTnLst>
+                        <p:par>
+                          <p:cTn id="4" fill="hold">
+                            <p:stCondLst>
+                              <p:cond delay="0"/>
+                            </p:stCondLst>
+                            <p:childTnLst>
+                              <p:par>
+                                <p:cTn id="5" presetID="10" presetClass="entr" presetSubtype="0" fill="hold" grpId="0" nodeType="afterEffect">
+                                  <p:stCondLst>
+                                    <p:cond delay="0"/>
+                                  </p:stCondLst>
+                                  <p:childTnLst>
+                                    <p:set>
+                                      <p:cBhvr>
+                                        <p:cTn id="6" dur="1" fill="hold">
+                                          <p:stCondLst>
+                                            <p:cond delay="0"/>
+                                          </p:stCondLst>
+                                        </p:cTn>
+                                        <p:tgtEl>
+                                          <p:spTgt spid="27">
+                                            <p:txEl>
+                                              <p:pRg st="0" end="0"/>
+                                            </p:txEl>
+                                          </p:spTgt>
+                                        </p:tgtEl>
+                                        <p:attrNameLst>
+                                          <p:attrName>style.visibility</p:attrName>
+                                        </p:attrNameLst>
+                                      </p:cBhvr>
+                                      <p:to>
+                                        <p:strVal val="visible"/>
+                                      </p:to>
+                                    </p:set>
+                                    <p:animEffect transition="in" filter="fade">
+                                      <p:cBhvr>
+                                        <p:cTn id="7" dur="1000"/>
+                                        <p:tgtEl>
+                                          <p:spTgt spid="27">
+                                            <p:txEl>
+                                              <p:pRg st="0" end="0"/>
+                                            </p:txEl>
+                                          </p:spTgt>
+                                        </p:tgtEl>
+                                      </p:cBhvr>
+                                    </p:animEffect>
+                                  </p:childTnLst>
+                                </p:cTn>
+                              </p:par>
+                            </p:childTnLst>
+                          </p:cTn>
+                        </p:par>
+                      </p:childTnLst>
+                    </p:cTn>
+                  </p:par>
+                </p:childTnLst>
+              </p:cTn>
+              <p:prevCondLst>
+                <p:cond evt="onPrev" delay="0">
+                  <p:tgtEl>
+                    <p:sldTgt/>
+                  </p:tgtEl>
+                </p:cond>
+              </p:prevCondLst>
+              <p:nextCondLst>
+                <p:cond evt="onNext" delay="0">
+                  <p:tgtEl>
+                    <p:sldTgt/>
+                  </p:tgtEl>
+                </p:cond>
+              </p:nextCondLst>
+            </p:seq>
+          </p:childTnLst>
+        </p:cTn>
+      </p:par>
+    </p:tnLst>
+    <p:bldLst>
+      <p:bldP spid="27" grpId="0" build="p"/>
+    </p:bldLst>
+  </p:timing>
+</p:sld>
+</file>
+
+<file path=ppt/slides/slide15.xml><?xml version="1.0" encoding="utf-8"?>
+<p:sld xmlns:a="http://schemas.openxmlformats.org/drawingml/2006/main" xmlns:r="http://schemas.openxmlformats.org/officeDocument/2006/relationships" xmlns:p="http://schemas.openxmlformats.org/presentationml/2006/main">
+  <p:cSld>
+    <p:spTree>
+      <p:nvGrpSpPr>
+        <p:cNvPr id="1" name=""/>
+        <p:cNvGrpSpPr/>
+        <p:nvPr/>
+      </p:nvGrpSpPr>
+      <p:grpSpPr>
+        <a:xfrm>
+          <a:off x="0" y="0"/>
+          <a:ext cx="0" cy="0"/>
+          <a:chOff x="0" y="0"/>
+          <a:chExt cx="0" cy="0"/>
+        </a:xfrm>
+      </p:grpSpPr>
+      <p:sp>
+        <p:nvSpPr>
+          <p:cNvPr id="15" name="TextBox 14"/>
+          <p:cNvSpPr txBox="1"/>
+          <p:nvPr/>
+        </p:nvSpPr>
+        <p:spPr>
+          <a:xfrm>
+            <a:off x="0" y="533400"/>
+            <a:ext cx="4343400" cy="461665"/>
+          </a:xfrm>
+          <a:prstGeom prst="rect">
+            <a:avLst/>
+          </a:prstGeom>
+          <a:solidFill>
+            <a:schemeClr val="tx1">
+              <a:lumMod val="95000"/>
+              <a:lumOff val="5000"/>
+              <a:alpha val="55000"/>
+            </a:schemeClr>
+          </a:solidFill>
+        </p:spPr>
+        <p:txBody>
+          <a:bodyPr wrap="square" rtlCol="0" anchor="ctr" anchorCtr="0">
+            <a:normAutofit/>
+          </a:bodyPr>
+          <a:lstStyle/>
+          <a:p>
+            <a:r>
+              <a:rPr lang="en-US" sz="2400" dirty="0" smtClean="0">
+                <a:solidFill>
+                  <a:schemeClr val="bg1"/>
+                </a:solidFill>
+              </a:rPr>
+              <a:t>Using the Settings Contract</a:t>
+            </a:r>
+            <a:endParaRPr lang="en-US" sz="2400" b="1" dirty="0">
+              <a:solidFill>
+                <a:schemeClr val="bg1"/>
+              </a:solidFill>
+            </a:endParaRPr>
+          </a:p>
+        </p:txBody>
+      </p:sp>
+      <p:sp>
+        <p:nvSpPr>
+          <p:cNvPr id="2" name="TextBox 1"/>
+          <p:cNvSpPr txBox="1"/>
+          <p:nvPr/>
+        </p:nvSpPr>
+        <p:spPr>
+          <a:xfrm>
+            <a:off x="304800" y="1314271"/>
+            <a:ext cx="7848599" cy="1200329"/>
+          </a:xfrm>
+          <a:prstGeom prst="rect">
+            <a:avLst/>
+          </a:prstGeom>
+          <a:noFill/>
+        </p:spPr>
+        <p:txBody>
+          <a:bodyPr wrap="square" rtlCol="0">
+            <a:spAutoFit/>
+          </a:bodyPr>
+          <a:lstStyle/>
+          <a:p>
+            <a:r>
+              <a:rPr lang="en-US" sz="3600" dirty="0" smtClean="0"/>
+              <a:t>Enables your application to integrate and provide settings via the Settings Charm</a:t>
+            </a:r>
+          </a:p>
+        </p:txBody>
+      </p:sp>
+      <p:sp>
+        <p:nvSpPr>
+          <p:cNvPr id="4" name="Text Placeholder 2"/>
+          <p:cNvSpPr txBox="1">
+            <a:spLocks/>
+          </p:cNvSpPr>
+          <p:nvPr/>
+        </p:nvSpPr>
+        <p:spPr>
+          <a:xfrm rot="5400000">
+            <a:off x="5682853" y="2939653"/>
+            <a:ext cx="6400800" cy="521494"/>
+          </a:xfrm>
+          <a:prstGeom prst="rect">
+            <a:avLst/>
+          </a:prstGeom>
+        </p:spPr>
+        <p:txBody>
+          <a:bodyPr>
+            <a:noAutofit/>
+          </a:bodyPr>
+          <a:lstStyle>
+            <a:lvl1pPr marL="342900" indent="-342900" algn="l" defTabSz="914400" rtl="0" eaLnBrk="1" latinLnBrk="0" hangingPunct="1">
+              <a:spcBef>
+                <a:spcPct val="20000"/>
+              </a:spcBef>
+              <a:buFont typeface="Arial" pitchFamily="34" charset="0"/>
+              <a:buChar char="•"/>
+              <a:defRPr sz="3200" kern="1200">
+                <a:solidFill>
+                  <a:schemeClr val="tx1"/>
+                </a:solidFill>
+                <a:latin typeface="+mn-lt"/>
+                <a:ea typeface="+mn-ea"/>
+                <a:cs typeface="+mn-cs"/>
+              </a:defRPr>
+            </a:lvl1pPr>
+            <a:lvl2pPr marL="742950" indent="-285750" algn="l" defTabSz="914400" rtl="0" eaLnBrk="1" latinLnBrk="0" hangingPunct="1">
+              <a:spcBef>
+                <a:spcPct val="20000"/>
+              </a:spcBef>
+              <a:buFont typeface="Arial" pitchFamily="34" charset="0"/>
+              <a:buChar char="–"/>
+              <a:defRPr sz="2800" kern="1200">
+                <a:solidFill>
+                  <a:schemeClr val="tx1"/>
+                </a:solidFill>
+                <a:latin typeface="+mn-lt"/>
+                <a:ea typeface="+mn-ea"/>
+                <a:cs typeface="+mn-cs"/>
+              </a:defRPr>
+            </a:lvl2pPr>
+            <a:lvl3pPr marL="1143000" indent="-228600" algn="l" defTabSz="914400" rtl="0" eaLnBrk="1" latinLnBrk="0" hangingPunct="1">
+              <a:spcBef>
+                <a:spcPct val="20000"/>
+              </a:spcBef>
+              <a:buFont typeface="Arial" pitchFamily="34" charset="0"/>
+              <a:buChar char="•"/>
+              <a:defRPr sz="2400" kern="1200">
+                <a:solidFill>
+                  <a:schemeClr val="tx1"/>
+                </a:solidFill>
+                <a:latin typeface="+mn-lt"/>
+                <a:ea typeface="+mn-ea"/>
+                <a:cs typeface="+mn-cs"/>
+              </a:defRPr>
+            </a:lvl3pPr>
+            <a:lvl4pPr marL="1600200" indent="-228600" algn="l" defTabSz="914400" rtl="0" eaLnBrk="1" latinLnBrk="0" hangingPunct="1">
+              <a:spcBef>
+                <a:spcPct val="20000"/>
+              </a:spcBef>
+              <a:buFont typeface="Arial" pitchFamily="34" charset="0"/>
+              <a:buChar char="–"/>
+              <a:defRPr sz="2000" kern="1200">
+                <a:solidFill>
+                  <a:schemeClr val="tx1"/>
+                </a:solidFill>
+                <a:latin typeface="+mn-lt"/>
+                <a:ea typeface="+mn-ea"/>
+                <a:cs typeface="+mn-cs"/>
+              </a:defRPr>
+            </a:lvl4pPr>
+            <a:lvl5pPr marL="2057400" indent="-228600" algn="l" defTabSz="914400" rtl="0" eaLnBrk="1" latinLnBrk="0" hangingPunct="1">
+              <a:spcBef>
+                <a:spcPct val="20000"/>
+              </a:spcBef>
+              <a:buFont typeface="Arial" pitchFamily="34" charset="0"/>
+              <a:buChar char="»"/>
+              <a:defRPr sz="2000" kern="1200">
+                <a:solidFill>
+                  <a:schemeClr val="tx1"/>
+                </a:solidFill>
+                <a:latin typeface="+mn-lt"/>
+                <a:ea typeface="+mn-ea"/>
+                <a:cs typeface="+mn-cs"/>
+              </a:defRPr>
+            </a:lvl5pPr>
+            <a:lvl6pPr marL="2514600" indent="-228600" algn="l" defTabSz="914400" rtl="0" eaLnBrk="1" latinLnBrk="0" hangingPunct="1">
+              <a:spcBef>
+                <a:spcPct val="20000"/>
+              </a:spcBef>
+              <a:buFont typeface="Arial" pitchFamily="34" charset="0"/>
+              <a:buChar char="•"/>
+              <a:defRPr sz="2000" kern="1200">
+                <a:solidFill>
+                  <a:schemeClr val="tx1"/>
+                </a:solidFill>
+                <a:latin typeface="+mn-lt"/>
+                <a:ea typeface="+mn-ea"/>
+                <a:cs typeface="+mn-cs"/>
+              </a:defRPr>
+            </a:lvl6pPr>
+            <a:lvl7pPr marL="2971800" indent="-228600" algn="l" defTabSz="914400" rtl="0" eaLnBrk="1" latinLnBrk="0" hangingPunct="1">
+              <a:spcBef>
+                <a:spcPct val="20000"/>
+              </a:spcBef>
+              <a:buFont typeface="Arial" pitchFamily="34" charset="0"/>
+              <a:buChar char="•"/>
+              <a:defRPr sz="2000" kern="1200">
+                <a:solidFill>
+                  <a:schemeClr val="tx1"/>
+                </a:solidFill>
+                <a:latin typeface="+mn-lt"/>
+                <a:ea typeface="+mn-ea"/>
+                <a:cs typeface="+mn-cs"/>
+              </a:defRPr>
+            </a:lvl7pPr>
+            <a:lvl8pPr marL="3429000" indent="-228600" algn="l" defTabSz="914400" rtl="0" eaLnBrk="1" latinLnBrk="0" hangingPunct="1">
+              <a:spcBef>
+                <a:spcPct val="20000"/>
+              </a:spcBef>
+              <a:buFont typeface="Arial" pitchFamily="34" charset="0"/>
+              <a:buChar char="•"/>
+              <a:defRPr sz="2000" kern="1200">
+                <a:solidFill>
+                  <a:schemeClr val="tx1"/>
+                </a:solidFill>
+                <a:latin typeface="+mn-lt"/>
+                <a:ea typeface="+mn-ea"/>
+                <a:cs typeface="+mn-cs"/>
+              </a:defRPr>
+            </a:lvl8pPr>
+            <a:lvl9pPr marL="3886200" indent="-228600" algn="l" defTabSz="914400" rtl="0" eaLnBrk="1" latinLnBrk="0" hangingPunct="1">
+              <a:spcBef>
+                <a:spcPct val="20000"/>
+              </a:spcBef>
+              <a:buFont typeface="Arial" pitchFamily="34" charset="0"/>
+              <a:buChar char="•"/>
+              <a:defRPr sz="2000" kern="1200">
+                <a:solidFill>
+                  <a:schemeClr val="tx1"/>
+                </a:solidFill>
+                <a:latin typeface="+mn-lt"/>
+                <a:ea typeface="+mn-ea"/>
+                <a:cs typeface="+mn-cs"/>
+              </a:defRPr>
+            </a:lvl9pPr>
+          </a:lstStyle>
+          <a:p>
+            <a:pPr>
+              <a:buFont typeface="Arial" pitchFamily="34" charset="0"/>
+              <a:buNone/>
+            </a:pPr>
+            <a:r>
+              <a:rPr lang="en-US" b="1" dirty="0" smtClean="0"/>
+              <a:t>How Do I?</a:t>
+            </a:r>
+            <a:endParaRPr lang="en-US" b="1" dirty="0"/>
+          </a:p>
+        </p:txBody>
+      </p:sp>
+      <p:sp>
+        <p:nvSpPr>
+          <p:cNvPr id="7" name="TextBox 6"/>
+          <p:cNvSpPr txBox="1"/>
+          <p:nvPr/>
+        </p:nvSpPr>
+        <p:spPr>
+          <a:xfrm>
+            <a:off x="304799" y="2819221"/>
+            <a:ext cx="4876801" cy="3970318"/>
+          </a:xfrm>
+          <a:prstGeom prst="rect">
+            <a:avLst/>
+          </a:prstGeom>
+          <a:noFill/>
+        </p:spPr>
+        <p:txBody>
+          <a:bodyPr wrap="square" rtlCol="0">
+            <a:spAutoFit/>
+          </a:bodyPr>
+          <a:lstStyle/>
+          <a:p>
+            <a:r>
+              <a:rPr lang="en-US" sz="3600" dirty="0" smtClean="0"/>
+              <a:t>You can:</a:t>
+            </a:r>
+          </a:p>
+          <a:p>
+            <a:pPr marL="571500" indent="-571500">
+              <a:buFont typeface="Arial" panose="020B0604020202020204" pitchFamily="34" charset="0"/>
+              <a:buChar char="•"/>
+            </a:pPr>
+            <a:r>
+              <a:rPr lang="en-US" sz="3600" dirty="0" smtClean="0"/>
+              <a:t>Integrates w/ any page in your app</a:t>
+            </a:r>
+          </a:p>
+          <a:p>
+            <a:pPr marL="571500" indent="-571500">
+              <a:buFont typeface="Arial" panose="020B0604020202020204" pitchFamily="34" charset="0"/>
+              <a:buChar char="•"/>
+            </a:pPr>
+            <a:r>
+              <a:rPr lang="en-US" sz="3600" dirty="0" smtClean="0"/>
+              <a:t>Have as many ‘settings’ as needed</a:t>
+            </a:r>
+          </a:p>
+          <a:p>
+            <a:pPr marL="571500" indent="-571500">
+              <a:buFont typeface="Arial" panose="020B0604020202020204" pitchFamily="34" charset="0"/>
+              <a:buChar char="•"/>
+            </a:pPr>
+            <a:endParaRPr lang="en-US" sz="3600" dirty="0"/>
+          </a:p>
+          <a:p>
+            <a:r>
+              <a:rPr lang="en-US" sz="3600" dirty="0" smtClean="0"/>
+              <a:t>Demo Time</a:t>
+            </a:r>
+          </a:p>
+        </p:txBody>
+      </p:sp>
+      <p:pic>
+        <p:nvPicPr>
+          <p:cNvPr id="5" name="Picture 4"/>
+          <p:cNvPicPr>
+            <a:picLocks noChangeAspect="1"/>
+          </p:cNvPicPr>
+          <p:nvPr/>
+        </p:nvPicPr>
+        <p:blipFill>
+          <a:blip r:embed="rId3"/>
+          <a:stretch>
+            <a:fillRect/>
+          </a:stretch>
+        </p:blipFill>
+        <p:spPr>
+          <a:xfrm>
+            <a:off x="5105400" y="3048000"/>
+            <a:ext cx="2581676" cy="2209800"/>
+          </a:xfrm>
+          <a:prstGeom prst="rect">
+            <a:avLst/>
+          </a:prstGeom>
+        </p:spPr>
+      </p:pic>
+      <p:pic>
+        <p:nvPicPr>
+          <p:cNvPr id="9" name="Picture 8"/>
+          <p:cNvPicPr>
+            <a:picLocks noChangeAspect="1"/>
+          </p:cNvPicPr>
+          <p:nvPr/>
+        </p:nvPicPr>
+        <p:blipFill>
+          <a:blip r:embed="rId4"/>
+          <a:stretch>
+            <a:fillRect/>
+          </a:stretch>
+        </p:blipFill>
+        <p:spPr>
+          <a:xfrm>
+            <a:off x="7397643" y="3048000"/>
+            <a:ext cx="790575" cy="1943100"/>
+          </a:xfrm>
+          <a:prstGeom prst="rect">
+            <a:avLst/>
+          </a:prstGeom>
+        </p:spPr>
+      </p:pic>
+      <p:pic>
+        <p:nvPicPr>
+          <p:cNvPr id="6" name="Picture 5"/>
+          <p:cNvPicPr>
+            <a:picLocks noChangeAspect="1"/>
+          </p:cNvPicPr>
+          <p:nvPr/>
+        </p:nvPicPr>
+        <p:blipFill>
+          <a:blip r:embed="rId5"/>
+          <a:stretch>
+            <a:fillRect/>
+          </a:stretch>
+        </p:blipFill>
+        <p:spPr>
+          <a:xfrm>
+            <a:off x="7427408" y="4019550"/>
+            <a:ext cx="733425" cy="952500"/>
+          </a:xfrm>
+          <a:prstGeom prst="rect">
+            <a:avLst/>
+          </a:prstGeom>
+        </p:spPr>
+      </p:pic>
+    </p:spTree>
+    <p:extLst>
+      <p:ext uri="{BB962C8B-B14F-4D97-AF65-F5344CB8AC3E}">
+        <p14:creationId xmlns:p14="http://schemas.microsoft.com/office/powerpoint/2010/main" val="2121388434"/>
+      </p:ext>
+    </p:extLst>
+  </p:cSld>
+  <p:clrMapOvr>
+    <a:masterClrMapping/>
+  </p:clrMapOvr>
+  <p:transition spd="slow">
+    <p:wipe/>
+  </p:transition>
+  <p:timing>
+    <p:tnLst>
+      <p:par>
+        <p:cTn id="1" dur="indefinite" restart="never" nodeType="tmRoot">
+          <p:childTnLst>
+            <p:seq concurrent="1" nextAc="seek">
+              <p:cTn id="2" dur="indefinite" nodeType="mainSeq">
+                <p:childTnLst>
+                  <p:par>
+                    <p:cTn id="3" fill="hold">
+                      <p:stCondLst>
+                        <p:cond delay="indefinite"/>
+                        <p:cond evt="onBegin" delay="0">
+                          <p:tn val="2"/>
+                        </p:cond>
+                      </p:stCondLst>
+                      <p:childTnLst>
+                        <p:par>
+                          <p:cTn id="4" fill="hold">
+                            <p:stCondLst>
+                              <p:cond delay="0"/>
+                            </p:stCondLst>
+                            <p:childTnLst>
+                              <p:par>
+                                <p:cTn id="5" presetID="2" presetClass="entr" presetSubtype="8" fill="hold" grpId="0" nodeType="afterEffect">
+                                  <p:stCondLst>
+                                    <p:cond delay="100"/>
+                                  </p:stCondLst>
+                                  <p:childTnLst>
+                                    <p:set>
+                                      <p:cBhvr>
+                                        <p:cTn id="6" dur="1" fill="hold">
+                                          <p:stCondLst>
+                                            <p:cond delay="0"/>
+                                          </p:stCondLst>
+                                        </p:cTn>
+                                        <p:tgtEl>
+                                          <p:spTgt spid="15"/>
+                                        </p:tgtEl>
+                                        <p:attrNameLst>
+                                          <p:attrName>style.visibility</p:attrName>
+                                        </p:attrNameLst>
+                                      </p:cBhvr>
+                                      <p:to>
+                                        <p:strVal val="visible"/>
+                                      </p:to>
+                                    </p:set>
+                                    <p:anim calcmode="lin" valueType="num">
+                                      <p:cBhvr additive="base">
+                                        <p:cTn id="7" dur="500" fill="hold"/>
+                                        <p:tgtEl>
+                                          <p:spTgt spid="15"/>
+                                        </p:tgtEl>
+                                        <p:attrNameLst>
+                                          <p:attrName>ppt_x</p:attrName>
+                                        </p:attrNameLst>
+                                      </p:cBhvr>
+                                      <p:tavLst>
+                                        <p:tav tm="0">
+                                          <p:val>
+                                            <p:strVal val="0-#ppt_w/2"/>
+                                          </p:val>
+                                        </p:tav>
+                                        <p:tav tm="100000">
+                                          <p:val>
+                                            <p:strVal val="#ppt_x"/>
+                                          </p:val>
+                                        </p:tav>
+                                      </p:tavLst>
+                                    </p:anim>
+                                    <p:anim calcmode="lin" valueType="num">
+                                      <p:cBhvr additive="base">
+                                        <p:cTn id="8" dur="500" fill="hold"/>
+                                        <p:tgtEl>
+                                          <p:spTgt spid="15"/>
+                                        </p:tgtEl>
+                                        <p:attrNameLst>
+                                          <p:attrName>ppt_y</p:attrName>
+                                        </p:attrNameLst>
+                                      </p:cBhvr>
+                                      <p:tavLst>
+                                        <p:tav tm="0">
+                                          <p:val>
+                                            <p:strVal val="#ppt_y"/>
+                                          </p:val>
+                                        </p:tav>
+                                        <p:tav tm="100000">
+                                          <p:val>
+                                            <p:strVal val="#ppt_y"/>
+                                          </p:val>
+                                        </p:tav>
+                                      </p:tavLst>
+                                    </p:anim>
+                                  </p:childTnLst>
+                                </p:cTn>
+                              </p:par>
+                              <p:par>
+                                <p:cTn id="9" presetID="10" presetClass="entr" presetSubtype="0" fill="hold" nodeType="withEffect">
+                                  <p:stCondLst>
+                                    <p:cond delay="100"/>
+                                  </p:stCondLst>
+                                  <p:childTnLst>
+                                    <p:set>
+                                      <p:cBhvr>
+                                        <p:cTn id="10" dur="1" fill="hold">
+                                          <p:stCondLst>
+                                            <p:cond delay="0"/>
+                                          </p:stCondLst>
+                                        </p:cTn>
+                                        <p:tgtEl>
+                                          <p:spTgt spid="2">
+                                            <p:txEl>
+                                              <p:pRg st="0" end="0"/>
+                                            </p:txEl>
+                                          </p:spTgt>
+                                        </p:tgtEl>
+                                        <p:attrNameLst>
+                                          <p:attrName>style.visibility</p:attrName>
+                                        </p:attrNameLst>
+                                      </p:cBhvr>
+                                      <p:to>
+                                        <p:strVal val="visible"/>
+                                      </p:to>
+                                    </p:set>
+                                    <p:animEffect transition="in" filter="fade">
+                                      <p:cBhvr>
+                                        <p:cTn id="11" dur="500"/>
+                                        <p:tgtEl>
+                                          <p:spTgt spid="2">
+                                            <p:txEl>
+                                              <p:pRg st="0" end="0"/>
+                                            </p:txEl>
+                                          </p:spTgt>
+                                        </p:tgtEl>
+                                      </p:cBhvr>
+                                    </p:animEffect>
+                                  </p:childTnLst>
+                                </p:cTn>
+                              </p:par>
+                              <p:par>
+                                <p:cTn id="12" presetID="1" presetClass="entr" presetSubtype="0" fill="hold" nodeType="withEffect">
+                                  <p:stCondLst>
+                                    <p:cond delay="100"/>
+                                  </p:stCondLst>
+                                  <p:childTnLst>
+                                    <p:set>
+                                      <p:cBhvr>
+                                        <p:cTn id="13" dur="1" fill="hold">
+                                          <p:stCondLst>
+                                            <p:cond delay="0"/>
+                                          </p:stCondLst>
+                                        </p:cTn>
+                                        <p:tgtEl>
+                                          <p:spTgt spid="5"/>
+                                        </p:tgtEl>
+                                        <p:attrNameLst>
+                                          <p:attrName>style.visibility</p:attrName>
+                                        </p:attrNameLst>
+                                      </p:cBhvr>
+                                      <p:to>
+                                        <p:strVal val="visible"/>
+                                      </p:to>
+                                    </p:set>
+                                  </p:childTnLst>
+                                </p:cTn>
+                              </p:par>
+                              <p:par>
+                                <p:cTn id="14" presetID="1" presetClass="entr" presetSubtype="0" fill="hold" nodeType="withEffect">
+                                  <p:stCondLst>
+                                    <p:cond delay="100"/>
+                                  </p:stCondLst>
+                                  <p:childTnLst>
+                                    <p:set>
+                                      <p:cBhvr>
+                                        <p:cTn id="15" dur="1" fill="hold">
+                                          <p:stCondLst>
+                                            <p:cond delay="0"/>
+                                          </p:stCondLst>
+                                        </p:cTn>
+                                        <p:tgtEl>
+                                          <p:spTgt spid="9"/>
+                                        </p:tgtEl>
+                                        <p:attrNameLst>
+                                          <p:attrName>style.visibility</p:attrName>
+                                        </p:attrNameLst>
+                                      </p:cBhvr>
+                                      <p:to>
+                                        <p:strVal val="visible"/>
+                                      </p:to>
+                                    </p:set>
+                                  </p:childTnLst>
+                                </p:cTn>
+                              </p:par>
+                              <p:par>
+                                <p:cTn id="16" presetID="1" presetClass="entr" presetSubtype="0" fill="hold" nodeType="withEffect">
+                                  <p:stCondLst>
+                                    <p:cond delay="100"/>
+                                  </p:stCondLst>
+                                  <p:childTnLst>
+                                    <p:set>
+                                      <p:cBhvr>
+                                        <p:cTn id="17" dur="1" fill="hold">
+                                          <p:stCondLst>
+                                            <p:cond delay="0"/>
+                                          </p:stCondLst>
+                                        </p:cTn>
+                                        <p:tgtEl>
+                                          <p:spTgt spid="6"/>
+                                        </p:tgtEl>
+                                        <p:attrNameLst>
+                                          <p:attrName>style.visibility</p:attrName>
+                                        </p:attrNameLst>
+                                      </p:cBhvr>
+                                      <p:to>
+                                        <p:strVal val="visible"/>
+                                      </p:to>
+                                    </p:set>
+                                  </p:childTnLst>
+                                </p:cTn>
+                              </p:par>
+                            </p:childTnLst>
+                          </p:cTn>
+                        </p:par>
+                        <p:par>
+                          <p:cTn id="18" fill="hold">
+                            <p:stCondLst>
+                              <p:cond delay="600"/>
+                            </p:stCondLst>
+                            <p:childTnLst>
+                              <p:par>
+                                <p:cTn id="19" presetID="10" presetClass="entr" presetSubtype="0" fill="hold" grpId="0" nodeType="afterEffect">
+                                  <p:stCondLst>
+                                    <p:cond delay="0"/>
+                                  </p:stCondLst>
+                                  <p:childTnLst>
+                                    <p:set>
+                                      <p:cBhvr>
+                                        <p:cTn id="20" dur="1" fill="hold">
+                                          <p:stCondLst>
+                                            <p:cond delay="0"/>
+                                          </p:stCondLst>
+                                        </p:cTn>
+                                        <p:tgtEl>
+                                          <p:spTgt spid="4">
+                                            <p:txEl>
+                                              <p:pRg st="0" end="0"/>
+                                            </p:txEl>
+                                          </p:spTgt>
+                                        </p:tgtEl>
+                                        <p:attrNameLst>
+                                          <p:attrName>style.visibility</p:attrName>
+                                        </p:attrNameLst>
+                                      </p:cBhvr>
+                                      <p:to>
+                                        <p:strVal val="visible"/>
+                                      </p:to>
+                                    </p:set>
+                                    <p:animEffect transition="in" filter="fade">
+                                      <p:cBhvr>
+                                        <p:cTn id="21" dur="1000"/>
+                                        <p:tgtEl>
+                                          <p:spTgt spid="4">
+                                            <p:txEl>
+                                              <p:pRg st="0" end="0"/>
+                                            </p:txEl>
+                                          </p:spTgt>
+                                        </p:tgtEl>
+                                      </p:cBhvr>
+                                    </p:animEffect>
+                                  </p:childTnLst>
+                                </p:cTn>
+                              </p:par>
+                            </p:childTnLst>
+                          </p:cTn>
+                        </p:par>
+                      </p:childTnLst>
+                    </p:cTn>
+                  </p:par>
+                  <p:par>
+                    <p:cTn id="22" fill="hold">
+                      <p:stCondLst>
+                        <p:cond delay="indefinite"/>
+                      </p:stCondLst>
+                      <p:childTnLst>
+                        <p:par>
+                          <p:cTn id="23" fill="hold">
+                            <p:stCondLst>
+                              <p:cond delay="0"/>
+                            </p:stCondLst>
+                            <p:childTnLst>
+                              <p:par>
+                                <p:cTn id="24" presetID="10" presetClass="entr" presetSubtype="0" fill="hold" nodeType="clickEffect">
+                                  <p:stCondLst>
+                                    <p:cond delay="0"/>
+                                  </p:stCondLst>
+                                  <p:childTnLst>
+                                    <p:set>
+                                      <p:cBhvr>
+                                        <p:cTn id="25" dur="1" fill="hold">
+                                          <p:stCondLst>
+                                            <p:cond delay="0"/>
+                                          </p:stCondLst>
+                                        </p:cTn>
+                                        <p:tgtEl>
+                                          <p:spTgt spid="7">
+                                            <p:txEl>
+                                              <p:pRg st="0" end="0"/>
+                                            </p:txEl>
+                                          </p:spTgt>
+                                        </p:tgtEl>
+                                        <p:attrNameLst>
+                                          <p:attrName>style.visibility</p:attrName>
+                                        </p:attrNameLst>
+                                      </p:cBhvr>
+                                      <p:to>
+                                        <p:strVal val="visible"/>
+                                      </p:to>
+                                    </p:set>
+                                    <p:animEffect transition="in" filter="fade">
+                                      <p:cBhvr>
+                                        <p:cTn id="26" dur="500"/>
+                                        <p:tgtEl>
+                                          <p:spTgt spid="7">
+                                            <p:txEl>
+                                              <p:pRg st="0" end="0"/>
+                                            </p:txEl>
+                                          </p:spTgt>
+                                        </p:tgtEl>
+                                      </p:cBhvr>
+                                    </p:animEffect>
+                                  </p:childTnLst>
+                                </p:cTn>
+                              </p:par>
+                            </p:childTnLst>
+                          </p:cTn>
+                        </p:par>
+                      </p:childTnLst>
+                    </p:cTn>
+                  </p:par>
+                  <p:par>
+                    <p:cTn id="27" fill="hold">
+                      <p:stCondLst>
+                        <p:cond delay="indefinite"/>
+                      </p:stCondLst>
+                      <p:childTnLst>
+                        <p:par>
+                          <p:cTn id="28" fill="hold">
+                            <p:stCondLst>
+                              <p:cond delay="0"/>
+                            </p:stCondLst>
+                            <p:childTnLst>
+                              <p:par>
+                                <p:cTn id="29" presetID="10" presetClass="entr" presetSubtype="0" fill="hold" nodeType="clickEffect">
+                                  <p:stCondLst>
+                                    <p:cond delay="0"/>
+                                  </p:stCondLst>
+                                  <p:childTnLst>
+                                    <p:set>
+                                      <p:cBhvr>
+                                        <p:cTn id="30" dur="1" fill="hold">
+                                          <p:stCondLst>
+                                            <p:cond delay="0"/>
+                                          </p:stCondLst>
+                                        </p:cTn>
+                                        <p:tgtEl>
+                                          <p:spTgt spid="7">
+                                            <p:txEl>
+                                              <p:pRg st="1" end="1"/>
+                                            </p:txEl>
+                                          </p:spTgt>
+                                        </p:tgtEl>
+                                        <p:attrNameLst>
+                                          <p:attrName>style.visibility</p:attrName>
+                                        </p:attrNameLst>
+                                      </p:cBhvr>
+                                      <p:to>
+                                        <p:strVal val="visible"/>
+                                      </p:to>
+                                    </p:set>
+                                    <p:animEffect transition="in" filter="fade">
+                                      <p:cBhvr>
+                                        <p:cTn id="31" dur="500"/>
+                                        <p:tgtEl>
+                                          <p:spTgt spid="7">
+                                            <p:txEl>
+                                              <p:pRg st="1" end="1"/>
+                                            </p:txEl>
+                                          </p:spTgt>
+                                        </p:tgtEl>
+                                      </p:cBhvr>
+                                    </p:animEffect>
+                                  </p:childTnLst>
+                                </p:cTn>
+                              </p:par>
+                            </p:childTnLst>
+                          </p:cTn>
+                        </p:par>
+                      </p:childTnLst>
+                    </p:cTn>
+                  </p:par>
+                  <p:par>
+                    <p:cTn id="32" fill="hold">
+                      <p:stCondLst>
+                        <p:cond delay="indefinite"/>
+                      </p:stCondLst>
+                      <p:childTnLst>
+                        <p:par>
+                          <p:cTn id="33" fill="hold">
+                            <p:stCondLst>
+                              <p:cond delay="0"/>
+                            </p:stCondLst>
+                            <p:childTnLst>
+                              <p:par>
+                                <p:cTn id="34" presetID="10" presetClass="entr" presetSubtype="0" fill="hold" nodeType="clickEffect">
+                                  <p:stCondLst>
+                                    <p:cond delay="0"/>
+                                  </p:stCondLst>
+                                  <p:childTnLst>
+                                    <p:set>
+                                      <p:cBhvr>
+                                        <p:cTn id="35" dur="1" fill="hold">
+                                          <p:stCondLst>
+                                            <p:cond delay="0"/>
+                                          </p:stCondLst>
+                                        </p:cTn>
+                                        <p:tgtEl>
+                                          <p:spTgt spid="7">
+                                            <p:txEl>
+                                              <p:pRg st="2" end="2"/>
+                                            </p:txEl>
+                                          </p:spTgt>
+                                        </p:tgtEl>
+                                        <p:attrNameLst>
+                                          <p:attrName>style.visibility</p:attrName>
+                                        </p:attrNameLst>
+                                      </p:cBhvr>
+                                      <p:to>
+                                        <p:strVal val="visible"/>
+                                      </p:to>
+                                    </p:set>
+                                    <p:animEffect transition="in" filter="fade">
+                                      <p:cBhvr>
+                                        <p:cTn id="36" dur="500"/>
+                                        <p:tgtEl>
+                                          <p:spTgt spid="7">
+                                            <p:txEl>
+                                              <p:pRg st="2" end="2"/>
+                                            </p:txEl>
+                                          </p:spTgt>
+                                        </p:tgtEl>
+                                      </p:cBhvr>
+                                    </p:animEffect>
+                                  </p:childTnLst>
+                                </p:cTn>
+                              </p:par>
+                            </p:childTnLst>
+                          </p:cTn>
+                        </p:par>
+                      </p:childTnLst>
+                    </p:cTn>
+                  </p:par>
+                  <p:par>
+                    <p:cTn id="37" fill="hold">
+                      <p:stCondLst>
+                        <p:cond delay="indefinite"/>
+                      </p:stCondLst>
+                      <p:childTnLst>
+                        <p:par>
+                          <p:cTn id="38" fill="hold">
+                            <p:stCondLst>
+                              <p:cond delay="0"/>
+                            </p:stCondLst>
+                            <p:childTnLst>
+                              <p:par>
+                                <p:cTn id="39" presetID="10" presetClass="entr" presetSubtype="0" fill="hold" nodeType="clickEffect">
+                                  <p:stCondLst>
+                                    <p:cond delay="0"/>
+                                  </p:stCondLst>
+                                  <p:childTnLst>
+                                    <p:set>
+                                      <p:cBhvr>
+                                        <p:cTn id="40" dur="1" fill="hold">
+                                          <p:stCondLst>
+                                            <p:cond delay="0"/>
+                                          </p:stCondLst>
+                                        </p:cTn>
+                                        <p:tgtEl>
+                                          <p:spTgt spid="7">
+                                            <p:txEl>
+                                              <p:pRg st="4" end="4"/>
+                                            </p:txEl>
+                                          </p:spTgt>
+                                        </p:tgtEl>
+                                        <p:attrNameLst>
+                                          <p:attrName>style.visibility</p:attrName>
+                                        </p:attrNameLst>
+                                      </p:cBhvr>
+                                      <p:to>
+                                        <p:strVal val="visible"/>
+                                      </p:to>
+                                    </p:set>
+                                    <p:animEffect transition="in" filter="fade">
+                                      <p:cBhvr>
+                                        <p:cTn id="41" dur="500"/>
+                                        <p:tgtEl>
+                                          <p:spTgt spid="7">
+                                            <p:txEl>
+                                              <p:pRg st="4" end="4"/>
+                                            </p:txEl>
+                                          </p:spTgt>
+                                        </p:tgtEl>
+                                      </p:cBhvr>
+                                    </p:animEffect>
+                                  </p:childTnLst>
+                                </p:cTn>
+                              </p:par>
+                            </p:childTnLst>
+                          </p:cTn>
+                        </p:par>
+                      </p:childTnLst>
+                    </p:cTn>
+                  </p:par>
+                </p:childTnLst>
+              </p:cTn>
+              <p:prevCondLst>
+                <p:cond evt="onPrev" delay="0">
+                  <p:tgtEl>
+                    <p:sldTgt/>
+                  </p:tgtEl>
+                </p:cond>
+              </p:prevCondLst>
+              <p:nextCondLst>
+                <p:cond evt="onNext" delay="0">
+                  <p:tgtEl>
+                    <p:sldTgt/>
+                  </p:tgtEl>
+                </p:cond>
+              </p:nextCondLst>
+            </p:seq>
+          </p:childTnLst>
+        </p:cTn>
+      </p:par>
+    </p:tnLst>
+    <p:bldLst>
+      <p:bldP spid="15" grpId="0" animBg="1"/>
+      <p:bldP spid="4" grpId="0" build="p"/>
+    </p:bldLst>
+  </p:timing>
+</p:sld>
+</file>
+
 <file path=ppt/slides/slide2.xml><?xml version="1.0" encoding="utf-8"?>
 <p:sld xmlns:a="http://schemas.openxmlformats.org/drawingml/2006/main" xmlns:r="http://schemas.openxmlformats.org/officeDocument/2006/relationships" xmlns:p="http://schemas.openxmlformats.org/presentationml/2006/main">
   <p:cSld>
@@ -15369,7 +20139,7 @@
         <p:spPr>
           <a:xfrm>
             <a:off x="228600" y="381000"/>
-            <a:ext cx="8077200" cy="4031873"/>
+            <a:ext cx="8077200" cy="4862870"/>
           </a:xfrm>
           <a:prstGeom prst="rect">
             <a:avLst/>
@@ -15388,13 +20158,8 @@
             </a:pPr>
             <a:r>
               <a:rPr lang="en-US" sz="3600" dirty="0" smtClean="0"/>
-              <a:t>What is </a:t>
-            </a:r>
-            <a:r>
-              <a:rPr lang="en-US" sz="3600" dirty="0" smtClean="0"/>
-              <a:t>on tap?</a:t>
-            </a:r>
-            <a:endParaRPr lang="en-US" sz="3600" dirty="0" smtClean="0"/>
+              <a:t>What is on tap?</a:t>
+            </a:r>
           </a:p>
           <a:p>
             <a:pPr marL="285750" indent="-285750">
@@ -15410,19 +20175,39 @@
             </a:pPr>
             <a:r>
               <a:rPr lang="en-US" sz="3600" dirty="0" smtClean="0"/>
-              <a:t>How does Windows 8 allow Immersion  </a:t>
-            </a:r>
-            <a:endParaRPr lang="en-US" sz="3600" dirty="0" smtClean="0"/>
-          </a:p>
-          <a:p>
-            <a:pPr lvl="1"/>
-            <a:endParaRPr lang="en-US" dirty="0" smtClean="0"/>
+              <a:t>What are Contracts?</a:t>
+            </a:r>
           </a:p>
           <a:p>
             <a:pPr marL="285750" indent="-285750">
               <a:buFont typeface="Arial" panose="020B0604020202020204" pitchFamily="34" charset="0"/>
               <a:buChar char="•"/>
             </a:pPr>
+            <a:endParaRPr lang="en-US" dirty="0" smtClean="0"/>
+          </a:p>
+          <a:p>
+            <a:pPr marL="285750" indent="-285750">
+              <a:buFont typeface="Arial" panose="020B0604020202020204" pitchFamily="34" charset="0"/>
+              <a:buChar char="•"/>
+            </a:pPr>
+            <a:r>
+              <a:rPr lang="en-US" sz="3600" dirty="0" smtClean="0"/>
+              <a:t>How </a:t>
+            </a:r>
+            <a:r>
+              <a:rPr lang="en-US" sz="3600" dirty="0" smtClean="0"/>
+              <a:t>does Windows 8 allow Immersion  </a:t>
+            </a:r>
+          </a:p>
+          <a:p>
+            <a:pPr lvl="1"/>
+            <a:endParaRPr lang="en-US" dirty="0" smtClean="0"/>
+          </a:p>
+          <a:p>
+            <a:pPr marL="285750" indent="-285750">
+              <a:buFont typeface="Arial" panose="020B0604020202020204" pitchFamily="34" charset="0"/>
+              <a:buChar char="•"/>
+            </a:pPr>
             <a:r>
               <a:rPr lang="en-US" sz="3600" dirty="0" smtClean="0"/>
               <a:t>How do I?</a:t>
@@ -15437,7 +20222,6 @@
               <a:rPr lang="en-US" sz="2800" dirty="0" smtClean="0"/>
               <a:t>Implement Integrated Search</a:t>
             </a:r>
-            <a:endParaRPr lang="en-US" sz="2800" dirty="0" smtClean="0"/>
           </a:p>
           <a:p>
             <a:pPr marL="742950" lvl="1" indent="-285750">
@@ -15448,7 +20232,6 @@
               <a:rPr lang="en-US" sz="2800" dirty="0" smtClean="0"/>
               <a:t>Implement Sharing of data</a:t>
             </a:r>
-            <a:endParaRPr lang="en-US" sz="2800" dirty="0" smtClean="0"/>
           </a:p>
           <a:p>
             <a:pPr marL="742950" lvl="1" indent="-285750">
@@ -15459,7 +20242,6 @@
               <a:rPr lang="en-US" sz="2800" dirty="0" smtClean="0"/>
               <a:t>Implement Receiving Shared data</a:t>
             </a:r>
-            <a:endParaRPr lang="en-US" sz="2800" dirty="0" smtClean="0"/>
           </a:p>
           <a:p>
             <a:pPr marL="742950" lvl="1" indent="-285750">
@@ -15468,11 +20250,7 @@
             </a:pPr>
             <a:r>
               <a:rPr lang="en-US" sz="2800" dirty="0" smtClean="0"/>
-              <a:t>Implement </a:t>
-            </a:r>
-            <a:r>
-              <a:rPr lang="en-US" sz="2800" dirty="0" smtClean="0"/>
-              <a:t>Integrated Settings</a:t>
+              <a:t>Implement Integrated Settings</a:t>
             </a:r>
             <a:endParaRPr lang="en-US" sz="2800" dirty="0"/>
           </a:p>
@@ -15645,15 +20423,7 @@
                   <a:schemeClr val="bg1"/>
                 </a:solidFill>
               </a:rPr>
-              <a:t>is </a:t>
-            </a:r>
-            <a:r>
-              <a:rPr lang="en-US" sz="2400" dirty="0" smtClean="0">
-                <a:solidFill>
-                  <a:schemeClr val="bg1"/>
-                </a:solidFill>
-              </a:rPr>
-              <a:t>on tap?</a:t>
+              <a:t>is on tap?</a:t>
             </a:r>
             <a:endParaRPr lang="en-US" sz="2400" b="1" dirty="0">
               <a:solidFill>
@@ -15672,7 +20442,7 @@
         <p:spPr>
           <a:xfrm>
             <a:off x="304800" y="1314271"/>
-            <a:ext cx="8000999" cy="4154984"/>
+            <a:ext cx="8000999" cy="3416320"/>
           </a:xfrm>
           <a:prstGeom prst="rect">
             <a:avLst/>
@@ -15687,38 +20457,25 @@
           <a:p>
             <a:r>
               <a:rPr lang="en-US" sz="3600" dirty="0" smtClean="0"/>
-              <a:t>It is Web Services done right!</a:t>
-            </a:r>
-          </a:p>
-          <a:p>
-            <a:endParaRPr lang="en-US" sz="3600" dirty="0" smtClean="0"/>
+              <a:t>Learn what contracts are</a:t>
+            </a:r>
+          </a:p>
+          <a:p>
+            <a:endParaRPr lang="en-US" sz="3600" dirty="0"/>
           </a:p>
           <a:p>
             <a:r>
               <a:rPr lang="en-US" sz="3600" dirty="0" smtClean="0"/>
-              <a:t>Or better yet it is WCF done right!</a:t>
-            </a:r>
-          </a:p>
-          <a:p>
-            <a:endParaRPr lang="en-US" sz="2400" dirty="0"/>
-          </a:p>
-          <a:p>
-            <a:r>
-              <a:rPr lang="en-US" sz="3600" dirty="0"/>
-              <a:t>F</a:t>
-            </a:r>
+              <a:t>Learn how they allow your application to stand out</a:t>
+            </a:r>
+          </a:p>
+          <a:p>
+            <a:endParaRPr lang="en-US" sz="3600" dirty="0"/>
+          </a:p>
+          <a:p>
             <a:r>
               <a:rPr lang="en-US" sz="3600" dirty="0" smtClean="0"/>
-              <a:t>ramework that makes building HTTP services easy and pain free</a:t>
-            </a:r>
-          </a:p>
-          <a:p>
-            <a:endParaRPr lang="en-US" sz="2400" dirty="0"/>
-          </a:p>
-          <a:p>
-            <a:r>
-              <a:rPr lang="en-US" sz="3600" dirty="0" smtClean="0"/>
-              <a:t>It just works</a:t>
+              <a:t>Deep dive into each contract</a:t>
             </a:r>
             <a:endParaRPr lang="en-US" sz="3600" dirty="0"/>
           </a:p>
@@ -16022,67 +20779,6 @@
                       </p:childTnLst>
                     </p:cTn>
                   </p:par>
-                  <p:par>
-                    <p:cTn id="24" fill="hold">
-                      <p:stCondLst>
-                        <p:cond delay="indefinite"/>
-                      </p:stCondLst>
-                      <p:childTnLst>
-                        <p:par>
-                          <p:cTn id="25" fill="hold">
-                            <p:stCondLst>
-                              <p:cond delay="0"/>
-                            </p:stCondLst>
-                            <p:childTnLst>
-                              <p:par>
-                                <p:cTn id="26" presetID="10" presetClass="entr" presetSubtype="0" fill="hold" nodeType="clickEffect">
-                                  <p:stCondLst>
-                                    <p:cond delay="0"/>
-                                  </p:stCondLst>
-                                  <p:childTnLst>
-                                    <p:set>
-                                      <p:cBhvr>
-                                        <p:cTn id="27" dur="1" fill="hold">
-                                          <p:stCondLst>
-                                            <p:cond delay="0"/>
-                                          </p:stCondLst>
-                                        </p:cTn>
-                                        <p:tgtEl>
-                                          <p:spTgt spid="2">
-                                            <p:txEl>
-                                              <p:pRg st="6" end="6"/>
-                                            </p:txEl>
-                                          </p:spTgt>
-                                        </p:tgtEl>
-                                        <p:attrNameLst>
-                                          <p:attrName>style.visibility</p:attrName>
-                                        </p:attrNameLst>
-                                      </p:cBhvr>
-                                      <p:to>
-                                        <p:strVal val="visible"/>
-                                      </p:to>
-                                    </p:set>
-                                    <p:animEffect transition="in" filter="fade">
-                                      <p:cBhvr>
-                                        <p:cTn id="28" dur="500"/>
-                                        <p:tgtEl>
-                                          <p:spTgt spid="2">
-                                            <p:txEl>
-                                              <p:pRg st="6" end="6"/>
-                                            </p:txEl>
-                                          </p:spTgt>
-                                        </p:tgtEl>
-                                      </p:cBhvr>
-                                    </p:animEffect>
-                                  </p:childTnLst>
-                                </p:cTn>
-                              </p:par>
-                            </p:childTnLst>
-                          </p:cTn>
-                        </p:par>
-                      </p:childTnLst>
-                    </p:cTn>
-                  </p:par>
                 </p:childTnLst>
               </p:cTn>
               <p:prevCondLst>
@@ -16308,7 +21004,7 @@
         <p:spPr>
           <a:xfrm>
             <a:off x="228600" y="381000"/>
-            <a:ext cx="8077200" cy="4031873"/>
+            <a:ext cx="8077200" cy="4862870"/>
           </a:xfrm>
           <a:prstGeom prst="rect">
             <a:avLst/>
@@ -16326,7 +21022,7 @@
               <a:buChar char="•"/>
             </a:pPr>
             <a:r>
-              <a:rPr lang="en-US" sz="3600" dirty="0"/>
+              <a:rPr lang="en-US" sz="3600" dirty="0" smtClean="0"/>
               <a:t>What is on tap?</a:t>
             </a:r>
           </a:p>
@@ -16343,25 +21039,48 @@
               <a:buChar char="•"/>
             </a:pPr>
             <a:r>
-              <a:rPr lang="en-US" sz="3600" dirty="0">
-                <a:solidFill>
-                  <a:schemeClr val="accent6"/>
+              <a:rPr lang="en-US" sz="3600" dirty="0" smtClean="0">
+                <a:solidFill>
+                  <a:schemeClr val="accent6">
+                    <a:lumMod val="75000"/>
+                  </a:schemeClr>
                 </a:solidFill>
               </a:rPr>
-              <a:t>How does Windows 8 allow Immersion  </a:t>
-            </a:r>
-          </a:p>
-          <a:p>
-            <a:pPr lvl="1"/>
-            <a:endParaRPr lang="en-US" dirty="0"/>
+              <a:t>What are Contracts?</a:t>
+            </a:r>
           </a:p>
           <a:p>
             <a:pPr marL="285750" indent="-285750">
               <a:buFont typeface="Arial" panose="020B0604020202020204" pitchFamily="34" charset="0"/>
               <a:buChar char="•"/>
             </a:pPr>
-            <a:r>
-              <a:rPr lang="en-US" sz="3600" dirty="0"/>
+            <a:endParaRPr lang="en-US" dirty="0" smtClean="0"/>
+          </a:p>
+          <a:p>
+            <a:pPr marL="285750" indent="-285750">
+              <a:buFont typeface="Arial" panose="020B0604020202020204" pitchFamily="34" charset="0"/>
+              <a:buChar char="•"/>
+            </a:pPr>
+            <a:r>
+              <a:rPr lang="en-US" sz="3600" dirty="0" smtClean="0"/>
+              <a:t>How </a:t>
+            </a:r>
+            <a:r>
+              <a:rPr lang="en-US" sz="3600" dirty="0" smtClean="0"/>
+              <a:t>does Windows 8 allow Immersion  </a:t>
+            </a:r>
+          </a:p>
+          <a:p>
+            <a:pPr lvl="1"/>
+            <a:endParaRPr lang="en-US" dirty="0" smtClean="0"/>
+          </a:p>
+          <a:p>
+            <a:pPr marL="285750" indent="-285750">
+              <a:buFont typeface="Arial" panose="020B0604020202020204" pitchFamily="34" charset="0"/>
+              <a:buChar char="•"/>
+            </a:pPr>
+            <a:r>
+              <a:rPr lang="en-US" sz="3600" dirty="0" smtClean="0"/>
               <a:t>How do I?</a:t>
             </a:r>
           </a:p>
@@ -16371,7 +21090,7 @@
               <a:buChar char="•"/>
             </a:pPr>
             <a:r>
-              <a:rPr lang="en-US" sz="2800" dirty="0"/>
+              <a:rPr lang="en-US" sz="2800" dirty="0" smtClean="0"/>
               <a:t>Implement Integrated Search</a:t>
             </a:r>
           </a:p>
@@ -16381,7 +21100,7 @@
               <a:buChar char="•"/>
             </a:pPr>
             <a:r>
-              <a:rPr lang="en-US" sz="2800" dirty="0"/>
+              <a:rPr lang="en-US" sz="2800" dirty="0" smtClean="0"/>
               <a:t>Implement Sharing of data</a:t>
             </a:r>
           </a:p>
@@ -16391,7 +21110,7 @@
               <a:buChar char="•"/>
             </a:pPr>
             <a:r>
-              <a:rPr lang="en-US" sz="2800" dirty="0"/>
+              <a:rPr lang="en-US" sz="2800" dirty="0" smtClean="0"/>
               <a:t>Implement Receiving Shared data</a:t>
             </a:r>
           </a:p>
@@ -16401,7 +21120,7 @@
               <a:buChar char="•"/>
             </a:pPr>
             <a:r>
-              <a:rPr lang="en-US" sz="2800" dirty="0"/>
+              <a:rPr lang="en-US" sz="2800" dirty="0" smtClean="0"/>
               <a:t>Implement Integrated Settings</a:t>
             </a:r>
             <a:endParaRPr lang="en-US" sz="2800" dirty="0"/>
@@ -16411,7 +21130,7 @@
     </p:spTree>
     <p:extLst>
       <p:ext uri="{BB962C8B-B14F-4D97-AF65-F5344CB8AC3E}">
-        <p14:creationId xmlns:p14="http://schemas.microsoft.com/office/powerpoint/2010/main" val="2188064857"/>
+        <p14:creationId xmlns:p14="http://schemas.microsoft.com/office/powerpoint/2010/main" val="1458361711"/>
       </p:ext>
     </p:extLst>
   </p:cSld>
@@ -16540,172 +21259,45 @@
       </p:grpSpPr>
       <p:sp>
         <p:nvSpPr>
-          <p:cNvPr id="27" name="Text Placeholder 2"/>
-          <p:cNvSpPr txBox="1">
-            <a:spLocks/>
-          </p:cNvSpPr>
+          <p:cNvPr id="15" name="TextBox 14"/>
+          <p:cNvSpPr txBox="1"/>
           <p:nvPr/>
         </p:nvSpPr>
         <p:spPr>
-          <a:xfrm rot="5400000">
-            <a:off x="5682853" y="2939653"/>
-            <a:ext cx="6400800" cy="521494"/>
+          <a:xfrm>
+            <a:off x="0" y="533400"/>
+            <a:ext cx="4343400" cy="461665"/>
           </a:xfrm>
           <a:prstGeom prst="rect">
             <a:avLst/>
           </a:prstGeom>
-        </p:spPr>
-        <p:txBody>
-          <a:bodyPr>
-            <a:noAutofit/>
+          <a:solidFill>
+            <a:schemeClr val="tx1">
+              <a:lumMod val="95000"/>
+              <a:lumOff val="5000"/>
+              <a:alpha val="55000"/>
+            </a:schemeClr>
+          </a:solidFill>
+        </p:spPr>
+        <p:txBody>
+          <a:bodyPr wrap="square" rtlCol="0" anchor="ctr" anchorCtr="0">
+            <a:normAutofit/>
           </a:bodyPr>
-          <a:lstStyle>
-            <a:lvl1pPr marL="342900" indent="-342900" algn="l" defTabSz="914400" rtl="0" eaLnBrk="1" latinLnBrk="0" hangingPunct="1">
-              <a:spcBef>
-                <a:spcPct val="20000"/>
-              </a:spcBef>
-              <a:buFont typeface="Arial" pitchFamily="34" charset="0"/>
-              <a:buChar char="•"/>
-              <a:defRPr sz="3200" kern="1200">
-                <a:solidFill>
-                  <a:schemeClr val="tx1"/>
-                </a:solidFill>
-                <a:latin typeface="+mn-lt"/>
-                <a:ea typeface="+mn-ea"/>
-                <a:cs typeface="+mn-cs"/>
-              </a:defRPr>
-            </a:lvl1pPr>
-            <a:lvl2pPr marL="742950" indent="-285750" algn="l" defTabSz="914400" rtl="0" eaLnBrk="1" latinLnBrk="0" hangingPunct="1">
-              <a:spcBef>
-                <a:spcPct val="20000"/>
-              </a:spcBef>
-              <a:buFont typeface="Arial" pitchFamily="34" charset="0"/>
-              <a:buChar char="–"/>
-              <a:defRPr sz="2800" kern="1200">
-                <a:solidFill>
-                  <a:schemeClr val="tx1"/>
-                </a:solidFill>
-                <a:latin typeface="+mn-lt"/>
-                <a:ea typeface="+mn-ea"/>
-                <a:cs typeface="+mn-cs"/>
-              </a:defRPr>
-            </a:lvl2pPr>
-            <a:lvl3pPr marL="1143000" indent="-228600" algn="l" defTabSz="914400" rtl="0" eaLnBrk="1" latinLnBrk="0" hangingPunct="1">
-              <a:spcBef>
-                <a:spcPct val="20000"/>
-              </a:spcBef>
-              <a:buFont typeface="Arial" pitchFamily="34" charset="0"/>
-              <a:buChar char="•"/>
-              <a:defRPr sz="2400" kern="1200">
-                <a:solidFill>
-                  <a:schemeClr val="tx1"/>
-                </a:solidFill>
-                <a:latin typeface="+mn-lt"/>
-                <a:ea typeface="+mn-ea"/>
-                <a:cs typeface="+mn-cs"/>
-              </a:defRPr>
-            </a:lvl3pPr>
-            <a:lvl4pPr marL="1600200" indent="-228600" algn="l" defTabSz="914400" rtl="0" eaLnBrk="1" latinLnBrk="0" hangingPunct="1">
-              <a:spcBef>
-                <a:spcPct val="20000"/>
-              </a:spcBef>
-              <a:buFont typeface="Arial" pitchFamily="34" charset="0"/>
-              <a:buChar char="–"/>
-              <a:defRPr sz="2000" kern="1200">
-                <a:solidFill>
-                  <a:schemeClr val="tx1"/>
-                </a:solidFill>
-                <a:latin typeface="+mn-lt"/>
-                <a:ea typeface="+mn-ea"/>
-                <a:cs typeface="+mn-cs"/>
-              </a:defRPr>
-            </a:lvl4pPr>
-            <a:lvl5pPr marL="2057400" indent="-228600" algn="l" defTabSz="914400" rtl="0" eaLnBrk="1" latinLnBrk="0" hangingPunct="1">
-              <a:spcBef>
-                <a:spcPct val="20000"/>
-              </a:spcBef>
-              <a:buFont typeface="Arial" pitchFamily="34" charset="0"/>
-              <a:buChar char="»"/>
-              <a:defRPr sz="2000" kern="1200">
-                <a:solidFill>
-                  <a:schemeClr val="tx1"/>
-                </a:solidFill>
-                <a:latin typeface="+mn-lt"/>
-                <a:ea typeface="+mn-ea"/>
-                <a:cs typeface="+mn-cs"/>
-              </a:defRPr>
-            </a:lvl5pPr>
-            <a:lvl6pPr marL="2514600" indent="-228600" algn="l" defTabSz="914400" rtl="0" eaLnBrk="1" latinLnBrk="0" hangingPunct="1">
-              <a:spcBef>
-                <a:spcPct val="20000"/>
-              </a:spcBef>
-              <a:buFont typeface="Arial" pitchFamily="34" charset="0"/>
-              <a:buChar char="•"/>
-              <a:defRPr sz="2000" kern="1200">
-                <a:solidFill>
-                  <a:schemeClr val="tx1"/>
-                </a:solidFill>
-                <a:latin typeface="+mn-lt"/>
-                <a:ea typeface="+mn-ea"/>
-                <a:cs typeface="+mn-cs"/>
-              </a:defRPr>
-            </a:lvl6pPr>
-            <a:lvl7pPr marL="2971800" indent="-228600" algn="l" defTabSz="914400" rtl="0" eaLnBrk="1" latinLnBrk="0" hangingPunct="1">
-              <a:spcBef>
-                <a:spcPct val="20000"/>
-              </a:spcBef>
-              <a:buFont typeface="Arial" pitchFamily="34" charset="0"/>
-              <a:buChar char="•"/>
-              <a:defRPr sz="2000" kern="1200">
-                <a:solidFill>
-                  <a:schemeClr val="tx1"/>
-                </a:solidFill>
-                <a:latin typeface="+mn-lt"/>
-                <a:ea typeface="+mn-ea"/>
-                <a:cs typeface="+mn-cs"/>
-              </a:defRPr>
-            </a:lvl7pPr>
-            <a:lvl8pPr marL="3429000" indent="-228600" algn="l" defTabSz="914400" rtl="0" eaLnBrk="1" latinLnBrk="0" hangingPunct="1">
-              <a:spcBef>
-                <a:spcPct val="20000"/>
-              </a:spcBef>
-              <a:buFont typeface="Arial" pitchFamily="34" charset="0"/>
-              <a:buChar char="•"/>
-              <a:defRPr sz="2000" kern="1200">
-                <a:solidFill>
-                  <a:schemeClr val="tx1"/>
-                </a:solidFill>
-                <a:latin typeface="+mn-lt"/>
-                <a:ea typeface="+mn-ea"/>
-                <a:cs typeface="+mn-cs"/>
-              </a:defRPr>
-            </a:lvl8pPr>
-            <a:lvl9pPr marL="3886200" indent="-228600" algn="l" defTabSz="914400" rtl="0" eaLnBrk="1" latinLnBrk="0" hangingPunct="1">
-              <a:spcBef>
-                <a:spcPct val="20000"/>
-              </a:spcBef>
-              <a:buFont typeface="Arial" pitchFamily="34" charset="0"/>
-              <a:buChar char="•"/>
-              <a:defRPr sz="2000" kern="1200">
-                <a:solidFill>
-                  <a:schemeClr val="tx1"/>
-                </a:solidFill>
-                <a:latin typeface="+mn-lt"/>
-                <a:ea typeface="+mn-ea"/>
-                <a:cs typeface="+mn-cs"/>
-              </a:defRPr>
-            </a:lvl9pPr>
-          </a:lstStyle>
-          <a:p>
-            <a:pPr>
-              <a:buFont typeface="Arial" pitchFamily="34" charset="0"/>
-              <a:buNone/>
-            </a:pPr>
-            <a:r>
-              <a:rPr lang="en-US" b="1" dirty="0" smtClean="0"/>
-              <a:t>Agenda</a:t>
-            </a:r>
-            <a:endParaRPr lang="en-US" b="1" dirty="0"/>
+          <a:lstStyle/>
+          <a:p>
+            <a:r>
+              <a:rPr lang="en-US" sz="2400" dirty="0" smtClean="0">
+                <a:solidFill>
+                  <a:schemeClr val="bg1"/>
+                </a:solidFill>
+              </a:rPr>
+              <a:t>What Are Contracts</a:t>
+            </a:r>
+            <a:endParaRPr lang="en-US" sz="2400" b="1" dirty="0">
+              <a:solidFill>
+                <a:schemeClr val="bg1"/>
+              </a:solidFill>
+            </a:endParaRPr>
           </a:p>
         </p:txBody>
       </p:sp>
@@ -16717,8 +21309,8 @@
         </p:nvSpPr>
         <p:spPr>
           <a:xfrm>
-            <a:off x="228600" y="381000"/>
-            <a:ext cx="8077200" cy="4031873"/>
+            <a:off x="304800" y="1314271"/>
+            <a:ext cx="8000999" cy="5755422"/>
           </a:xfrm>
           <a:prstGeom prst="rect">
             <a:avLst/>
@@ -16731,99 +21323,73 @@
           </a:bodyPr>
           <a:lstStyle/>
           <a:p>
-            <a:pPr marL="285750" indent="-285750">
-              <a:buFont typeface="Arial" panose="020B0604020202020204" pitchFamily="34" charset="0"/>
-              <a:buChar char="•"/>
-            </a:pPr>
+            <a:r>
+              <a:rPr lang="en-US" sz="3600" dirty="0" smtClean="0"/>
+              <a:t>System integration points</a:t>
+            </a:r>
+            <a:endParaRPr lang="en-US" sz="3600" dirty="0"/>
+          </a:p>
+          <a:p>
+            <a:endParaRPr lang="en-US" sz="2400" dirty="0" smtClean="0"/>
+          </a:p>
+          <a:p>
+            <a:r>
+              <a:rPr lang="en-US" sz="3600" dirty="0" smtClean="0"/>
+              <a:t>Consistent ways to provide system functionality.</a:t>
+            </a:r>
+          </a:p>
+          <a:p>
             <a:r>
               <a:rPr lang="en-US" sz="3600" dirty="0"/>
-              <a:t>What is on tap?</a:t>
-            </a:r>
-          </a:p>
-          <a:p>
-            <a:pPr marL="285750" indent="-285750">
-              <a:buFont typeface="Arial" panose="020B0604020202020204" pitchFamily="34" charset="0"/>
-              <a:buChar char="•"/>
-            </a:pPr>
-            <a:endParaRPr lang="en-US" dirty="0"/>
-          </a:p>
-          <a:p>
-            <a:pPr marL="285750" indent="-285750">
-              <a:buFont typeface="Arial" panose="020B0604020202020204" pitchFamily="34" charset="0"/>
-              <a:buChar char="•"/>
-            </a:pPr>
+              <a:t>	</a:t>
+            </a:r>
+            <a:r>
+              <a:rPr lang="en-US" sz="3200" dirty="0" smtClean="0"/>
+              <a:t>Allows uses to feel comfortable with 	your app even if they are new to it</a:t>
+            </a:r>
+          </a:p>
+          <a:p>
+            <a:endParaRPr lang="en-US" sz="2400" dirty="0"/>
+          </a:p>
+          <a:p>
+            <a:r>
+              <a:rPr lang="en-US" sz="3600" dirty="0" smtClean="0"/>
+              <a:t>Available Contracts:</a:t>
+            </a:r>
+          </a:p>
+          <a:p>
             <a:r>
               <a:rPr lang="en-US" sz="3600" dirty="0"/>
-              <a:t>How does Windows 8 allow Immersion  </a:t>
-            </a:r>
-          </a:p>
-          <a:p>
-            <a:pPr lvl="1"/>
-            <a:endParaRPr lang="en-US" dirty="0"/>
-          </a:p>
-          <a:p>
-            <a:pPr marL="285750" indent="-285750">
-              <a:buFont typeface="Arial" panose="020B0604020202020204" pitchFamily="34" charset="0"/>
-              <a:buChar char="•"/>
-            </a:pPr>
-            <a:r>
-              <a:rPr lang="en-US" sz="3600" dirty="0"/>
-              <a:t>How do I?</a:t>
-            </a:r>
-          </a:p>
-          <a:p>
-            <a:pPr marL="742950" lvl="1" indent="-285750">
-              <a:buFont typeface="Arial" panose="020B0604020202020204" pitchFamily="34" charset="0"/>
-              <a:buChar char="•"/>
-            </a:pPr>
-            <a:r>
-              <a:rPr lang="en-US" sz="2800" dirty="0">
-                <a:solidFill>
-                  <a:schemeClr val="accent6">
-                    <a:lumMod val="75000"/>
-                  </a:schemeClr>
-                </a:solidFill>
-              </a:rPr>
-              <a:t>Implement Integrated Search</a:t>
-            </a:r>
-          </a:p>
-          <a:p>
-            <a:pPr marL="742950" lvl="1" indent="-285750">
-              <a:buFont typeface="Arial" panose="020B0604020202020204" pitchFamily="34" charset="0"/>
-              <a:buChar char="•"/>
-            </a:pPr>
-            <a:r>
-              <a:rPr lang="en-US" sz="2800" dirty="0"/>
-              <a:t>Implement Sharing of data</a:t>
-            </a:r>
-          </a:p>
-          <a:p>
-            <a:pPr marL="742950" lvl="1" indent="-285750">
-              <a:buFont typeface="Arial" panose="020B0604020202020204" pitchFamily="34" charset="0"/>
-              <a:buChar char="•"/>
-            </a:pPr>
-            <a:r>
-              <a:rPr lang="en-US" sz="2800" dirty="0"/>
-              <a:t>Implement Receiving Shared data</a:t>
-            </a:r>
-          </a:p>
-          <a:p>
-            <a:pPr marL="742950" lvl="1" indent="-285750">
-              <a:buFont typeface="Arial" panose="020B0604020202020204" pitchFamily="34" charset="0"/>
-              <a:buChar char="•"/>
-            </a:pPr>
-            <a:r>
-              <a:rPr lang="en-US" sz="2800" dirty="0"/>
-              <a:t>Implement Integrated Settings</a:t>
-            </a:r>
-            <a:endParaRPr lang="en-US" sz="2800" dirty="0"/>
+              <a:t>	</a:t>
+            </a:r>
+            <a:r>
+              <a:rPr lang="en-US" sz="3200" dirty="0" smtClean="0"/>
+              <a:t>Search</a:t>
+            </a:r>
+          </a:p>
+          <a:p>
+            <a:r>
+              <a:rPr lang="en-US" sz="3200" dirty="0"/>
+              <a:t>	</a:t>
+            </a:r>
+            <a:r>
+              <a:rPr lang="en-US" sz="3200" dirty="0" smtClean="0"/>
+              <a:t>Share (Source and Target)</a:t>
+            </a:r>
+          </a:p>
+          <a:p>
+            <a:r>
+              <a:rPr lang="en-US" sz="3200" dirty="0" smtClean="0"/>
+              <a:t>	Settings</a:t>
+            </a:r>
+            <a:endParaRPr lang="en-US" sz="3200" dirty="0"/>
           </a:p>
         </p:txBody>
       </p:sp>
     </p:spTree>
     <p:extLst>
       <p:ext uri="{BB962C8B-B14F-4D97-AF65-F5344CB8AC3E}">
-        <p14:creationId xmlns:p14="http://schemas.microsoft.com/office/powerpoint/2010/main" val="702859701"/>
+        <p14:creationId xmlns:p14="http://schemas.microsoft.com/office/powerpoint/2010/main" val="827651209"/>
       </p:ext>
     </p:extLst>
   </p:cSld>
@@ -16857,9 +21423,9 @@
                             </p:stCondLst>
                             <p:childTnLst>
                               <p:par>
-                                <p:cTn id="5" presetID="10" presetClass="entr" presetSubtype="0" fill="hold" grpId="0" nodeType="afterEffect">
+                                <p:cTn id="5" presetID="2" presetClass="entr" presetSubtype="8" fill="hold" grpId="0" nodeType="afterEffect">
                                   <p:stCondLst>
-                                    <p:cond delay="0"/>
+                                    <p:cond delay="100"/>
                                   </p:stCondLst>
                                   <p:childTnLst>
                                     <p:set>
@@ -16870,7 +21436,98 @@
                                           </p:stCondLst>
                                         </p:cTn>
                                         <p:tgtEl>
-                                          <p:spTgt spid="27">
+                                          <p:spTgt spid="15"/>
+                                        </p:tgtEl>
+                                        <p:attrNameLst>
+                                          <p:attrName>style.visibility</p:attrName>
+                                        </p:attrNameLst>
+                                      </p:cBhvr>
+                                      <p:to>
+                                        <p:strVal val="visible"/>
+                                      </p:to>
+                                    </p:set>
+                                    <p:anim calcmode="lin" valueType="num">
+                                      <p:cBhvr additive="base">
+                                        <p:cTn id="7" dur="500" fill="hold"/>
+                                        <p:tgtEl>
+                                          <p:spTgt spid="15"/>
+                                        </p:tgtEl>
+                                        <p:attrNameLst>
+                                          <p:attrName>ppt_x</p:attrName>
+                                        </p:attrNameLst>
+                                      </p:cBhvr>
+                                      <p:tavLst>
+                                        <p:tav tm="0">
+                                          <p:val>
+                                            <p:strVal val="0-#ppt_w/2"/>
+                                          </p:val>
+                                        </p:tav>
+                                        <p:tav tm="100000">
+                                          <p:val>
+                                            <p:strVal val="#ppt_x"/>
+                                          </p:val>
+                                        </p:tav>
+                                      </p:tavLst>
+                                    </p:anim>
+                                    <p:anim calcmode="lin" valueType="num">
+                                      <p:cBhvr additive="base">
+                                        <p:cTn id="8" dur="500" fill="hold"/>
+                                        <p:tgtEl>
+                                          <p:spTgt spid="15"/>
+                                        </p:tgtEl>
+                                        <p:attrNameLst>
+                                          <p:attrName>ppt_y</p:attrName>
+                                        </p:attrNameLst>
+                                      </p:cBhvr>
+                                      <p:tavLst>
+                                        <p:tav tm="0">
+                                          <p:val>
+                                            <p:strVal val="#ppt_y"/>
+                                          </p:val>
+                                        </p:tav>
+                                        <p:tav tm="100000">
+                                          <p:val>
+                                            <p:strVal val="#ppt_y"/>
+                                          </p:val>
+                                        </p:tav>
+                                      </p:tavLst>
+                                    </p:anim>
+                                  </p:childTnLst>
+                                </p:cTn>
+                              </p:par>
+                            </p:childTnLst>
+                          </p:cTn>
+                        </p:par>
+                      </p:childTnLst>
+                    </p:cTn>
+                  </p:par>
+                  <p:par>
+                    <p:cTn id="9" fill="hold">
+                      <p:stCondLst>
+                        <p:cond delay="indefinite"/>
+                      </p:stCondLst>
+                      <p:childTnLst>
+                        <p:par>
+                          <p:cTn id="10" fill="hold">
+                            <p:stCondLst>
+                              <p:cond delay="0"/>
+                            </p:stCondLst>
+                            <p:childTnLst>
+                              <p:par>
+                                <p:cTn id="11" presetID="10" presetClass="entr" presetSubtype="0" fill="hold" nodeType="clickEffect">
+                                  <p:stCondLst>
+                                    <p:cond delay="0"/>
+                                  </p:stCondLst>
+                                  <p:childTnLst>
+                                    <p:set>
+                                      <p:cBhvr>
+                                        <p:cTn id="12" dur="1" fill="hold">
+                                          <p:stCondLst>
+                                            <p:cond delay="0"/>
+                                          </p:stCondLst>
+                                        </p:cTn>
+                                        <p:tgtEl>
+                                          <p:spTgt spid="2">
                                             <p:txEl>
                                               <p:pRg st="0" end="0"/>
                                             </p:txEl>
@@ -16886,11 +21543,323 @@
                                     </p:set>
                                     <p:animEffect transition="in" filter="fade">
                                       <p:cBhvr>
-                                        <p:cTn id="7" dur="1000"/>
+                                        <p:cTn id="13" dur="500"/>
                                         <p:tgtEl>
-                                          <p:spTgt spid="27">
+                                          <p:spTgt spid="2">
                                             <p:txEl>
                                               <p:pRg st="0" end="0"/>
+                                            </p:txEl>
+                                          </p:spTgt>
+                                        </p:tgtEl>
+                                      </p:cBhvr>
+                                    </p:animEffect>
+                                  </p:childTnLst>
+                                </p:cTn>
+                              </p:par>
+                            </p:childTnLst>
+                          </p:cTn>
+                        </p:par>
+                      </p:childTnLst>
+                    </p:cTn>
+                  </p:par>
+                  <p:par>
+                    <p:cTn id="14" fill="hold">
+                      <p:stCondLst>
+                        <p:cond delay="indefinite"/>
+                      </p:stCondLst>
+                      <p:childTnLst>
+                        <p:par>
+                          <p:cTn id="15" fill="hold">
+                            <p:stCondLst>
+                              <p:cond delay="0"/>
+                            </p:stCondLst>
+                            <p:childTnLst>
+                              <p:par>
+                                <p:cTn id="16" presetID="10" presetClass="entr" presetSubtype="0" fill="hold" nodeType="clickEffect">
+                                  <p:stCondLst>
+                                    <p:cond delay="0"/>
+                                  </p:stCondLst>
+                                  <p:childTnLst>
+                                    <p:set>
+                                      <p:cBhvr>
+                                        <p:cTn id="17" dur="1" fill="hold">
+                                          <p:stCondLst>
+                                            <p:cond delay="0"/>
+                                          </p:stCondLst>
+                                        </p:cTn>
+                                        <p:tgtEl>
+                                          <p:spTgt spid="2">
+                                            <p:txEl>
+                                              <p:pRg st="2" end="2"/>
+                                            </p:txEl>
+                                          </p:spTgt>
+                                        </p:tgtEl>
+                                        <p:attrNameLst>
+                                          <p:attrName>style.visibility</p:attrName>
+                                        </p:attrNameLst>
+                                      </p:cBhvr>
+                                      <p:to>
+                                        <p:strVal val="visible"/>
+                                      </p:to>
+                                    </p:set>
+                                    <p:animEffect transition="in" filter="fade">
+                                      <p:cBhvr>
+                                        <p:cTn id="18" dur="500"/>
+                                        <p:tgtEl>
+                                          <p:spTgt spid="2">
+                                            <p:txEl>
+                                              <p:pRg st="2" end="2"/>
+                                            </p:txEl>
+                                          </p:spTgt>
+                                        </p:tgtEl>
+                                      </p:cBhvr>
+                                    </p:animEffect>
+                                  </p:childTnLst>
+                                </p:cTn>
+                              </p:par>
+                            </p:childTnLst>
+                          </p:cTn>
+                        </p:par>
+                      </p:childTnLst>
+                    </p:cTn>
+                  </p:par>
+                  <p:par>
+                    <p:cTn id="19" fill="hold">
+                      <p:stCondLst>
+                        <p:cond delay="indefinite"/>
+                      </p:stCondLst>
+                      <p:childTnLst>
+                        <p:par>
+                          <p:cTn id="20" fill="hold">
+                            <p:stCondLst>
+                              <p:cond delay="0"/>
+                            </p:stCondLst>
+                            <p:childTnLst>
+                              <p:par>
+                                <p:cTn id="21" presetID="10" presetClass="entr" presetSubtype="0" fill="hold" nodeType="clickEffect">
+                                  <p:stCondLst>
+                                    <p:cond delay="0"/>
+                                  </p:stCondLst>
+                                  <p:childTnLst>
+                                    <p:set>
+                                      <p:cBhvr>
+                                        <p:cTn id="22" dur="1" fill="hold">
+                                          <p:stCondLst>
+                                            <p:cond delay="0"/>
+                                          </p:stCondLst>
+                                        </p:cTn>
+                                        <p:tgtEl>
+                                          <p:spTgt spid="2">
+                                            <p:txEl>
+                                              <p:pRg st="3" end="3"/>
+                                            </p:txEl>
+                                          </p:spTgt>
+                                        </p:tgtEl>
+                                        <p:attrNameLst>
+                                          <p:attrName>style.visibility</p:attrName>
+                                        </p:attrNameLst>
+                                      </p:cBhvr>
+                                      <p:to>
+                                        <p:strVal val="visible"/>
+                                      </p:to>
+                                    </p:set>
+                                    <p:animEffect transition="in" filter="fade">
+                                      <p:cBhvr>
+                                        <p:cTn id="23" dur="500"/>
+                                        <p:tgtEl>
+                                          <p:spTgt spid="2">
+                                            <p:txEl>
+                                              <p:pRg st="3" end="3"/>
+                                            </p:txEl>
+                                          </p:spTgt>
+                                        </p:tgtEl>
+                                      </p:cBhvr>
+                                    </p:animEffect>
+                                  </p:childTnLst>
+                                </p:cTn>
+                              </p:par>
+                            </p:childTnLst>
+                          </p:cTn>
+                        </p:par>
+                      </p:childTnLst>
+                    </p:cTn>
+                  </p:par>
+                  <p:par>
+                    <p:cTn id="24" fill="hold">
+                      <p:stCondLst>
+                        <p:cond delay="indefinite"/>
+                      </p:stCondLst>
+                      <p:childTnLst>
+                        <p:par>
+                          <p:cTn id="25" fill="hold">
+                            <p:stCondLst>
+                              <p:cond delay="0"/>
+                            </p:stCondLst>
+                            <p:childTnLst>
+                              <p:par>
+                                <p:cTn id="26" presetID="10" presetClass="entr" presetSubtype="0" fill="hold" nodeType="clickEffect">
+                                  <p:stCondLst>
+                                    <p:cond delay="0"/>
+                                  </p:stCondLst>
+                                  <p:childTnLst>
+                                    <p:set>
+                                      <p:cBhvr>
+                                        <p:cTn id="27" dur="1" fill="hold">
+                                          <p:stCondLst>
+                                            <p:cond delay="0"/>
+                                          </p:stCondLst>
+                                        </p:cTn>
+                                        <p:tgtEl>
+                                          <p:spTgt spid="2">
+                                            <p:txEl>
+                                              <p:pRg st="5" end="5"/>
+                                            </p:txEl>
+                                          </p:spTgt>
+                                        </p:tgtEl>
+                                        <p:attrNameLst>
+                                          <p:attrName>style.visibility</p:attrName>
+                                        </p:attrNameLst>
+                                      </p:cBhvr>
+                                      <p:to>
+                                        <p:strVal val="visible"/>
+                                      </p:to>
+                                    </p:set>
+                                    <p:animEffect transition="in" filter="fade">
+                                      <p:cBhvr>
+                                        <p:cTn id="28" dur="500"/>
+                                        <p:tgtEl>
+                                          <p:spTgt spid="2">
+                                            <p:txEl>
+                                              <p:pRg st="5" end="5"/>
+                                            </p:txEl>
+                                          </p:spTgt>
+                                        </p:tgtEl>
+                                      </p:cBhvr>
+                                    </p:animEffect>
+                                  </p:childTnLst>
+                                </p:cTn>
+                              </p:par>
+                              <p:par>
+                                <p:cTn id="29" presetID="10" presetClass="entr" presetSubtype="0" fill="hold" nodeType="withEffect">
+                                  <p:stCondLst>
+                                    <p:cond delay="0"/>
+                                  </p:stCondLst>
+                                  <p:childTnLst>
+                                    <p:set>
+                                      <p:cBhvr>
+                                        <p:cTn id="30" dur="1" fill="hold">
+                                          <p:stCondLst>
+                                            <p:cond delay="0"/>
+                                          </p:stCondLst>
+                                        </p:cTn>
+                                        <p:tgtEl>
+                                          <p:spTgt spid="2">
+                                            <p:txEl>
+                                              <p:pRg st="6" end="6"/>
+                                            </p:txEl>
+                                          </p:spTgt>
+                                        </p:tgtEl>
+                                        <p:attrNameLst>
+                                          <p:attrName>style.visibility</p:attrName>
+                                        </p:attrNameLst>
+                                      </p:cBhvr>
+                                      <p:to>
+                                        <p:strVal val="visible"/>
+                                      </p:to>
+                                    </p:set>
+                                    <p:animEffect transition="in" filter="fade">
+                                      <p:cBhvr>
+                                        <p:cTn id="31" dur="500"/>
+                                        <p:tgtEl>
+                                          <p:spTgt spid="2">
+                                            <p:txEl>
+                                              <p:pRg st="6" end="6"/>
+                                            </p:txEl>
+                                          </p:spTgt>
+                                        </p:tgtEl>
+                                      </p:cBhvr>
+                                    </p:animEffect>
+                                  </p:childTnLst>
+                                </p:cTn>
+                              </p:par>
+                              <p:par>
+                                <p:cTn id="32" presetID="10" presetClass="entr" presetSubtype="0" fill="hold" nodeType="withEffect">
+                                  <p:stCondLst>
+                                    <p:cond delay="0"/>
+                                  </p:stCondLst>
+                                  <p:childTnLst>
+                                    <p:set>
+                                      <p:cBhvr>
+                                        <p:cTn id="33" dur="1" fill="hold">
+                                          <p:stCondLst>
+                                            <p:cond delay="0"/>
+                                          </p:stCondLst>
+                                        </p:cTn>
+                                        <p:tgtEl>
+                                          <p:spTgt spid="2">
+                                            <p:txEl>
+                                              <p:pRg st="7" end="7"/>
+                                            </p:txEl>
+                                          </p:spTgt>
+                                        </p:tgtEl>
+                                        <p:attrNameLst>
+                                          <p:attrName>style.visibility</p:attrName>
+                                        </p:attrNameLst>
+                                      </p:cBhvr>
+                                      <p:to>
+                                        <p:strVal val="visible"/>
+                                      </p:to>
+                                    </p:set>
+                                    <p:animEffect transition="in" filter="fade">
+                                      <p:cBhvr>
+                                        <p:cTn id="34" dur="500"/>
+                                        <p:tgtEl>
+                                          <p:spTgt spid="2">
+                                            <p:txEl>
+                                              <p:pRg st="7" end="7"/>
+                                            </p:txEl>
+                                          </p:spTgt>
+                                        </p:tgtEl>
+                                      </p:cBhvr>
+                                    </p:animEffect>
+                                  </p:childTnLst>
+                                </p:cTn>
+                              </p:par>
+                              <p:par>
+                                <p:cTn id="35" presetID="10" presetClass="entr" presetSubtype="0" fill="hold" nodeType="withEffect">
+                                  <p:stCondLst>
+                                    <p:cond delay="0"/>
+                                  </p:stCondLst>
+                                  <p:childTnLst>
+                                    <p:set>
+                                      <p:cBhvr>
+                                        <p:cTn id="36" dur="1" fill="hold">
+                                          <p:stCondLst>
+                                            <p:cond delay="0"/>
+                                          </p:stCondLst>
+                                        </p:cTn>
+                                        <p:tgtEl>
+                                          <p:spTgt spid="2">
+                                            <p:txEl>
+                                              <p:pRg st="8" end="8"/>
+                                            </p:txEl>
+                                          </p:spTgt>
+                                        </p:tgtEl>
+                                        <p:attrNameLst>
+                                          <p:attrName>style.visibility</p:attrName>
+                                        </p:attrNameLst>
+                                      </p:cBhvr>
+                                      <p:to>
+                                        <p:strVal val="visible"/>
+                                      </p:to>
+                                    </p:set>
+                                    <p:animEffect transition="in" filter="fade">
+                                      <p:cBhvr>
+                                        <p:cTn id="37" dur="500"/>
+                                        <p:tgtEl>
+                                          <p:spTgt spid="2">
+                                            <p:txEl>
+                                              <p:pRg st="8" end="8"/>
                                             </p:txEl>
                                           </p:spTgt>
                                         </p:tgtEl>
@@ -16927,7 +21896,7 @@
       </p:par>
     </p:tnLst>
     <p:bldLst>
-      <p:bldP spid="27" grpId="0" build="p"/>
+      <p:bldP spid="15" grpId="0" animBg="1"/>
     </p:bldLst>
   </p:timing>
 </p:sld>
@@ -17130,7 +22099,7 @@
         <p:spPr>
           <a:xfrm>
             <a:off x="228600" y="381000"/>
-            <a:ext cx="8077200" cy="4031873"/>
+            <a:ext cx="8077200" cy="4862870"/>
           </a:xfrm>
           <a:prstGeom prst="rect">
             <a:avLst/>
@@ -17150,6 +22119,19 @@
             <a:r>
               <a:rPr lang="en-US" sz="3600" dirty="0"/>
               <a:t>What is on tap?</a:t>
+            </a:r>
+          </a:p>
+          <a:p>
+            <a:endParaRPr lang="en-US" dirty="0"/>
+          </a:p>
+          <a:p>
+            <a:pPr marL="285750" indent="-285750">
+              <a:buFont typeface="Arial" panose="020B0604020202020204" pitchFamily="34" charset="0"/>
+              <a:buChar char="•"/>
+            </a:pPr>
+            <a:r>
+              <a:rPr lang="en-US" sz="3600" dirty="0"/>
+              <a:t>What are Contracts?</a:t>
             </a:r>
           </a:p>
           <a:p>
@@ -17165,8 +22147,20 @@
               <a:buChar char="•"/>
             </a:pPr>
             <a:r>
-              <a:rPr lang="en-US" sz="3600" dirty="0"/>
-              <a:t>How does Windows 8 allow Immersion  </a:t>
+              <a:rPr lang="en-US" sz="3600" dirty="0" smtClean="0">
+                <a:solidFill>
+                  <a:schemeClr val="accent6"/>
+                </a:solidFill>
+              </a:rPr>
+              <a:t>How </a:t>
+            </a:r>
+            <a:r>
+              <a:rPr lang="en-US" sz="3600" dirty="0">
+                <a:solidFill>
+                  <a:schemeClr val="accent6"/>
+                </a:solidFill>
+              </a:rPr>
+              <a:t>does Windows 8 allow Immersion  </a:t>
             </a:r>
           </a:p>
           <a:p>
@@ -17199,13 +22193,7 @@
               <a:buChar char="•"/>
             </a:pPr>
             <a:r>
-              <a:rPr lang="en-US" sz="2800" dirty="0">
-                <a:solidFill>
-                  <a:schemeClr val="accent6">
-                    <a:lumMod val="75000"/>
-                  </a:schemeClr>
-                </a:solidFill>
-              </a:rPr>
+              <a:rPr lang="en-US" sz="2800" dirty="0"/>
               <a:t>Implement Sharing of data</a:t>
             </a:r>
           </a:p>
@@ -17228,14 +22216,13 @@
               <a:rPr lang="en-US" sz="2800" dirty="0"/>
               <a:t>Implement Integrated Settings</a:t>
             </a:r>
-            <a:endParaRPr lang="en-US" sz="2800" dirty="0"/>
           </a:p>
         </p:txBody>
       </p:sp>
     </p:spTree>
     <p:extLst>
       <p:ext uri="{BB962C8B-B14F-4D97-AF65-F5344CB8AC3E}">
-        <p14:creationId xmlns:p14="http://schemas.microsoft.com/office/powerpoint/2010/main" val="1994585417"/>
+        <p14:creationId xmlns:p14="http://schemas.microsoft.com/office/powerpoint/2010/main" val="2188064857"/>
       </p:ext>
     </p:extLst>
   </p:cSld>
@@ -17364,6 +22351,510 @@
       </p:grpSpPr>
       <p:sp>
         <p:nvSpPr>
+          <p:cNvPr id="15" name="TextBox 14"/>
+          <p:cNvSpPr txBox="1"/>
+          <p:nvPr/>
+        </p:nvSpPr>
+        <p:spPr>
+          <a:xfrm>
+            <a:off x="0" y="533400"/>
+            <a:ext cx="4343400" cy="461665"/>
+          </a:xfrm>
+          <a:prstGeom prst="rect">
+            <a:avLst/>
+          </a:prstGeom>
+          <a:solidFill>
+            <a:schemeClr val="tx1">
+              <a:lumMod val="95000"/>
+              <a:lumOff val="5000"/>
+              <a:alpha val="55000"/>
+            </a:schemeClr>
+          </a:solidFill>
+        </p:spPr>
+        <p:txBody>
+          <a:bodyPr wrap="square" rtlCol="0" anchor="ctr" anchorCtr="0">
+            <a:normAutofit/>
+          </a:bodyPr>
+          <a:lstStyle/>
+          <a:p>
+            <a:r>
+              <a:rPr lang="en-US" sz="2400" dirty="0" smtClean="0">
+                <a:solidFill>
+                  <a:schemeClr val="bg1"/>
+                </a:solidFill>
+              </a:rPr>
+              <a:t>How does it Allow Immersion?</a:t>
+            </a:r>
+            <a:endParaRPr lang="en-US" sz="2400" b="1" dirty="0">
+              <a:solidFill>
+                <a:schemeClr val="bg1"/>
+              </a:solidFill>
+            </a:endParaRPr>
+          </a:p>
+        </p:txBody>
+      </p:sp>
+      <p:sp>
+        <p:nvSpPr>
+          <p:cNvPr id="2" name="TextBox 1"/>
+          <p:cNvSpPr txBox="1"/>
+          <p:nvPr/>
+        </p:nvSpPr>
+        <p:spPr>
+          <a:xfrm>
+            <a:off x="304800" y="1314271"/>
+            <a:ext cx="8000999" cy="2862322"/>
+          </a:xfrm>
+          <a:prstGeom prst="rect">
+            <a:avLst/>
+          </a:prstGeom>
+          <a:noFill/>
+        </p:spPr>
+        <p:txBody>
+          <a:bodyPr wrap="square" rtlCol="0">
+            <a:spAutoFit/>
+          </a:bodyPr>
+          <a:lstStyle/>
+          <a:p>
+            <a:r>
+              <a:rPr lang="en-US" sz="3600" dirty="0" smtClean="0"/>
+              <a:t>By giving the </a:t>
+            </a:r>
+            <a:r>
+              <a:rPr lang="en-US" sz="3600" dirty="0" err="1" smtClean="0"/>
+              <a:t>appea</a:t>
+            </a:r>
+            <a:endParaRPr lang="en-US" sz="3600" dirty="0" smtClean="0"/>
+          </a:p>
+          <a:p>
+            <a:endParaRPr lang="en-US" sz="3600" dirty="0" smtClean="0"/>
+          </a:p>
+          <a:p>
+            <a:r>
+              <a:rPr lang="en-US" sz="3600" dirty="0" smtClean="0"/>
+              <a:t>X</a:t>
+            </a:r>
+          </a:p>
+          <a:p>
+            <a:r>
+              <a:rPr lang="en-US" sz="3600" dirty="0" smtClean="0"/>
+              <a:t>Y</a:t>
+            </a:r>
+          </a:p>
+          <a:p>
+            <a:r>
+              <a:rPr lang="en-US" sz="3600" dirty="0"/>
+              <a:t>z</a:t>
+            </a:r>
+            <a:endParaRPr lang="en-US" sz="3600" dirty="0"/>
+          </a:p>
+        </p:txBody>
+      </p:sp>
+    </p:spTree>
+    <p:extLst>
+      <p:ext uri="{BB962C8B-B14F-4D97-AF65-F5344CB8AC3E}">
+        <p14:creationId xmlns:p14="http://schemas.microsoft.com/office/powerpoint/2010/main" val="1865165277"/>
+      </p:ext>
+    </p:extLst>
+  </p:cSld>
+  <p:clrMapOvr>
+    <a:masterClrMapping/>
+  </p:clrMapOvr>
+  <p:transition spd="slow">
+    <p:wipe/>
+  </p:transition>
+  <p:timing>
+    <p:tnLst>
+      <p:par>
+        <p:cTn id="1" dur="indefinite" restart="never" nodeType="tmRoot">
+          <p:childTnLst>
+            <p:seq concurrent="1" nextAc="seek">
+              <p:cTn id="2" dur="indefinite" nodeType="mainSeq">
+                <p:childTnLst>
+                  <p:par>
+                    <p:cTn id="3" fill="hold">
+                      <p:stCondLst>
+                        <p:cond delay="indefinite"/>
+                        <p:cond evt="onBegin" delay="0">
+                          <p:tn val="2"/>
+                        </p:cond>
+                      </p:stCondLst>
+                      <p:childTnLst>
+                        <p:par>
+                          <p:cTn id="4" fill="hold">
+                            <p:stCondLst>
+                              <p:cond delay="0"/>
+                            </p:stCondLst>
+                            <p:childTnLst>
+                              <p:par>
+                                <p:cTn id="5" presetID="2" presetClass="entr" presetSubtype="8" fill="hold" grpId="0" nodeType="afterEffect">
+                                  <p:stCondLst>
+                                    <p:cond delay="100"/>
+                                  </p:stCondLst>
+                                  <p:childTnLst>
+                                    <p:set>
+                                      <p:cBhvr>
+                                        <p:cTn id="6" dur="1" fill="hold">
+                                          <p:stCondLst>
+                                            <p:cond delay="0"/>
+                                          </p:stCondLst>
+                                        </p:cTn>
+                                        <p:tgtEl>
+                                          <p:spTgt spid="15"/>
+                                        </p:tgtEl>
+                                        <p:attrNameLst>
+                                          <p:attrName>style.visibility</p:attrName>
+                                        </p:attrNameLst>
+                                      </p:cBhvr>
+                                      <p:to>
+                                        <p:strVal val="visible"/>
+                                      </p:to>
+                                    </p:set>
+                                    <p:anim calcmode="lin" valueType="num">
+                                      <p:cBhvr additive="base">
+                                        <p:cTn id="7" dur="500" fill="hold"/>
+                                        <p:tgtEl>
+                                          <p:spTgt spid="15"/>
+                                        </p:tgtEl>
+                                        <p:attrNameLst>
+                                          <p:attrName>ppt_x</p:attrName>
+                                        </p:attrNameLst>
+                                      </p:cBhvr>
+                                      <p:tavLst>
+                                        <p:tav tm="0">
+                                          <p:val>
+                                            <p:strVal val="0-#ppt_w/2"/>
+                                          </p:val>
+                                        </p:tav>
+                                        <p:tav tm="100000">
+                                          <p:val>
+                                            <p:strVal val="#ppt_x"/>
+                                          </p:val>
+                                        </p:tav>
+                                      </p:tavLst>
+                                    </p:anim>
+                                    <p:anim calcmode="lin" valueType="num">
+                                      <p:cBhvr additive="base">
+                                        <p:cTn id="8" dur="500" fill="hold"/>
+                                        <p:tgtEl>
+                                          <p:spTgt spid="15"/>
+                                        </p:tgtEl>
+                                        <p:attrNameLst>
+                                          <p:attrName>ppt_y</p:attrName>
+                                        </p:attrNameLst>
+                                      </p:cBhvr>
+                                      <p:tavLst>
+                                        <p:tav tm="0">
+                                          <p:val>
+                                            <p:strVal val="#ppt_y"/>
+                                          </p:val>
+                                        </p:tav>
+                                        <p:tav tm="100000">
+                                          <p:val>
+                                            <p:strVal val="#ppt_y"/>
+                                          </p:val>
+                                        </p:tav>
+                                      </p:tavLst>
+                                    </p:anim>
+                                  </p:childTnLst>
+                                </p:cTn>
+                              </p:par>
+                            </p:childTnLst>
+                          </p:cTn>
+                        </p:par>
+                      </p:childTnLst>
+                    </p:cTn>
+                  </p:par>
+                  <p:par>
+                    <p:cTn id="9" fill="hold">
+                      <p:stCondLst>
+                        <p:cond delay="indefinite"/>
+                      </p:stCondLst>
+                      <p:childTnLst>
+                        <p:par>
+                          <p:cTn id="10" fill="hold">
+                            <p:stCondLst>
+                              <p:cond delay="0"/>
+                            </p:stCondLst>
+                            <p:childTnLst>
+                              <p:par>
+                                <p:cTn id="11" presetID="10" presetClass="entr" presetSubtype="0" fill="hold" nodeType="clickEffect">
+                                  <p:stCondLst>
+                                    <p:cond delay="0"/>
+                                  </p:stCondLst>
+                                  <p:childTnLst>
+                                    <p:set>
+                                      <p:cBhvr>
+                                        <p:cTn id="12" dur="1" fill="hold">
+                                          <p:stCondLst>
+                                            <p:cond delay="0"/>
+                                          </p:stCondLst>
+                                        </p:cTn>
+                                        <p:tgtEl>
+                                          <p:spTgt spid="2">
+                                            <p:txEl>
+                                              <p:pRg st="0" end="0"/>
+                                            </p:txEl>
+                                          </p:spTgt>
+                                        </p:tgtEl>
+                                        <p:attrNameLst>
+                                          <p:attrName>style.visibility</p:attrName>
+                                        </p:attrNameLst>
+                                      </p:cBhvr>
+                                      <p:to>
+                                        <p:strVal val="visible"/>
+                                      </p:to>
+                                    </p:set>
+                                    <p:animEffect transition="in" filter="fade">
+                                      <p:cBhvr>
+                                        <p:cTn id="13" dur="500"/>
+                                        <p:tgtEl>
+                                          <p:spTgt spid="2">
+                                            <p:txEl>
+                                              <p:pRg st="0" end="0"/>
+                                            </p:txEl>
+                                          </p:spTgt>
+                                        </p:tgtEl>
+                                      </p:cBhvr>
+                                    </p:animEffect>
+                                  </p:childTnLst>
+                                </p:cTn>
+                              </p:par>
+                            </p:childTnLst>
+                          </p:cTn>
+                        </p:par>
+                      </p:childTnLst>
+                    </p:cTn>
+                  </p:par>
+                  <p:par>
+                    <p:cTn id="14" fill="hold">
+                      <p:stCondLst>
+                        <p:cond delay="indefinite"/>
+                      </p:stCondLst>
+                      <p:childTnLst>
+                        <p:par>
+                          <p:cTn id="15" fill="hold">
+                            <p:stCondLst>
+                              <p:cond delay="0"/>
+                            </p:stCondLst>
+                            <p:childTnLst>
+                              <p:par>
+                                <p:cTn id="16" presetID="10" presetClass="entr" presetSubtype="0" fill="hold" nodeType="clickEffect">
+                                  <p:stCondLst>
+                                    <p:cond delay="0"/>
+                                  </p:stCondLst>
+                                  <p:childTnLst>
+                                    <p:set>
+                                      <p:cBhvr>
+                                        <p:cTn id="17" dur="1" fill="hold">
+                                          <p:stCondLst>
+                                            <p:cond delay="0"/>
+                                          </p:stCondLst>
+                                        </p:cTn>
+                                        <p:tgtEl>
+                                          <p:spTgt spid="2">
+                                            <p:txEl>
+                                              <p:pRg st="2" end="2"/>
+                                            </p:txEl>
+                                          </p:spTgt>
+                                        </p:tgtEl>
+                                        <p:attrNameLst>
+                                          <p:attrName>style.visibility</p:attrName>
+                                        </p:attrNameLst>
+                                      </p:cBhvr>
+                                      <p:to>
+                                        <p:strVal val="visible"/>
+                                      </p:to>
+                                    </p:set>
+                                    <p:animEffect transition="in" filter="fade">
+                                      <p:cBhvr>
+                                        <p:cTn id="18" dur="500"/>
+                                        <p:tgtEl>
+                                          <p:spTgt spid="2">
+                                            <p:txEl>
+                                              <p:pRg st="2" end="2"/>
+                                            </p:txEl>
+                                          </p:spTgt>
+                                        </p:tgtEl>
+                                      </p:cBhvr>
+                                    </p:animEffect>
+                                  </p:childTnLst>
+                                </p:cTn>
+                              </p:par>
+                            </p:childTnLst>
+                          </p:cTn>
+                        </p:par>
+                      </p:childTnLst>
+                    </p:cTn>
+                  </p:par>
+                  <p:par>
+                    <p:cTn id="19" fill="hold">
+                      <p:stCondLst>
+                        <p:cond delay="indefinite"/>
+                      </p:stCondLst>
+                      <p:childTnLst>
+                        <p:par>
+                          <p:cTn id="20" fill="hold">
+                            <p:stCondLst>
+                              <p:cond delay="0"/>
+                            </p:stCondLst>
+                            <p:childTnLst>
+                              <p:par>
+                                <p:cTn id="21" presetID="10" presetClass="entr" presetSubtype="0" fill="hold" nodeType="clickEffect">
+                                  <p:stCondLst>
+                                    <p:cond delay="0"/>
+                                  </p:stCondLst>
+                                  <p:childTnLst>
+                                    <p:set>
+                                      <p:cBhvr>
+                                        <p:cTn id="22" dur="1" fill="hold">
+                                          <p:stCondLst>
+                                            <p:cond delay="0"/>
+                                          </p:stCondLst>
+                                        </p:cTn>
+                                        <p:tgtEl>
+                                          <p:spTgt spid="2">
+                                            <p:txEl>
+                                              <p:pRg st="3" end="3"/>
+                                            </p:txEl>
+                                          </p:spTgt>
+                                        </p:tgtEl>
+                                        <p:attrNameLst>
+                                          <p:attrName>style.visibility</p:attrName>
+                                        </p:attrNameLst>
+                                      </p:cBhvr>
+                                      <p:to>
+                                        <p:strVal val="visible"/>
+                                      </p:to>
+                                    </p:set>
+                                    <p:animEffect transition="in" filter="fade">
+                                      <p:cBhvr>
+                                        <p:cTn id="23" dur="500"/>
+                                        <p:tgtEl>
+                                          <p:spTgt spid="2">
+                                            <p:txEl>
+                                              <p:pRg st="3" end="3"/>
+                                            </p:txEl>
+                                          </p:spTgt>
+                                        </p:tgtEl>
+                                      </p:cBhvr>
+                                    </p:animEffect>
+                                  </p:childTnLst>
+                                </p:cTn>
+                              </p:par>
+                            </p:childTnLst>
+                          </p:cTn>
+                        </p:par>
+                      </p:childTnLst>
+                    </p:cTn>
+                  </p:par>
+                  <p:par>
+                    <p:cTn id="24" fill="hold">
+                      <p:stCondLst>
+                        <p:cond delay="indefinite"/>
+                      </p:stCondLst>
+                      <p:childTnLst>
+                        <p:par>
+                          <p:cTn id="25" fill="hold">
+                            <p:stCondLst>
+                              <p:cond delay="0"/>
+                            </p:stCondLst>
+                            <p:childTnLst>
+                              <p:par>
+                                <p:cTn id="26" presetID="10" presetClass="entr" presetSubtype="0" fill="hold" nodeType="clickEffect">
+                                  <p:stCondLst>
+                                    <p:cond delay="0"/>
+                                  </p:stCondLst>
+                                  <p:childTnLst>
+                                    <p:set>
+                                      <p:cBhvr>
+                                        <p:cTn id="27" dur="1" fill="hold">
+                                          <p:stCondLst>
+                                            <p:cond delay="0"/>
+                                          </p:stCondLst>
+                                        </p:cTn>
+                                        <p:tgtEl>
+                                          <p:spTgt spid="2">
+                                            <p:txEl>
+                                              <p:pRg st="4" end="4"/>
+                                            </p:txEl>
+                                          </p:spTgt>
+                                        </p:tgtEl>
+                                        <p:attrNameLst>
+                                          <p:attrName>style.visibility</p:attrName>
+                                        </p:attrNameLst>
+                                      </p:cBhvr>
+                                      <p:to>
+                                        <p:strVal val="visible"/>
+                                      </p:to>
+                                    </p:set>
+                                    <p:animEffect transition="in" filter="fade">
+                                      <p:cBhvr>
+                                        <p:cTn id="28" dur="500"/>
+                                        <p:tgtEl>
+                                          <p:spTgt spid="2">
+                                            <p:txEl>
+                                              <p:pRg st="4" end="4"/>
+                                            </p:txEl>
+                                          </p:spTgt>
+                                        </p:tgtEl>
+                                      </p:cBhvr>
+                                    </p:animEffect>
+                                  </p:childTnLst>
+                                </p:cTn>
+                              </p:par>
+                            </p:childTnLst>
+                          </p:cTn>
+                        </p:par>
+                      </p:childTnLst>
+                    </p:cTn>
+                  </p:par>
+                </p:childTnLst>
+              </p:cTn>
+              <p:prevCondLst>
+                <p:cond evt="onPrev" delay="0">
+                  <p:tgtEl>
+                    <p:sldTgt/>
+                  </p:tgtEl>
+                </p:cond>
+              </p:prevCondLst>
+              <p:nextCondLst>
+                <p:cond evt="onNext" delay="0">
+                  <p:tgtEl>
+                    <p:sldTgt/>
+                  </p:tgtEl>
+                </p:cond>
+              </p:nextCondLst>
+            </p:seq>
+          </p:childTnLst>
+        </p:cTn>
+      </p:par>
+    </p:tnLst>
+    <p:bldLst>
+      <p:bldP spid="15" grpId="0" animBg="1"/>
+    </p:bldLst>
+  </p:timing>
+</p:sld>
+</file>
+
+<file path=ppt/slides/slide8.xml><?xml version="1.0" encoding="utf-8"?>
+<p:sld xmlns:a="http://schemas.openxmlformats.org/drawingml/2006/main" xmlns:r="http://schemas.openxmlformats.org/officeDocument/2006/relationships" xmlns:p="http://schemas.openxmlformats.org/presentationml/2006/main">
+  <p:cSld>
+    <p:spTree>
+      <p:nvGrpSpPr>
+        <p:cNvPr id="1" name=""/>
+        <p:cNvGrpSpPr/>
+        <p:nvPr/>
+      </p:nvGrpSpPr>
+      <p:grpSpPr>
+        <a:xfrm>
+          <a:off x="0" y="0"/>
+          <a:ext cx="0" cy="0"/>
+          <a:chOff x="0" y="0"/>
+          <a:chExt cx="0" cy="0"/>
+        </a:xfrm>
+      </p:grpSpPr>
+      <p:sp>
+        <p:nvSpPr>
           <p:cNvPr id="27" name="Text Placeholder 2"/>
           <p:cNvSpPr txBox="1">
             <a:spLocks/>
@@ -17542,7 +23033,7 @@
         <p:spPr>
           <a:xfrm>
             <a:off x="228600" y="381000"/>
-            <a:ext cx="8077200" cy="4031873"/>
+            <a:ext cx="8077200" cy="4862870"/>
           </a:xfrm>
           <a:prstGeom prst="rect">
             <a:avLst/>
@@ -17562,6 +23053,19 @@
             <a:r>
               <a:rPr lang="en-US" sz="3600" dirty="0"/>
               <a:t>What is on tap?</a:t>
+            </a:r>
+          </a:p>
+          <a:p>
+            <a:endParaRPr lang="en-US" dirty="0"/>
+          </a:p>
+          <a:p>
+            <a:pPr marL="285750" indent="-285750">
+              <a:buFont typeface="Arial" panose="020B0604020202020204" pitchFamily="34" charset="0"/>
+              <a:buChar char="•"/>
+            </a:pPr>
+            <a:r>
+              <a:rPr lang="en-US" sz="3600" dirty="0"/>
+              <a:t>What are Contracts?</a:t>
             </a:r>
           </a:p>
           <a:p>
@@ -17601,7 +23105,13 @@
               <a:buChar char="•"/>
             </a:pPr>
             <a:r>
-              <a:rPr lang="en-US" sz="2800" dirty="0"/>
+              <a:rPr lang="en-US" sz="2800" dirty="0">
+                <a:solidFill>
+                  <a:schemeClr val="accent6">
+                    <a:lumMod val="75000"/>
+                  </a:schemeClr>
+                </a:solidFill>
+              </a:rPr>
               <a:t>Implement Integrated Search</a:t>
             </a:r>
           </a:p>
@@ -17621,13 +23131,7 @@
               <a:buChar char="•"/>
             </a:pPr>
             <a:r>
-              <a:rPr lang="en-US" sz="2800" dirty="0">
-                <a:solidFill>
-                  <a:schemeClr val="accent6">
-                    <a:lumMod val="75000"/>
-                  </a:schemeClr>
-                </a:solidFill>
-              </a:rPr>
+              <a:rPr lang="en-US" sz="2800" dirty="0"/>
               <a:t>Implement Receiving Shared data</a:t>
             </a:r>
           </a:p>
@@ -17647,7 +23151,7 @@
     </p:spTree>
     <p:extLst>
       <p:ext uri="{BB962C8B-B14F-4D97-AF65-F5344CB8AC3E}">
-        <p14:creationId xmlns:p14="http://schemas.microsoft.com/office/powerpoint/2010/main" val="524075151"/>
+        <p14:creationId xmlns:p14="http://schemas.microsoft.com/office/powerpoint/2010/main" val="702859701"/>
       </p:ext>
     </p:extLst>
   </p:cSld>
@@ -17757,7 +23261,7 @@
 </p:sld>
 </file>
 
-<file path=ppt/slides/slide8.xml><?xml version="1.0" encoding="utf-8"?>
+<file path=ppt/slides/slide9.xml><?xml version="1.0" encoding="utf-8"?>
 <p:sld xmlns:a="http://schemas.openxmlformats.org/drawingml/2006/main" xmlns:r="http://schemas.openxmlformats.org/officeDocument/2006/relationships" xmlns:p="http://schemas.openxmlformats.org/presentationml/2006/main">
   <p:cSld>
     <p:spTree>
@@ -17776,7 +23280,80 @@
       </p:grpSpPr>
       <p:sp>
         <p:nvSpPr>
-          <p:cNvPr id="27" name="Text Placeholder 2"/>
+          <p:cNvPr id="15" name="TextBox 14"/>
+          <p:cNvSpPr txBox="1"/>
+          <p:nvPr/>
+        </p:nvSpPr>
+        <p:spPr>
+          <a:xfrm>
+            <a:off x="0" y="533400"/>
+            <a:ext cx="4343400" cy="461665"/>
+          </a:xfrm>
+          <a:prstGeom prst="rect">
+            <a:avLst/>
+          </a:prstGeom>
+          <a:solidFill>
+            <a:schemeClr val="tx1">
+              <a:lumMod val="95000"/>
+              <a:lumOff val="5000"/>
+              <a:alpha val="55000"/>
+            </a:schemeClr>
+          </a:solidFill>
+        </p:spPr>
+        <p:txBody>
+          <a:bodyPr wrap="square" rtlCol="0" anchor="ctr" anchorCtr="0">
+            <a:normAutofit/>
+          </a:bodyPr>
+          <a:lstStyle/>
+          <a:p>
+            <a:r>
+              <a:rPr lang="en-US" sz="2400" dirty="0" smtClean="0">
+                <a:solidFill>
+                  <a:schemeClr val="bg1"/>
+                </a:solidFill>
+              </a:rPr>
+              <a:t>Using the Search Contract</a:t>
+            </a:r>
+            <a:endParaRPr lang="en-US" sz="2400" b="1" dirty="0">
+              <a:solidFill>
+                <a:schemeClr val="bg1"/>
+              </a:solidFill>
+            </a:endParaRPr>
+          </a:p>
+        </p:txBody>
+      </p:sp>
+      <p:sp>
+        <p:nvSpPr>
+          <p:cNvPr id="2" name="TextBox 1"/>
+          <p:cNvSpPr txBox="1"/>
+          <p:nvPr/>
+        </p:nvSpPr>
+        <p:spPr>
+          <a:xfrm>
+            <a:off x="304800" y="1314271"/>
+            <a:ext cx="7848599" cy="1200329"/>
+          </a:xfrm>
+          <a:prstGeom prst="rect">
+            <a:avLst/>
+          </a:prstGeom>
+          <a:noFill/>
+        </p:spPr>
+        <p:txBody>
+          <a:bodyPr wrap="square" rtlCol="0">
+            <a:spAutoFit/>
+          </a:bodyPr>
+          <a:lstStyle/>
+          <a:p>
+            <a:r>
+              <a:rPr lang="en-US" sz="3600" dirty="0" smtClean="0"/>
+              <a:t>Enables your application to become searchable via the search charm.</a:t>
+            </a:r>
+          </a:p>
+        </p:txBody>
+      </p:sp>
+      <p:sp>
+        <p:nvSpPr>
+          <p:cNvPr id="4" name="Text Placeholder 2"/>
           <p:cNvSpPr txBox="1">
             <a:spLocks/>
           </p:cNvSpPr>
@@ -17939,22 +23516,70 @@
             </a:pPr>
             <a:r>
               <a:rPr lang="en-US" b="1" dirty="0" smtClean="0"/>
-              <a:t>Agenda</a:t>
+              <a:t>How Do I?</a:t>
             </a:r>
             <a:endParaRPr lang="en-US" b="1" dirty="0"/>
           </a:p>
         </p:txBody>
       </p:sp>
-      <p:sp>
-        <p:nvSpPr>
-          <p:cNvPr id="2" name="TextBox 1"/>
+      <p:pic>
+        <p:nvPicPr>
+          <p:cNvPr id="3" name="Picture 2"/>
+          <p:cNvPicPr>
+            <a:picLocks noChangeAspect="1"/>
+          </p:cNvPicPr>
+          <p:nvPr/>
+        </p:nvPicPr>
+        <p:blipFill>
+          <a:blip r:embed="rId3"/>
+          <a:stretch>
+            <a:fillRect/>
+          </a:stretch>
+        </p:blipFill>
+        <p:spPr>
+          <a:xfrm>
+            <a:off x="5181600" y="3048000"/>
+            <a:ext cx="2247638" cy="2909888"/>
+          </a:xfrm>
+          <a:prstGeom prst="rect">
+            <a:avLst/>
+          </a:prstGeom>
+        </p:spPr>
+      </p:pic>
+      <p:pic>
+        <p:nvPicPr>
+          <p:cNvPr id="5" name="Picture 4"/>
+          <p:cNvPicPr>
+            <a:picLocks noChangeAspect="1"/>
+          </p:cNvPicPr>
+          <p:nvPr/>
+        </p:nvPicPr>
+        <p:blipFill>
+          <a:blip r:embed="rId4"/>
+          <a:stretch>
+            <a:fillRect/>
+          </a:stretch>
+        </p:blipFill>
+        <p:spPr>
+          <a:xfrm>
+            <a:off x="7397643" y="3048000"/>
+            <a:ext cx="790575" cy="1943100"/>
+          </a:xfrm>
+          <a:prstGeom prst="rect">
+            <a:avLst/>
+          </a:prstGeom>
+        </p:spPr>
+      </p:pic>
+      <p:sp>
+        <p:nvSpPr>
+          <p:cNvPr id="7" name="TextBox 6"/>
           <p:cNvSpPr txBox="1"/>
           <p:nvPr/>
         </p:nvSpPr>
         <p:spPr>
           <a:xfrm>
-            <a:off x="228600" y="381000"/>
-            <a:ext cx="8077200" cy="4031873"/>
+            <a:off x="304799" y="2819221"/>
+            <a:ext cx="4876801" cy="3970318"/>
           </a:xfrm>
           <a:prstGeom prst="rect">
             <a:avLst/>
@@ -17967,105 +23592,63 @@
           </a:bodyPr>
           <a:lstStyle/>
           <a:p>
-            <a:pPr marL="285750" indent="-285750">
+            <a:r>
+              <a:rPr lang="en-US" sz="3600" dirty="0" smtClean="0"/>
+              <a:t>You can allow:</a:t>
+            </a:r>
+          </a:p>
+          <a:p>
+            <a:pPr marL="571500" indent="-571500">
               <a:buFont typeface="Arial" panose="020B0604020202020204" pitchFamily="34" charset="0"/>
               <a:buChar char="•"/>
             </a:pPr>
             <a:r>
-              <a:rPr lang="en-US" sz="3600" dirty="0"/>
-              <a:t>What is on tap?</a:t>
-            </a:r>
-          </a:p>
-          <a:p>
-            <a:pPr marL="285750" indent="-285750">
+              <a:rPr lang="en-US" sz="3600" dirty="0" smtClean="0"/>
+              <a:t>External Searches</a:t>
+            </a:r>
+          </a:p>
+          <a:p>
+            <a:pPr marL="571500" indent="-571500">
               <a:buFont typeface="Arial" panose="020B0604020202020204" pitchFamily="34" charset="0"/>
               <a:buChar char="•"/>
             </a:pPr>
-            <a:endParaRPr lang="en-US" dirty="0"/>
-          </a:p>
-          <a:p>
-            <a:pPr marL="285750" indent="-285750">
+            <a:r>
+              <a:rPr lang="en-US" sz="3600" dirty="0" smtClean="0"/>
+              <a:t>Internal Searches</a:t>
+            </a:r>
+          </a:p>
+          <a:p>
+            <a:pPr marL="571500" indent="-571500">
               <a:buFont typeface="Arial" panose="020B0604020202020204" pitchFamily="34" charset="0"/>
               <a:buChar char="•"/>
             </a:pPr>
             <a:r>
-              <a:rPr lang="en-US" sz="3600" dirty="0"/>
-              <a:t>How does Windows 8 allow Immersion  </a:t>
-            </a:r>
-          </a:p>
-          <a:p>
-            <a:pPr lvl="1"/>
-            <a:endParaRPr lang="en-US" dirty="0"/>
-          </a:p>
-          <a:p>
-            <a:pPr marL="285750" indent="-285750">
+              <a:rPr lang="en-US" sz="3600" dirty="0" smtClean="0"/>
+              <a:t>Search Suggestions</a:t>
+            </a:r>
+          </a:p>
+          <a:p>
+            <a:pPr marL="571500" indent="-571500">
               <a:buFont typeface="Arial" panose="020B0604020202020204" pitchFamily="34" charset="0"/>
               <a:buChar char="•"/>
             </a:pPr>
-            <a:r>
-              <a:rPr lang="en-US" sz="3600" dirty="0"/>
-              <a:t>How do I?</a:t>
-            </a:r>
-          </a:p>
-          <a:p>
-            <a:pPr marL="742950" lvl="1" indent="-285750">
-              <a:buFont typeface="Arial" panose="020B0604020202020204" pitchFamily="34" charset="0"/>
-              <a:buChar char="•"/>
-            </a:pPr>
-            <a:r>
-              <a:rPr lang="en-US" sz="2800" dirty="0"/>
-              <a:t>Implement Integrated Search</a:t>
-            </a:r>
-          </a:p>
-          <a:p>
-            <a:pPr marL="742950" lvl="1" indent="-285750">
-              <a:buFont typeface="Arial" panose="020B0604020202020204" pitchFamily="34" charset="0"/>
-              <a:buChar char="•"/>
-            </a:pPr>
-            <a:r>
-              <a:rPr lang="en-US" sz="2800" dirty="0"/>
-              <a:t>Implement Sharing of data</a:t>
-            </a:r>
-          </a:p>
-          <a:p>
-            <a:pPr marL="742950" lvl="1" indent="-285750">
-              <a:buFont typeface="Arial" panose="020B0604020202020204" pitchFamily="34" charset="0"/>
-              <a:buChar char="•"/>
-            </a:pPr>
-            <a:r>
-              <a:rPr lang="en-US" sz="2800" dirty="0"/>
-              <a:t>Implement Receiving Shared data</a:t>
-            </a:r>
-          </a:p>
-          <a:p>
-            <a:pPr marL="742950" lvl="1" indent="-285750">
-              <a:buFont typeface="Arial" panose="020B0604020202020204" pitchFamily="34" charset="0"/>
-              <a:buChar char="•"/>
-            </a:pPr>
-            <a:r>
-              <a:rPr lang="en-US" sz="2800" dirty="0">
-                <a:solidFill>
-                  <a:schemeClr val="accent6">
-                    <a:lumMod val="75000"/>
-                  </a:schemeClr>
-                </a:solidFill>
-              </a:rPr>
-              <a:t>Implement Integrated Settings</a:t>
-            </a:r>
-            <a:endParaRPr lang="en-US" sz="2800" dirty="0">
-              <a:solidFill>
-                <a:schemeClr val="accent6">
-                  <a:lumMod val="75000"/>
-                </a:schemeClr>
-              </a:solidFill>
-            </a:endParaRPr>
+            <a:endParaRPr lang="en-US" sz="3600" dirty="0"/>
+          </a:p>
+          <a:p>
+            <a:endParaRPr lang="en-US" sz="3600" dirty="0" smtClean="0"/>
+          </a:p>
+          <a:p>
+            <a:r>
+              <a:rPr lang="en-US" sz="3600" dirty="0" smtClean="0"/>
+              <a:t>Demo Time</a:t>
+            </a:r>
           </a:p>
         </p:txBody>
       </p:sp>
     </p:spTree>
     <p:extLst>
       <p:ext uri="{BB962C8B-B14F-4D97-AF65-F5344CB8AC3E}">
-        <p14:creationId xmlns:p14="http://schemas.microsoft.com/office/powerpoint/2010/main" val="3042457773"/>
+        <p14:creationId xmlns:p14="http://schemas.microsoft.com/office/powerpoint/2010/main" val="3350279469"/>
       </p:ext>
     </p:extLst>
   </p:cSld>
@@ -18099,9 +23682,9 @@
                             </p:stCondLst>
                             <p:childTnLst>
                               <p:par>
-                                <p:cTn id="5" presetID="10" presetClass="entr" presetSubtype="0" fill="hold" grpId="0" nodeType="afterEffect">
+                                <p:cTn id="5" presetID="2" presetClass="entr" presetSubtype="8" fill="hold" grpId="0" nodeType="afterEffect">
                                   <p:stCondLst>
-                                    <p:cond delay="0"/>
+                                    <p:cond delay="100"/>
                                   </p:stCondLst>
                                   <p:childTnLst>
                                     <p:set>
@@ -18112,7 +23695,80 @@
                                           </p:stCondLst>
                                         </p:cTn>
                                         <p:tgtEl>
-                                          <p:spTgt spid="27">
+                                          <p:spTgt spid="15"/>
+                                        </p:tgtEl>
+                                        <p:attrNameLst>
+                                          <p:attrName>style.visibility</p:attrName>
+                                        </p:attrNameLst>
+                                      </p:cBhvr>
+                                      <p:to>
+                                        <p:strVal val="visible"/>
+                                      </p:to>
+                                    </p:set>
+                                    <p:anim calcmode="lin" valueType="num">
+                                      <p:cBhvr additive="base">
+                                        <p:cTn id="7" dur="500" fill="hold"/>
+                                        <p:tgtEl>
+                                          <p:spTgt spid="15"/>
+                                        </p:tgtEl>
+                                        <p:attrNameLst>
+                                          <p:attrName>ppt_x</p:attrName>
+                                        </p:attrNameLst>
+                                      </p:cBhvr>
+                                      <p:tavLst>
+                                        <p:tav tm="0">
+                                          <p:val>
+                                            <p:strVal val="0-#ppt_w/2"/>
+                                          </p:val>
+                                        </p:tav>
+                                        <p:tav tm="100000">
+                                          <p:val>
+                                            <p:strVal val="#ppt_x"/>
+                                          </p:val>
+                                        </p:tav>
+                                      </p:tavLst>
+                                    </p:anim>
+                                    <p:anim calcmode="lin" valueType="num">
+                                      <p:cBhvr additive="base">
+                                        <p:cTn id="8" dur="500" fill="hold"/>
+                                        <p:tgtEl>
+                                          <p:spTgt spid="15"/>
+                                        </p:tgtEl>
+                                        <p:attrNameLst>
+                                          <p:attrName>ppt_y</p:attrName>
+                                        </p:attrNameLst>
+                                      </p:cBhvr>
+                                      <p:tavLst>
+                                        <p:tav tm="0">
+                                          <p:val>
+                                            <p:strVal val="#ppt_y"/>
+                                          </p:val>
+                                        </p:tav>
+                                        <p:tav tm="100000">
+                                          <p:val>
+                                            <p:strVal val="#ppt_y"/>
+                                          </p:val>
+                                        </p:tav>
+                                      </p:tavLst>
+                                    </p:anim>
+                                  </p:childTnLst>
+                                </p:cTn>
+                              </p:par>
+                              <p:par>
+                                <p:cTn id="9" presetID="10" presetClass="entr" presetSubtype="0" fill="hold" nodeType="withEffect">
+                                  <p:stCondLst>
+                                    <p:cond delay="100"/>
+                                  </p:stCondLst>
+                                  <p:childTnLst>
+                                    <p:set>
+                                      <p:cBhvr>
+                                        <p:cTn id="10" dur="1" fill="hold">
+                                          <p:stCondLst>
+                                            <p:cond delay="0"/>
+                                          </p:stCondLst>
+                                        </p:cTn>
+                                        <p:tgtEl>
+                                          <p:spTgt spid="2">
                                             <p:txEl>
                                               <p:pRg st="0" end="0"/>
                                             </p:txEl>
@@ -18128,11 +23784,422 @@
                                     </p:set>
                                     <p:animEffect transition="in" filter="fade">
                                       <p:cBhvr>
-                                        <p:cTn id="7" dur="1000"/>
+                                        <p:cTn id="11" dur="500"/>
                                         <p:tgtEl>
-                                          <p:spTgt spid="27">
+                                          <p:spTgt spid="2">
                                             <p:txEl>
                                               <p:pRg st="0" end="0"/>
+                                            </p:txEl>
+                                          </p:spTgt>
+                                        </p:tgtEl>
+                                      </p:cBhvr>
+                                    </p:animEffect>
+                                  </p:childTnLst>
+                                </p:cTn>
+                              </p:par>
+                              <p:par>
+                                <p:cTn id="12" presetID="1" presetClass="entr" presetSubtype="0" fill="hold" nodeType="withEffect">
+                                  <p:stCondLst>
+                                    <p:cond delay="100"/>
+                                  </p:stCondLst>
+                                  <p:childTnLst>
+                                    <p:set>
+                                      <p:cBhvr>
+                                        <p:cTn id="13" dur="1" fill="hold">
+                                          <p:stCondLst>
+                                            <p:cond delay="0"/>
+                                          </p:stCondLst>
+                                        </p:cTn>
+                                        <p:tgtEl>
+                                          <p:spTgt spid="3"/>
+                                        </p:tgtEl>
+                                        <p:attrNameLst>
+                                          <p:attrName>style.visibility</p:attrName>
+                                        </p:attrNameLst>
+                                      </p:cBhvr>
+                                      <p:to>
+                                        <p:strVal val="visible"/>
+                                      </p:to>
+                                    </p:set>
+                                  </p:childTnLst>
+                                </p:cTn>
+                              </p:par>
+                              <p:par>
+                                <p:cTn id="14" presetID="1" presetClass="entr" presetSubtype="0" fill="hold" nodeType="withEffect">
+                                  <p:stCondLst>
+                                    <p:cond delay="100"/>
+                                  </p:stCondLst>
+                                  <p:childTnLst>
+                                    <p:set>
+                                      <p:cBhvr>
+                                        <p:cTn id="15" dur="1" fill="hold">
+                                          <p:stCondLst>
+                                            <p:cond delay="0"/>
+                                          </p:stCondLst>
+                                        </p:cTn>
+                                        <p:tgtEl>
+                                          <p:spTgt spid="5"/>
+                                        </p:tgtEl>
+                                        <p:attrNameLst>
+                                          <p:attrName>style.visibility</p:attrName>
+                                        </p:attrNameLst>
+                                      </p:cBhvr>
+                                      <p:to>
+                                        <p:strVal val="visible"/>
+                                      </p:to>
+                                    </p:set>
+                                  </p:childTnLst>
+                                </p:cTn>
+                              </p:par>
+                            </p:childTnLst>
+                          </p:cTn>
+                        </p:par>
+                        <p:par>
+                          <p:cTn id="16" fill="hold">
+                            <p:stCondLst>
+                              <p:cond delay="600"/>
+                            </p:stCondLst>
+                            <p:childTnLst>
+                              <p:par>
+                                <p:cTn id="17" presetID="10" presetClass="entr" presetSubtype="0" fill="hold" grpId="0" nodeType="afterEffect">
+                                  <p:stCondLst>
+                                    <p:cond delay="0"/>
+                                  </p:stCondLst>
+                                  <p:childTnLst>
+                                    <p:set>
+                                      <p:cBhvr>
+                                        <p:cTn id="18" dur="1" fill="hold">
+                                          <p:stCondLst>
+                                            <p:cond delay="0"/>
+                                          </p:stCondLst>
+                                        </p:cTn>
+                                        <p:tgtEl>
+                                          <p:spTgt spid="4">
+                                            <p:txEl>
+                                              <p:pRg st="0" end="0"/>
+                                            </p:txEl>
+                                          </p:spTgt>
+                                        </p:tgtEl>
+                                        <p:attrNameLst>
+                                          <p:attrName>style.visibility</p:attrName>
+                                        </p:attrNameLst>
+                                      </p:cBhvr>
+                                      <p:to>
+                                        <p:strVal val="visible"/>
+                                      </p:to>
+                                    </p:set>
+                                    <p:animEffect transition="in" filter="fade">
+                                      <p:cBhvr>
+                                        <p:cTn id="19" dur="1000"/>
+                                        <p:tgtEl>
+                                          <p:spTgt spid="4">
+                                            <p:txEl>
+                                              <p:pRg st="0" end="0"/>
+                                            </p:txEl>
+                                          </p:spTgt>
+                                        </p:tgtEl>
+                                      </p:cBhvr>
+                                    </p:animEffect>
+                                  </p:childTnLst>
+                                </p:cTn>
+                              </p:par>
+                            </p:childTnLst>
+                          </p:cTn>
+                        </p:par>
+                      </p:childTnLst>
+                    </p:cTn>
+                  </p:par>
+                  <p:par>
+                    <p:cTn id="20" fill="hold">
+                      <p:stCondLst>
+                        <p:cond delay="indefinite"/>
+                      </p:stCondLst>
+                      <p:childTnLst>
+                        <p:par>
+                          <p:cTn id="21" fill="hold">
+                            <p:stCondLst>
+                              <p:cond delay="0"/>
+                            </p:stCondLst>
+                            <p:childTnLst>
+                              <p:par>
+                                <p:cTn id="22" presetID="10" presetClass="entr" presetSubtype="0" fill="hold" nodeType="clickEffect">
+                                  <p:stCondLst>
+                                    <p:cond delay="0"/>
+                                  </p:stCondLst>
+                                  <p:childTnLst>
+                                    <p:set>
+                                      <p:cBhvr>
+                                        <p:cTn id="23" dur="1" fill="hold">
+                                          <p:stCondLst>
+                                            <p:cond delay="0"/>
+                                          </p:stCondLst>
+                                        </p:cTn>
+                                        <p:tgtEl>
+                                          <p:spTgt spid="7">
+                                            <p:txEl>
+                                              <p:pRg st="0" end="0"/>
+                                            </p:txEl>
+                                          </p:spTgt>
+                                        </p:tgtEl>
+                                        <p:attrNameLst>
+                                          <p:attrName>style.visibility</p:attrName>
+                                        </p:attrNameLst>
+                                      </p:cBhvr>
+                                      <p:to>
+                                        <p:strVal val="visible"/>
+                                      </p:to>
+                                    </p:set>
+                                    <p:animEffect transition="in" filter="fade">
+                                      <p:cBhvr>
+                                        <p:cTn id="24" dur="500"/>
+                                        <p:tgtEl>
+                                          <p:spTgt spid="7">
+                                            <p:txEl>
+                                              <p:pRg st="0" end="0"/>
+                                            </p:txEl>
+                                          </p:spTgt>
+                                        </p:tgtEl>
+                                      </p:cBhvr>
+                                    </p:animEffect>
+                                  </p:childTnLst>
+                                </p:cTn>
+                              </p:par>
+                            </p:childTnLst>
+                          </p:cTn>
+                        </p:par>
+                      </p:childTnLst>
+                    </p:cTn>
+                  </p:par>
+                  <p:par>
+                    <p:cTn id="25" fill="hold">
+                      <p:stCondLst>
+                        <p:cond delay="indefinite"/>
+                      </p:stCondLst>
+                      <p:childTnLst>
+                        <p:par>
+                          <p:cTn id="26" fill="hold">
+                            <p:stCondLst>
+                              <p:cond delay="0"/>
+                            </p:stCondLst>
+                            <p:childTnLst>
+                              <p:par>
+                                <p:cTn id="27" presetID="10" presetClass="entr" presetSubtype="0" fill="hold" nodeType="clickEffect">
+                                  <p:stCondLst>
+                                    <p:cond delay="0"/>
+                                  </p:stCondLst>
+                                  <p:childTnLst>
+                                    <p:set>
+                                      <p:cBhvr>
+                                        <p:cTn id="28" dur="1" fill="hold">
+                                          <p:stCondLst>
+                                            <p:cond delay="0"/>
+                                          </p:stCondLst>
+                                        </p:cTn>
+                                        <p:tgtEl>
+                                          <p:spTgt spid="7">
+                                            <p:txEl>
+                                              <p:pRg st="1" end="1"/>
+                                            </p:txEl>
+                                          </p:spTgt>
+                                        </p:tgtEl>
+                                        <p:attrNameLst>
+                                          <p:attrName>style.visibility</p:attrName>
+                                        </p:attrNameLst>
+                                      </p:cBhvr>
+                                      <p:to>
+                                        <p:strVal val="visible"/>
+                                      </p:to>
+                                    </p:set>
+                                    <p:animEffect transition="in" filter="fade">
+                                      <p:cBhvr>
+                                        <p:cTn id="29" dur="500"/>
+                                        <p:tgtEl>
+                                          <p:spTgt spid="7">
+                                            <p:txEl>
+                                              <p:pRg st="1" end="1"/>
+                                            </p:txEl>
+                                          </p:spTgt>
+                                        </p:tgtEl>
+                                      </p:cBhvr>
+                                    </p:animEffect>
+                                  </p:childTnLst>
+                                </p:cTn>
+                              </p:par>
+                            </p:childTnLst>
+                          </p:cTn>
+                        </p:par>
+                      </p:childTnLst>
+                    </p:cTn>
+                  </p:par>
+                  <p:par>
+                    <p:cTn id="30" fill="hold">
+                      <p:stCondLst>
+                        <p:cond delay="indefinite"/>
+                      </p:stCondLst>
+                      <p:childTnLst>
+                        <p:par>
+                          <p:cTn id="31" fill="hold">
+                            <p:stCondLst>
+                              <p:cond delay="0"/>
+                            </p:stCondLst>
+                            <p:childTnLst>
+                              <p:par>
+                                <p:cTn id="32" presetID="10" presetClass="entr" presetSubtype="0" fill="hold" nodeType="clickEffect">
+                                  <p:stCondLst>
+                                    <p:cond delay="0"/>
+                                  </p:stCondLst>
+                                  <p:childTnLst>
+                                    <p:set>
+                                      <p:cBhvr>
+                                        <p:cTn id="33" dur="1" fill="hold">
+                                          <p:stCondLst>
+                                            <p:cond delay="0"/>
+                                          </p:stCondLst>
+                                        </p:cTn>
+                                        <p:tgtEl>
+                                          <p:spTgt spid="7">
+                                            <p:txEl>
+                                              <p:pRg st="2" end="2"/>
+                                            </p:txEl>
+                                          </p:spTgt>
+                                        </p:tgtEl>
+                                        <p:attrNameLst>
+                                          <p:attrName>style.visibility</p:attrName>
+                                        </p:attrNameLst>
+                                      </p:cBhvr>
+                                      <p:to>
+                                        <p:strVal val="visible"/>
+                                      </p:to>
+                                    </p:set>
+                                    <p:animEffect transition="in" filter="fade">
+                                      <p:cBhvr>
+                                        <p:cTn id="34" dur="500"/>
+                                        <p:tgtEl>
+                                          <p:spTgt spid="7">
+                                            <p:txEl>
+                                              <p:pRg st="2" end="2"/>
+                                            </p:txEl>
+                                          </p:spTgt>
+                                        </p:tgtEl>
+                                      </p:cBhvr>
+                                    </p:animEffect>
+                                  </p:childTnLst>
+                                </p:cTn>
+                              </p:par>
+                            </p:childTnLst>
+                          </p:cTn>
+                        </p:par>
+                      </p:childTnLst>
+                    </p:cTn>
+                  </p:par>
+                  <p:par>
+                    <p:cTn id="35" fill="hold">
+                      <p:stCondLst>
+                        <p:cond delay="indefinite"/>
+                      </p:stCondLst>
+                      <p:childTnLst>
+                        <p:par>
+                          <p:cTn id="36" fill="hold">
+                            <p:stCondLst>
+                              <p:cond delay="0"/>
+                            </p:stCondLst>
+                            <p:childTnLst>
+                              <p:par>
+                                <p:cTn id="37" presetID="10" presetClass="entr" presetSubtype="0" fill="hold" nodeType="clickEffect">
+                                  <p:stCondLst>
+                                    <p:cond delay="0"/>
+                                  </p:stCondLst>
+                                  <p:childTnLst>
+                                    <p:set>
+                                      <p:cBhvr>
+                                        <p:cTn id="38" dur="1" fill="hold">
+                                          <p:stCondLst>
+                                            <p:cond delay="0"/>
+                                          </p:stCondLst>
+                                        </p:cTn>
+                                        <p:tgtEl>
+                                          <p:spTgt spid="7">
+                                            <p:txEl>
+                                              <p:pRg st="3" end="3"/>
+                                            </p:txEl>
+                                          </p:spTgt>
+                                        </p:tgtEl>
+                                        <p:attrNameLst>
+                                          <p:attrName>style.visibility</p:attrName>
+                                        </p:attrNameLst>
+                                      </p:cBhvr>
+                                      <p:to>
+                                        <p:strVal val="visible"/>
+                                      </p:to>
+                                    </p:set>
+                                    <p:animEffect transition="in" filter="fade">
+                                      <p:cBhvr>
+                                        <p:cTn id="39" dur="500"/>
+                                        <p:tgtEl>
+                                          <p:spTgt spid="7">
+                                            <p:txEl>
+                                              <p:pRg st="3" end="3"/>
+                                            </p:txEl>
+                                          </p:spTgt>
+                                        </p:tgtEl>
+                                      </p:cBhvr>
+                                    </p:animEffect>
+                                  </p:childTnLst>
+                                </p:cTn>
+                              </p:par>
+                            </p:childTnLst>
+                          </p:cTn>
+                        </p:par>
+                      </p:childTnLst>
+                    </p:cTn>
+                  </p:par>
+                  <p:par>
+                    <p:cTn id="40" fill="hold">
+                      <p:stCondLst>
+                        <p:cond delay="indefinite"/>
+                      </p:stCondLst>
+                      <p:childTnLst>
+                        <p:par>
+                          <p:cTn id="41" fill="hold">
+                            <p:stCondLst>
+                              <p:cond delay="0"/>
+                            </p:stCondLst>
+                            <p:childTnLst>
+                              <p:par>
+                                <p:cTn id="42" presetID="10" presetClass="entr" presetSubtype="0" fill="hold" nodeType="clickEffect">
+                                  <p:stCondLst>
+                                    <p:cond delay="0"/>
+                                  </p:stCondLst>
+                                  <p:childTnLst>
+                                    <p:set>
+                                      <p:cBhvr>
+                                        <p:cTn id="43" dur="1" fill="hold">
+                                          <p:stCondLst>
+                                            <p:cond delay="0"/>
+                                          </p:stCondLst>
+                                        </p:cTn>
+                                        <p:tgtEl>
+                                          <p:spTgt spid="7">
+                                            <p:txEl>
+                                              <p:pRg st="6" end="6"/>
+                                            </p:txEl>
+                                          </p:spTgt>
+                                        </p:tgtEl>
+                                        <p:attrNameLst>
+                                          <p:attrName>style.visibility</p:attrName>
+                                        </p:attrNameLst>
+                                      </p:cBhvr>
+                                      <p:to>
+                                        <p:strVal val="visible"/>
+                                      </p:to>
+                                    </p:set>
+                                    <p:animEffect transition="in" filter="fade">
+                                      <p:cBhvr>
+                                        <p:cTn id="44" dur="500"/>
+                                        <p:tgtEl>
+                                          <p:spTgt spid="7">
+                                            <p:txEl>
+                                              <p:pRg st="6" end="6"/>
                                             </p:txEl>
                                           </p:spTgt>
                                         </p:tgtEl>
@@ -18169,7 +24236,8 @@
       </p:par>
     </p:tnLst>
     <p:bldLst>
-      <p:bldP spid="27" grpId="0" build="p"/>
+      <p:bldP spid="15" grpId="0" animBg="1"/>
+      <p:bldP spid="4" grpId="0" build="p"/>
     </p:bldLst>
   </p:timing>
 </p:sld>

--- a/Demo.CodeContracts.pptx
+++ b/Demo.CodeContracts.pptx
@@ -239,7 +239,7 @@
           <a:p>
             <a:fld id="{744D7EC3-CD50-4DA5-B722-330229C0073D}" type="datetimeFigureOut">
               <a:rPr lang="en-US" smtClean="0"/>
-              <a:t>3/21/2013</a:t>
+              <a:t>4/4/2013</a:t>
             </a:fld>
             <a:endParaRPr lang="en-US"/>
           </a:p>
@@ -404,7 +404,7 @@
           <a:p>
             <a:fld id="{85BE0011-04E0-4F3F-BFCE-633C944A425A}" type="datetimeFigureOut">
               <a:rPr lang="en-US" smtClean="0"/>
-              <a:t>3/21/2013</a:t>
+              <a:t>4/4/2013</a:t>
             </a:fld>
             <a:endParaRPr lang="en-US"/>
           </a:p>
@@ -1064,54 +1064,6 @@
           <a:bodyPr/>
           <a:lstStyle/>
           <a:p>
-            <a:r>
-              <a:rPr lang="en-US" dirty="0" smtClean="0"/>
-              <a:t>Ask people who has used web </a:t>
-            </a:r>
-            <a:r>
-              <a:rPr lang="en-US" dirty="0" err="1" smtClean="0"/>
-              <a:t>api</a:t>
-            </a:r>
-            <a:endParaRPr lang="en-US" dirty="0" smtClean="0"/>
-          </a:p>
-          <a:p>
-            <a:r>
-              <a:rPr lang="en-US" dirty="0" smtClean="0"/>
-              <a:t>Who has used</a:t>
-            </a:r>
-            <a:r>
-              <a:rPr lang="en-US" baseline="0" dirty="0" smtClean="0"/>
-              <a:t> </a:t>
-            </a:r>
-            <a:r>
-              <a:rPr lang="en-US" baseline="0" dirty="0" err="1" smtClean="0"/>
-              <a:t>mvc</a:t>
-            </a:r>
-            <a:endParaRPr lang="en-US" baseline="0" dirty="0" smtClean="0"/>
-          </a:p>
-          <a:p>
-            <a:r>
-              <a:rPr lang="en-US" baseline="0" dirty="0" smtClean="0"/>
-              <a:t>Who has used </a:t>
-            </a:r>
-            <a:r>
-              <a:rPr lang="en-US" baseline="0" dirty="0" err="1" smtClean="0"/>
-              <a:t>wcf</a:t>
-            </a:r>
-            <a:endParaRPr lang="en-US" baseline="0" dirty="0" smtClean="0"/>
-          </a:p>
-          <a:p>
-            <a:endParaRPr lang="en-US" baseline="0" dirty="0" smtClean="0"/>
-          </a:p>
-          <a:p>
-            <a:r>
-              <a:rPr lang="en-US" baseline="0" dirty="0" smtClean="0"/>
-              <a:t>Not fair to be mean to </a:t>
-            </a:r>
-            <a:r>
-              <a:rPr lang="en-US" baseline="0" dirty="0" err="1" smtClean="0"/>
-              <a:t>wcf</a:t>
-            </a:r>
             <a:endParaRPr lang="en-US" dirty="0"/>
           </a:p>
         </p:txBody>
@@ -2146,7 +2098,7 @@
             <a:fld id="{EFEED2B4-868F-4681-9E70-FF7ECCDC67D4}" type="datetimeFigureOut">
               <a:rPr lang="en-US" smtClean="0"/>
               <a:pPr/>
-              <a:t>3/21/2013</a:t>
+              <a:t>4/4/2013</a:t>
             </a:fld>
             <a:endParaRPr lang="en-US" dirty="0"/>
           </a:p>
@@ -2412,7 +2364,7 @@
           <a:p>
             <a:fld id="{EFEED2B4-868F-4681-9E70-FF7ECCDC67D4}" type="datetimeFigureOut">
               <a:rPr lang="en-US" smtClean="0"/>
-              <a:t>3/21/2013</a:t>
+              <a:t>4/4/2013</a:t>
             </a:fld>
             <a:endParaRPr lang="en-US"/>
           </a:p>
@@ -3122,7 +3074,7 @@
           <a:p>
             <a:fld id="{EFEED2B4-868F-4681-9E70-FF7ECCDC67D4}" type="datetimeFigureOut">
               <a:rPr lang="en-US" smtClean="0"/>
-              <a:t>3/21/2013</a:t>
+              <a:t>4/4/2013</a:t>
             </a:fld>
             <a:endParaRPr lang="en-US"/>
           </a:p>
@@ -3732,7 +3684,7 @@
             <a:fld id="{EFEED2B4-868F-4681-9E70-FF7ECCDC67D4}" type="datetimeFigureOut">
               <a:rPr lang="en-US" smtClean="0"/>
               <a:pPr/>
-              <a:t>3/21/2013</a:t>
+              <a:t>4/4/2013</a:t>
             </a:fld>
             <a:endParaRPr lang="en-US" dirty="0"/>
           </a:p>
@@ -3886,7 +3838,7 @@
           <a:p>
             <a:fld id="{EFEED2B4-868F-4681-9E70-FF7ECCDC67D4}" type="datetimeFigureOut">
               <a:rPr lang="en-US" smtClean="0"/>
-              <a:t>3/21/2013</a:t>
+              <a:t>4/4/2013</a:t>
             </a:fld>
             <a:endParaRPr lang="en-US"/>
           </a:p>
@@ -4405,7 +4357,7 @@
           <a:p>
             <a:fld id="{EFEED2B4-868F-4681-9E70-FF7ECCDC67D4}" type="datetimeFigureOut">
               <a:rPr lang="en-US" smtClean="0"/>
-              <a:t>3/21/2013</a:t>
+              <a:t>4/4/2013</a:t>
             </a:fld>
             <a:endParaRPr lang="en-US"/>
           </a:p>
@@ -4947,7 +4899,7 @@
           <a:p>
             <a:fld id="{EFEED2B4-868F-4681-9E70-FF7ECCDC67D4}" type="datetimeFigureOut">
               <a:rPr lang="en-US" smtClean="0"/>
-              <a:t>3/21/2013</a:t>
+              <a:t>4/4/2013</a:t>
             </a:fld>
             <a:endParaRPr lang="en-US"/>
           </a:p>
@@ -5515,7 +5467,7 @@
           <a:p>
             <a:fld id="{EFEED2B4-868F-4681-9E70-FF7ECCDC67D4}" type="datetimeFigureOut">
               <a:rPr lang="en-US" smtClean="0"/>
-              <a:t>3/21/2013</a:t>
+              <a:t>4/4/2013</a:t>
             </a:fld>
             <a:endParaRPr lang="en-US"/>
           </a:p>
@@ -6573,7 +6525,7 @@
             <a:fld id="{EFEED2B4-868F-4681-9E70-FF7ECCDC67D4}" type="datetimeFigureOut">
               <a:rPr lang="en-US" smtClean="0"/>
               <a:pPr/>
-              <a:t>3/21/2013</a:t>
+              <a:t>4/4/2013</a:t>
             </a:fld>
             <a:endParaRPr lang="en-US" dirty="0"/>
           </a:p>
@@ -7020,7 +6972,7 @@
           <a:p>
             <a:fld id="{EFEED2B4-868F-4681-9E70-FF7ECCDC67D4}" type="datetimeFigureOut">
               <a:rPr lang="en-US" smtClean="0"/>
-              <a:t>3/21/2013</a:t>
+              <a:t>4/4/2013</a:t>
             </a:fld>
             <a:endParaRPr lang="en-US"/>
           </a:p>
@@ -7405,7 +7357,7 @@
           <a:p>
             <a:fld id="{EFEED2B4-868F-4681-9E70-FF7ECCDC67D4}" type="datetimeFigureOut">
               <a:rPr lang="en-US" smtClean="0"/>
-              <a:t>3/21/2013</a:t>
+              <a:t>4/4/2013</a:t>
             </a:fld>
             <a:endParaRPr lang="en-US"/>
           </a:p>
@@ -7966,7 +7918,7 @@
           <a:p>
             <a:fld id="{EFEED2B4-868F-4681-9E70-FF7ECCDC67D4}" type="datetimeFigureOut">
               <a:rPr lang="en-US" smtClean="0"/>
-              <a:t>3/21/2013</a:t>
+              <a:t>4/4/2013</a:t>
             </a:fld>
             <a:endParaRPr lang="en-US"/>
           </a:p>
@@ -8083,7 +8035,7 @@
           <a:p>
             <a:fld id="{EFEED2B4-868F-4681-9E70-FF7ECCDC67D4}" type="datetimeFigureOut">
               <a:rPr lang="en-US" smtClean="0"/>
-              <a:t>3/21/2013</a:t>
+              <a:t>4/4/2013</a:t>
             </a:fld>
             <a:endParaRPr lang="en-US"/>
           </a:p>
@@ -9599,7 +9551,7 @@
           <a:p>
             <a:fld id="{EFEED2B4-868F-4681-9E70-FF7ECCDC67D4}" type="datetimeFigureOut">
               <a:rPr lang="en-US" smtClean="0"/>
-              <a:t>3/21/2013</a:t>
+              <a:t>4/4/2013</a:t>
             </a:fld>
             <a:endParaRPr lang="en-US"/>
           </a:p>
@@ -10761,7 +10713,7 @@
           <a:p>
             <a:fld id="{EFEED2B4-868F-4681-9E70-FF7ECCDC67D4}" type="datetimeFigureOut">
               <a:rPr lang="en-US" smtClean="0"/>
-              <a:t>3/21/2013</a:t>
+              <a:t>4/4/2013</a:t>
             </a:fld>
             <a:endParaRPr lang="en-US"/>
           </a:p>
@@ -11140,7 +11092,7 @@
             <a:fld id="{EFEED2B4-868F-4681-9E70-FF7ECCDC67D4}" type="datetimeFigureOut">
               <a:rPr lang="en-US" smtClean="0"/>
               <a:pPr/>
-              <a:t>3/21/2013</a:t>
+              <a:t>4/4/2013</a:t>
             </a:fld>
             <a:endParaRPr lang="en-US" dirty="0"/>
           </a:p>
@@ -11437,7 +11389,7 @@
             <a:fld id="{EFEED2B4-868F-4681-9E70-FF7ECCDC67D4}" type="datetimeFigureOut">
               <a:rPr lang="en-US" smtClean="0"/>
               <a:pPr/>
-              <a:t>3/21/2013</a:t>
+              <a:t>4/4/2013</a:t>
             </a:fld>
             <a:endParaRPr lang="en-US" dirty="0"/>
           </a:p>
@@ -11913,7 +11865,7 @@
             <a:fld id="{EFEED2B4-868F-4681-9E70-FF7ECCDC67D4}" type="datetimeFigureOut">
               <a:rPr lang="en-US" smtClean="0"/>
               <a:pPr/>
-              <a:t>3/21/2013</a:t>
+              <a:t>4/4/2013</a:t>
             </a:fld>
             <a:endParaRPr lang="en-US" dirty="0"/>
           </a:p>
@@ -12196,7 +12148,7 @@
           <a:p>
             <a:fld id="{EFEED2B4-868F-4681-9E70-FF7ECCDC67D4}" type="datetimeFigureOut">
               <a:rPr lang="en-US" smtClean="0"/>
-              <a:t>3/21/2013</a:t>
+              <a:t>4/4/2013</a:t>
             </a:fld>
             <a:endParaRPr lang="en-US"/>
           </a:p>
@@ -12410,7 +12362,7 @@
           <a:p>
             <a:fld id="{EFEED2B4-868F-4681-9E70-FF7ECCDC67D4}" type="datetimeFigureOut">
               <a:rPr lang="en-US" smtClean="0"/>
-              <a:t>3/21/2013</a:t>
+              <a:t>4/4/2013</a:t>
             </a:fld>
             <a:endParaRPr lang="en-US"/>
           </a:p>
@@ -12821,7 +12773,7 @@
           <a:p>
             <a:fld id="{EFEED2B4-868F-4681-9E70-FF7ECCDC67D4}" type="datetimeFigureOut">
               <a:rPr lang="en-US" smtClean="0"/>
-              <a:t>3/21/2013</a:t>
+              <a:t>4/4/2013</a:t>
             </a:fld>
             <a:endParaRPr lang="en-US"/>
           </a:p>
@@ -13097,7 +13049,7 @@
           <a:p>
             <a:fld id="{EFEED2B4-868F-4681-9E70-FF7ECCDC67D4}" type="datetimeFigureOut">
               <a:rPr lang="en-US" smtClean="0"/>
-              <a:t>3/21/2013</a:t>
+              <a:t>4/4/2013</a:t>
             </a:fld>
             <a:endParaRPr lang="en-US"/>
           </a:p>
@@ -13534,7 +13486,7 @@
           <a:p>
             <a:fld id="{EFEED2B4-868F-4681-9E70-FF7ECCDC67D4}" type="datetimeFigureOut">
               <a:rPr lang="en-US" smtClean="0"/>
-              <a:t>3/21/2013</a:t>
+              <a:t>4/4/2013</a:t>
             </a:fld>
             <a:endParaRPr lang="en-US"/>
           </a:p>
@@ -13755,7 +13707,7 @@
           <a:p>
             <a:fld id="{EFEED2B4-868F-4681-9E70-FF7ECCDC67D4}" type="datetimeFigureOut">
               <a:rPr lang="en-US" smtClean="0"/>
-              <a:t>3/21/2013</a:t>
+              <a:t>4/4/2013</a:t>
             </a:fld>
             <a:endParaRPr lang="en-US"/>
           </a:p>
@@ -14245,7 +14197,7 @@
           <a:p>
             <a:fld id="{EFEED2B4-868F-4681-9E70-FF7ECCDC67D4}" type="datetimeFigureOut">
               <a:rPr lang="en-US" smtClean="0"/>
-              <a:t>3/21/2013</a:t>
+              <a:t>4/4/2013</a:t>
             </a:fld>
             <a:endParaRPr lang="en-US"/>
           </a:p>
@@ -14399,7 +14351,7 @@
             <a:fld id="{EFEED2B4-868F-4681-9E70-FF7ECCDC67D4}" type="datetimeFigureOut">
               <a:rPr lang="en-US" smtClean="0"/>
               <a:pPr/>
-              <a:t>3/21/2013</a:t>
+              <a:t>4/4/2013</a:t>
             </a:fld>
             <a:endParaRPr lang="en-US" dirty="0"/>
           </a:p>
@@ -14892,7 +14844,7 @@
           <a:p>
             <a:fld id="{EFEED2B4-868F-4681-9E70-FF7ECCDC67D4}" type="datetimeFigureOut">
               <a:rPr lang="en-US" smtClean="0"/>
-              <a:t>3/21/2013</a:t>
+              <a:t>4/4/2013</a:t>
             </a:fld>
             <a:endParaRPr lang="en-US"/>
           </a:p>
@@ -15122,7 +15074,7 @@
           <a:p>
             <a:fld id="{EFEED2B4-868F-4681-9E70-FF7ECCDC67D4}" type="datetimeFigureOut">
               <a:rPr lang="en-US" smtClean="0"/>
-              <a:t>3/21/2013</a:t>
+              <a:t>4/4/2013</a:t>
             </a:fld>
             <a:endParaRPr lang="en-US"/>
           </a:p>
@@ -16087,7 +16039,6 @@
               <a:rPr lang="en-US" sz="2800" dirty="0"/>
               <a:t>Implement Integrated Settings</a:t>
             </a:r>
-            <a:endParaRPr lang="en-US" sz="2800" dirty="0"/>
           </a:p>
         </p:txBody>
       </p:sp>
@@ -17511,7 +17462,6 @@
               <a:rPr lang="en-US" sz="2800" dirty="0"/>
               <a:t>Implement Integrated Settings</a:t>
             </a:r>
-            <a:endParaRPr lang="en-US" sz="2800" dirty="0"/>
           </a:p>
         </p:txBody>
       </p:sp>
@@ -18860,13 +18810,6 @@
               </a:rPr>
               <a:t>Implement Integrated Settings</a:t>
             </a:r>
-            <a:endParaRPr lang="en-US" sz="2800" dirty="0">
-              <a:solidFill>
-                <a:schemeClr val="accent6">
-                  <a:lumMod val="75000"/>
-                </a:schemeClr>
-              </a:solidFill>
-            </a:endParaRPr>
           </a:p>
         </p:txBody>
       </p:sp>
@@ -20192,11 +20135,7 @@
             </a:pPr>
             <a:r>
               <a:rPr lang="en-US" sz="3600" dirty="0" smtClean="0"/>
-              <a:t>How </a:t>
-            </a:r>
-            <a:r>
-              <a:rPr lang="en-US" sz="3600" dirty="0" smtClean="0"/>
-              <a:t>does Windows 8 allow Immersion  </a:t>
+              <a:t>How does Windows 8 allow Immersion  </a:t>
             </a:r>
           </a:p>
           <a:p>
@@ -21063,11 +21002,7 @@
             </a:pPr>
             <a:r>
               <a:rPr lang="en-US" sz="3600" dirty="0" smtClean="0"/>
-              <a:t>How </a:t>
-            </a:r>
-            <a:r>
-              <a:rPr lang="en-US" sz="3600" dirty="0" smtClean="0"/>
-              <a:t>does Windows 8 allow Immersion  </a:t>
+              <a:t>How does Windows 8 allow Immersion  </a:t>
             </a:r>
           </a:p>
           <a:p>
@@ -22402,7 +22337,7 @@
         <p:spPr>
           <a:xfrm>
             <a:off x="304800" y="1314271"/>
-            <a:ext cx="8000999" cy="2862322"/>
+            <a:ext cx="8000999" cy="3970318"/>
           </a:xfrm>
           <a:prstGeom prst="rect">
             <a:avLst/>
@@ -22417,34 +22352,42 @@
           <a:p>
             <a:r>
               <a:rPr lang="en-US" sz="3600" dirty="0" smtClean="0"/>
-              <a:t>By giving the </a:t>
+              <a:t>Appears like your application is integrated into Windows 8</a:t>
+            </a:r>
+            <a:endParaRPr lang="en-US" sz="3600" dirty="0" smtClean="0"/>
+          </a:p>
+          <a:p>
+            <a:endParaRPr lang="en-US" sz="3600" dirty="0" smtClean="0"/>
+          </a:p>
+          <a:p>
+            <a:r>
+              <a:rPr lang="en-US" sz="3600" dirty="0" smtClean="0"/>
+              <a:t>By reinforcing user </a:t>
             </a:r>
             <a:r>
               <a:rPr lang="en-US" sz="3600" dirty="0" err="1" smtClean="0"/>
-              <a:t>appea</a:t>
+              <a:t>habbits</a:t>
             </a:r>
             <a:endParaRPr lang="en-US" sz="3600" dirty="0" smtClean="0"/>
           </a:p>
           <a:p>
+            <a:r>
+              <a:rPr lang="en-US" sz="3600" dirty="0" smtClean="0"/>
+              <a:t>	Common way to search</a:t>
+            </a:r>
+          </a:p>
+          <a:p>
+            <a:r>
+              <a:rPr lang="en-US" sz="3600" dirty="0"/>
+              <a:t>	</a:t>
+            </a:r>
+            <a:r>
+              <a:rPr lang="en-US" sz="3600" dirty="0" smtClean="0"/>
+              <a:t>common way to share</a:t>
+            </a:r>
             <a:endParaRPr lang="en-US" sz="3600" dirty="0" smtClean="0"/>
           </a:p>
           <a:p>
-            <a:r>
-              <a:rPr lang="en-US" sz="3600" dirty="0" smtClean="0"/>
-              <a:t>X</a:t>
-            </a:r>
-          </a:p>
-          <a:p>
-            <a:r>
-              <a:rPr lang="en-US" sz="3600" dirty="0" smtClean="0"/>
-              <a:t>Y</a:t>
-            </a:r>
-          </a:p>
-          <a:p>
-            <a:r>
-              <a:rPr lang="en-US" sz="3600" dirty="0"/>
-              <a:t>z</a:t>
-            </a:r>
             <a:endParaRPr lang="en-US" sz="3600" dirty="0"/>
           </a:p>
         </p:txBody>
@@ -23144,7 +23087,6 @@
               <a:rPr lang="en-US" sz="2800" dirty="0"/>
               <a:t>Implement Integrated Settings</a:t>
             </a:r>
-            <a:endParaRPr lang="en-US" sz="2800" dirty="0"/>
           </a:p>
         </p:txBody>
       </p:sp>
